--- a/Doc/Cod-INSA_Finale.pptx
+++ b/Doc/Cod-INSA_Finale.pptx
@@ -6,7 +6,7 @@
     <p:sldMasterId id="2147483649" r:id="rId2"/>
   </p:sldMasterIdLst>
   <p:notesMasterIdLst>
-    <p:notesMasterId r:id="rId41"/>
+    <p:notesMasterId r:id="rId40"/>
   </p:notesMasterIdLst>
   <p:sldIdLst>
     <p:sldId id="256" r:id="rId3"/>
@@ -18,35 +18,34 @@
     <p:sldId id="261" r:id="rId9"/>
     <p:sldId id="262" r:id="rId10"/>
     <p:sldId id="263" r:id="rId11"/>
-    <p:sldId id="266" r:id="rId12"/>
-    <p:sldId id="267" r:id="rId13"/>
-    <p:sldId id="268" r:id="rId14"/>
-    <p:sldId id="269" r:id="rId15"/>
-    <p:sldId id="291" r:id="rId16"/>
-    <p:sldId id="292" r:id="rId17"/>
-    <p:sldId id="293" r:id="rId18"/>
-    <p:sldId id="270" r:id="rId19"/>
-    <p:sldId id="271" r:id="rId20"/>
-    <p:sldId id="272" r:id="rId21"/>
-    <p:sldId id="273" r:id="rId22"/>
-    <p:sldId id="274" r:id="rId23"/>
-    <p:sldId id="275" r:id="rId24"/>
-    <p:sldId id="276" r:id="rId25"/>
-    <p:sldId id="282" r:id="rId26"/>
-    <p:sldId id="283" r:id="rId27"/>
-    <p:sldId id="277" r:id="rId28"/>
-    <p:sldId id="278" r:id="rId29"/>
-    <p:sldId id="280" r:id="rId30"/>
-    <p:sldId id="284" r:id="rId31"/>
-    <p:sldId id="281" r:id="rId32"/>
-    <p:sldId id="279" r:id="rId33"/>
-    <p:sldId id="288" r:id="rId34"/>
-    <p:sldId id="285" r:id="rId35"/>
-    <p:sldId id="289" r:id="rId36"/>
-    <p:sldId id="290" r:id="rId37"/>
-    <p:sldId id="286" r:id="rId38"/>
-    <p:sldId id="287" r:id="rId39"/>
-    <p:sldId id="264" r:id="rId40"/>
+    <p:sldId id="267" r:id="rId12"/>
+    <p:sldId id="268" r:id="rId13"/>
+    <p:sldId id="269" r:id="rId14"/>
+    <p:sldId id="291" r:id="rId15"/>
+    <p:sldId id="292" r:id="rId16"/>
+    <p:sldId id="293" r:id="rId17"/>
+    <p:sldId id="270" r:id="rId18"/>
+    <p:sldId id="271" r:id="rId19"/>
+    <p:sldId id="272" r:id="rId20"/>
+    <p:sldId id="273" r:id="rId21"/>
+    <p:sldId id="274" r:id="rId22"/>
+    <p:sldId id="275" r:id="rId23"/>
+    <p:sldId id="276" r:id="rId24"/>
+    <p:sldId id="282" r:id="rId25"/>
+    <p:sldId id="283" r:id="rId26"/>
+    <p:sldId id="277" r:id="rId27"/>
+    <p:sldId id="278" r:id="rId28"/>
+    <p:sldId id="280" r:id="rId29"/>
+    <p:sldId id="284" r:id="rId30"/>
+    <p:sldId id="281" r:id="rId31"/>
+    <p:sldId id="279" r:id="rId32"/>
+    <p:sldId id="288" r:id="rId33"/>
+    <p:sldId id="285" r:id="rId34"/>
+    <p:sldId id="289" r:id="rId35"/>
+    <p:sldId id="290" r:id="rId36"/>
+    <p:sldId id="286" r:id="rId37"/>
+    <p:sldId id="287" r:id="rId38"/>
+    <p:sldId id="264" r:id="rId39"/>
   </p:sldIdLst>
   <p:sldSz cx="9144000" cy="6858000" type="screen4x3"/>
   <p:notesSz cx="6858000" cy="9144000"/>
@@ -1313,371 +1312,6 @@
       </p:grpSpPr>
       <p:sp>
         <p:nvSpPr>
-          <p:cNvPr id="23554" name="Rectangle 7"/>
-          <p:cNvSpPr>
-            <a:spLocks noGrp="1" noChangeArrowheads="1"/>
-          </p:cNvSpPr>
-          <p:nvPr>
-            <p:ph type="sldNum" sz="quarter"/>
-          </p:nvPr>
-        </p:nvSpPr>
-        <p:spPr>
-          <a:noFill/>
-          <a:extLst>
-            <a:ext uri="{91240B29-F687-4F45-9708-019B960494DF}">
-              <a14:hiddenLine xmlns:a14="http://schemas.microsoft.com/office/drawing/2010/main" w="9525">
-                <a:solidFill>
-                  <a:srgbClr val="808080"/>
-                </a:solidFill>
-                <a:round/>
-                <a:headEnd/>
-                <a:tailEnd/>
-              </a14:hiddenLine>
-            </a:ext>
-          </a:extLst>
-        </p:spPr>
-        <p:txBody>
-          <a:bodyPr/>
-          <a:lstStyle>
-            <a:lvl1pPr marL="215900" indent="-215900">
-              <a:buClr>
-                <a:srgbClr val="000000"/>
-              </a:buClr>
-              <a:buSzPct val="100000"/>
-              <a:buFont typeface="Times New Roman" panose="02020603050405020304" pitchFamily="18" charset="0"/>
-              <a:tabLst>
-                <a:tab pos="723900" algn="l"/>
-                <a:tab pos="1447800" algn="l"/>
-                <a:tab pos="2171700" algn="l"/>
-                <a:tab pos="2895600" algn="l"/>
-              </a:tabLst>
-              <a:defRPr sz="2400">
-                <a:solidFill>
-                  <a:schemeClr val="bg1"/>
-                </a:solidFill>
-                <a:latin typeface="Arial" panose="020B0604020202020204" pitchFamily="34" charset="0"/>
-                <a:ea typeface="ＭＳ Ｐゴシック" panose="020B0600070205080204" pitchFamily="34" charset="-128"/>
-              </a:defRPr>
-            </a:lvl1pPr>
-            <a:lvl2pPr>
-              <a:buClr>
-                <a:srgbClr val="000000"/>
-              </a:buClr>
-              <a:buSzPct val="100000"/>
-              <a:buFont typeface="Times New Roman" panose="02020603050405020304" pitchFamily="18" charset="0"/>
-              <a:tabLst>
-                <a:tab pos="723900" algn="l"/>
-                <a:tab pos="1447800" algn="l"/>
-                <a:tab pos="2171700" algn="l"/>
-                <a:tab pos="2895600" algn="l"/>
-              </a:tabLst>
-              <a:defRPr sz="2400">
-                <a:solidFill>
-                  <a:schemeClr val="bg1"/>
-                </a:solidFill>
-                <a:latin typeface="Arial" panose="020B0604020202020204" pitchFamily="34" charset="0"/>
-                <a:ea typeface="ＭＳ Ｐゴシック" panose="020B0600070205080204" pitchFamily="34" charset="-128"/>
-              </a:defRPr>
-            </a:lvl2pPr>
-            <a:lvl3pPr>
-              <a:buClr>
-                <a:srgbClr val="000000"/>
-              </a:buClr>
-              <a:buSzPct val="100000"/>
-              <a:buFont typeface="Times New Roman" panose="02020603050405020304" pitchFamily="18" charset="0"/>
-              <a:tabLst>
-                <a:tab pos="723900" algn="l"/>
-                <a:tab pos="1447800" algn="l"/>
-                <a:tab pos="2171700" algn="l"/>
-                <a:tab pos="2895600" algn="l"/>
-              </a:tabLst>
-              <a:defRPr sz="2400">
-                <a:solidFill>
-                  <a:schemeClr val="bg1"/>
-                </a:solidFill>
-                <a:latin typeface="Arial" panose="020B0604020202020204" pitchFamily="34" charset="0"/>
-                <a:ea typeface="ＭＳ Ｐゴシック" panose="020B0600070205080204" pitchFamily="34" charset="-128"/>
-              </a:defRPr>
-            </a:lvl3pPr>
-            <a:lvl4pPr>
-              <a:buClr>
-                <a:srgbClr val="000000"/>
-              </a:buClr>
-              <a:buSzPct val="100000"/>
-              <a:buFont typeface="Times New Roman" panose="02020603050405020304" pitchFamily="18" charset="0"/>
-              <a:tabLst>
-                <a:tab pos="723900" algn="l"/>
-                <a:tab pos="1447800" algn="l"/>
-                <a:tab pos="2171700" algn="l"/>
-                <a:tab pos="2895600" algn="l"/>
-              </a:tabLst>
-              <a:defRPr sz="2400">
-                <a:solidFill>
-                  <a:schemeClr val="bg1"/>
-                </a:solidFill>
-                <a:latin typeface="Arial" panose="020B0604020202020204" pitchFamily="34" charset="0"/>
-                <a:ea typeface="ＭＳ Ｐゴシック" panose="020B0600070205080204" pitchFamily="34" charset="-128"/>
-              </a:defRPr>
-            </a:lvl4pPr>
-            <a:lvl5pPr>
-              <a:buClr>
-                <a:srgbClr val="000000"/>
-              </a:buClr>
-              <a:buSzPct val="100000"/>
-              <a:buFont typeface="Times New Roman" panose="02020603050405020304" pitchFamily="18" charset="0"/>
-              <a:tabLst>
-                <a:tab pos="723900" algn="l"/>
-                <a:tab pos="1447800" algn="l"/>
-                <a:tab pos="2171700" algn="l"/>
-                <a:tab pos="2895600" algn="l"/>
-              </a:tabLst>
-              <a:defRPr sz="2400">
-                <a:solidFill>
-                  <a:schemeClr val="bg1"/>
-                </a:solidFill>
-                <a:latin typeface="Arial" panose="020B0604020202020204" pitchFamily="34" charset="0"/>
-                <a:ea typeface="ＭＳ Ｐゴシック" panose="020B0600070205080204" pitchFamily="34" charset="-128"/>
-              </a:defRPr>
-            </a:lvl5pPr>
-            <a:lvl6pPr marL="2514600" indent="-228600" defTabSz="449263" eaLnBrk="0" fontAlgn="base" hangingPunct="0">
-              <a:spcBef>
-                <a:spcPct val="0"/>
-              </a:spcBef>
-              <a:spcAft>
-                <a:spcPct val="0"/>
-              </a:spcAft>
-              <a:buClr>
-                <a:srgbClr val="000000"/>
-              </a:buClr>
-              <a:buSzPct val="100000"/>
-              <a:buFont typeface="Times New Roman" panose="02020603050405020304" pitchFamily="18" charset="0"/>
-              <a:tabLst>
-                <a:tab pos="723900" algn="l"/>
-                <a:tab pos="1447800" algn="l"/>
-                <a:tab pos="2171700" algn="l"/>
-                <a:tab pos="2895600" algn="l"/>
-              </a:tabLst>
-              <a:defRPr sz="2400">
-                <a:solidFill>
-                  <a:schemeClr val="bg1"/>
-                </a:solidFill>
-                <a:latin typeface="Arial" panose="020B0604020202020204" pitchFamily="34" charset="0"/>
-                <a:ea typeface="ＭＳ Ｐゴシック" panose="020B0600070205080204" pitchFamily="34" charset="-128"/>
-              </a:defRPr>
-            </a:lvl6pPr>
-            <a:lvl7pPr marL="2971800" indent="-228600" defTabSz="449263" eaLnBrk="0" fontAlgn="base" hangingPunct="0">
-              <a:spcBef>
-                <a:spcPct val="0"/>
-              </a:spcBef>
-              <a:spcAft>
-                <a:spcPct val="0"/>
-              </a:spcAft>
-              <a:buClr>
-                <a:srgbClr val="000000"/>
-              </a:buClr>
-              <a:buSzPct val="100000"/>
-              <a:buFont typeface="Times New Roman" panose="02020603050405020304" pitchFamily="18" charset="0"/>
-              <a:tabLst>
-                <a:tab pos="723900" algn="l"/>
-                <a:tab pos="1447800" algn="l"/>
-                <a:tab pos="2171700" algn="l"/>
-                <a:tab pos="2895600" algn="l"/>
-              </a:tabLst>
-              <a:defRPr sz="2400">
-                <a:solidFill>
-                  <a:schemeClr val="bg1"/>
-                </a:solidFill>
-                <a:latin typeface="Arial" panose="020B0604020202020204" pitchFamily="34" charset="0"/>
-                <a:ea typeface="ＭＳ Ｐゴシック" panose="020B0600070205080204" pitchFamily="34" charset="-128"/>
-              </a:defRPr>
-            </a:lvl7pPr>
-            <a:lvl8pPr marL="3429000" indent="-228600" defTabSz="449263" eaLnBrk="0" fontAlgn="base" hangingPunct="0">
-              <a:spcBef>
-                <a:spcPct val="0"/>
-              </a:spcBef>
-              <a:spcAft>
-                <a:spcPct val="0"/>
-              </a:spcAft>
-              <a:buClr>
-                <a:srgbClr val="000000"/>
-              </a:buClr>
-              <a:buSzPct val="100000"/>
-              <a:buFont typeface="Times New Roman" panose="02020603050405020304" pitchFamily="18" charset="0"/>
-              <a:tabLst>
-                <a:tab pos="723900" algn="l"/>
-                <a:tab pos="1447800" algn="l"/>
-                <a:tab pos="2171700" algn="l"/>
-                <a:tab pos="2895600" algn="l"/>
-              </a:tabLst>
-              <a:defRPr sz="2400">
-                <a:solidFill>
-                  <a:schemeClr val="bg1"/>
-                </a:solidFill>
-                <a:latin typeface="Arial" panose="020B0604020202020204" pitchFamily="34" charset="0"/>
-                <a:ea typeface="ＭＳ Ｐゴシック" panose="020B0600070205080204" pitchFamily="34" charset="-128"/>
-              </a:defRPr>
-            </a:lvl8pPr>
-            <a:lvl9pPr marL="3886200" indent="-228600" defTabSz="449263" eaLnBrk="0" fontAlgn="base" hangingPunct="0">
-              <a:spcBef>
-                <a:spcPct val="0"/>
-              </a:spcBef>
-              <a:spcAft>
-                <a:spcPct val="0"/>
-              </a:spcAft>
-              <a:buClr>
-                <a:srgbClr val="000000"/>
-              </a:buClr>
-              <a:buSzPct val="100000"/>
-              <a:buFont typeface="Times New Roman" panose="02020603050405020304" pitchFamily="18" charset="0"/>
-              <a:tabLst>
-                <a:tab pos="723900" algn="l"/>
-                <a:tab pos="1447800" algn="l"/>
-                <a:tab pos="2171700" algn="l"/>
-                <a:tab pos="2895600" algn="l"/>
-              </a:tabLst>
-              <a:defRPr sz="2400">
-                <a:solidFill>
-                  <a:schemeClr val="bg1"/>
-                </a:solidFill>
-                <a:latin typeface="Arial" panose="020B0604020202020204" pitchFamily="34" charset="0"/>
-                <a:ea typeface="ＭＳ Ｐゴシック" panose="020B0600070205080204" pitchFamily="34" charset="-128"/>
-              </a:defRPr>
-            </a:lvl9pPr>
-          </a:lstStyle>
-          <a:p>
-            <a:pPr>
-              <a:buSzPct val="45000"/>
-              <a:buFont typeface="Wingdings" panose="05000000000000000000" pitchFamily="2" charset="2"/>
-              <a:buNone/>
-            </a:pPr>
-            <a:fld id="{02D79191-A8AF-42A7-8855-DEBAB2ABBDBE}" type="slidenum">
-              <a:rPr lang="fr-FR" altLang="fr-FR" sz="1200">
-                <a:solidFill>
-                  <a:srgbClr val="000000"/>
-                </a:solidFill>
-                <a:latin typeface="Times New Roman" panose="02020603050405020304" pitchFamily="18" charset="0"/>
-              </a:rPr>
-              <a:pPr>
-                <a:buSzPct val="45000"/>
-                <a:buFont typeface="Wingdings" panose="05000000000000000000" pitchFamily="2" charset="2"/>
-                <a:buNone/>
-              </a:pPr>
-              <a:t>10</a:t>
-            </a:fld>
-            <a:endParaRPr lang="fr-FR" altLang="fr-FR" sz="1200">
-              <a:solidFill>
-                <a:srgbClr val="000000"/>
-              </a:solidFill>
-              <a:latin typeface="Times New Roman" panose="02020603050405020304" pitchFamily="18" charset="0"/>
-            </a:endParaRPr>
-          </a:p>
-        </p:txBody>
-      </p:sp>
-      <p:sp>
-        <p:nvSpPr>
-          <p:cNvPr id="23555" name="Rectangle 1"/>
-          <p:cNvSpPr txBox="1">
-            <a:spLocks noChangeArrowheads="1" noTextEdit="1"/>
-          </p:cNvSpPr>
-          <p:nvPr>
-            <p:ph type="sldImg"/>
-          </p:nvPr>
-        </p:nvSpPr>
-        <p:spPr>
-          <a:xfrm>
-            <a:off x="1143000" y="685800"/>
-            <a:ext cx="4572000" cy="3429000"/>
-          </a:xfrm>
-          <a:ln/>
-          <a:extLst>
-            <a:ext uri="{AF507438-7753-43E0-B8FC-AC1667EBCBE1}">
-              <a14:hiddenEffects xmlns:a14="http://schemas.microsoft.com/office/drawing/2010/main">
-                <a:effectLst>
-                  <a:outerShdw dist="35921" dir="2700000" algn="ctr" rotWithShape="0">
-                    <a:srgbClr val="808080"/>
-                  </a:outerShdw>
-                </a:effectLst>
-              </a14:hiddenEffects>
-            </a:ext>
-          </a:extLst>
-        </p:spPr>
-      </p:sp>
-      <p:sp>
-        <p:nvSpPr>
-          <p:cNvPr id="23556" name="Rectangle 2"/>
-          <p:cNvSpPr txBox="1">
-            <a:spLocks noChangeArrowheads="1"/>
-          </p:cNvSpPr>
-          <p:nvPr>
-            <p:ph type="body" idx="1"/>
-          </p:nvPr>
-        </p:nvSpPr>
-        <p:spPr>
-          <a:xfrm>
-            <a:off x="914400" y="4343400"/>
-            <a:ext cx="5029200" cy="4114800"/>
-          </a:xfrm>
-          <a:noFill/>
-          <a:extLst>
-            <a:ext uri="{AF507438-7753-43E0-B8FC-AC1667EBCBE1}">
-              <a14:hiddenEffects xmlns:a14="http://schemas.microsoft.com/office/drawing/2010/main">
-                <a:effectLst>
-                  <a:outerShdw dist="35921" dir="2700000" algn="ctr" rotWithShape="0">
-                    <a:srgbClr val="808080"/>
-                  </a:outerShdw>
-                </a:effectLst>
-              </a14:hiddenEffects>
-            </a:ext>
-          </a:extLst>
-        </p:spPr>
-        <p:txBody>
-          <a:bodyPr wrap="none" anchor="ctr"/>
-          <a:lstStyle/>
-          <a:p>
-            <a:endParaRPr lang="fr-FR" altLang="fr-FR" smtClean="0"/>
-          </a:p>
-        </p:txBody>
-      </p:sp>
-    </p:spTree>
-    <p:extLst>
-      <p:ext uri="{BB962C8B-B14F-4D97-AF65-F5344CB8AC3E}">
-        <p14:creationId xmlns:p14="http://schemas.microsoft.com/office/powerpoint/2010/main" val="3583948227"/>
-      </p:ext>
-    </p:extLst>
-  </p:cSld>
-  <p:clrMapOvr>
-    <a:masterClrMapping/>
-  </p:clrMapOvr>
-</p:notes>
-</file>
-
-<file path=ppt/notesSlides/notesSlide11.xml><?xml version="1.0" encoding="utf-8"?>
-<p:notes xmlns:a="http://schemas.openxmlformats.org/drawingml/2006/main" xmlns:r="http://schemas.openxmlformats.org/officeDocument/2006/relationships" xmlns:p="http://schemas.openxmlformats.org/presentationml/2006/main">
-  <p:cSld>
-    <p:bg>
-      <p:bgPr>
-        <a:solidFill>
-          <a:srgbClr val="FFFFFF"/>
-        </a:solidFill>
-        <a:effectLst/>
-      </p:bgPr>
-    </p:bg>
-    <p:spTree>
-      <p:nvGrpSpPr>
-        <p:cNvPr id="1" name=""/>
-        <p:cNvGrpSpPr/>
-        <p:nvPr/>
-      </p:nvGrpSpPr>
-      <p:grpSpPr>
-        <a:xfrm>
-          <a:off x="0" y="0"/>
-          <a:ext cx="0" cy="0"/>
-          <a:chOff x="0" y="0"/>
-          <a:chExt cx="0" cy="0"/>
-        </a:xfrm>
-      </p:grpSpPr>
-      <p:sp>
-        <p:nvSpPr>
           <p:cNvPr id="25602" name="Rectangle 7"/>
           <p:cNvSpPr>
             <a:spLocks noGrp="1" noChangeArrowheads="1"/>
@@ -1927,7 +1561,7 @@
                 <a:buFont typeface="Wingdings" panose="05000000000000000000" pitchFamily="2" charset="2"/>
                 <a:buNone/>
               </a:pPr>
-              <a:t>11</a:t>
+              <a:t>10</a:t>
             </a:fld>
             <a:endParaRPr lang="fr-FR" altLang="fr-FR" sz="1200">
               <a:solidFill>
@@ -2016,7 +1650,7 @@
 </p:notes>
 </file>
 
-<file path=ppt/notesSlides/notesSlide12.xml><?xml version="1.0" encoding="utf-8"?>
+<file path=ppt/notesSlides/notesSlide11.xml><?xml version="1.0" encoding="utf-8"?>
 <p:notes xmlns:a="http://schemas.openxmlformats.org/drawingml/2006/main" xmlns:r="http://schemas.openxmlformats.org/officeDocument/2006/relationships" xmlns:p="http://schemas.openxmlformats.org/presentationml/2006/main">
   <p:cSld>
     <p:bg>
@@ -2292,7 +1926,7 @@
                 <a:buFont typeface="Wingdings" panose="05000000000000000000" pitchFamily="2" charset="2"/>
                 <a:buNone/>
               </a:pPr>
-              <a:t>12</a:t>
+              <a:t>11</a:t>
             </a:fld>
             <a:endParaRPr lang="fr-FR" altLang="fr-FR" sz="1200">
               <a:solidFill>
@@ -2381,7 +2015,7 @@
 </p:notes>
 </file>
 
-<file path=ppt/notesSlides/notesSlide13.xml><?xml version="1.0" encoding="utf-8"?>
+<file path=ppt/notesSlides/notesSlide12.xml><?xml version="1.0" encoding="utf-8"?>
 <p:notes xmlns:a="http://schemas.openxmlformats.org/drawingml/2006/main" xmlns:r="http://schemas.openxmlformats.org/officeDocument/2006/relationships" xmlns:p="http://schemas.openxmlformats.org/presentationml/2006/main">
   <p:cSld>
     <p:bg>
@@ -2657,7 +2291,7 @@
                 <a:buFont typeface="Wingdings" panose="05000000000000000000" pitchFamily="2" charset="2"/>
                 <a:buNone/>
               </a:pPr>
-              <a:t>13</a:t>
+              <a:t>12</a:t>
             </a:fld>
             <a:endParaRPr lang="fr-FR" altLang="fr-FR" sz="1200">
               <a:solidFill>
@@ -2746,7 +2380,7 @@
 </p:notes>
 </file>
 
-<file path=ppt/notesSlides/notesSlide14.xml><?xml version="1.0" encoding="utf-8"?>
+<file path=ppt/notesSlides/notesSlide13.xml><?xml version="1.0" encoding="utf-8"?>
 <p:notes xmlns:a="http://schemas.openxmlformats.org/drawingml/2006/main" xmlns:r="http://schemas.openxmlformats.org/officeDocument/2006/relationships" xmlns:p="http://schemas.openxmlformats.org/presentationml/2006/main">
   <p:cSld>
     <p:bg>
@@ -3022,7 +2656,7 @@
                 <a:buFont typeface="Wingdings" panose="05000000000000000000" pitchFamily="2" charset="2"/>
                 <a:buNone/>
               </a:pPr>
-              <a:t>14</a:t>
+              <a:t>13</a:t>
             </a:fld>
             <a:endParaRPr lang="fr-FR" altLang="fr-FR" sz="1200">
               <a:solidFill>
@@ -3111,7 +2745,7 @@
 </p:notes>
 </file>
 
-<file path=ppt/notesSlides/notesSlide15.xml><?xml version="1.0" encoding="utf-8"?>
+<file path=ppt/notesSlides/notesSlide14.xml><?xml version="1.0" encoding="utf-8"?>
 <p:notes xmlns:a="http://schemas.openxmlformats.org/drawingml/2006/main" xmlns:r="http://schemas.openxmlformats.org/officeDocument/2006/relationships" xmlns:p="http://schemas.openxmlformats.org/presentationml/2006/main">
   <p:cSld>
     <p:bg>
@@ -3387,7 +3021,7 @@
                 <a:buFont typeface="Wingdings" panose="05000000000000000000" pitchFamily="2" charset="2"/>
                 <a:buNone/>
               </a:pPr>
-              <a:t>15</a:t>
+              <a:t>14</a:t>
             </a:fld>
             <a:endParaRPr lang="fr-FR" altLang="fr-FR" sz="1200">
               <a:solidFill>
@@ -3476,7 +3110,7 @@
 </p:notes>
 </file>
 
-<file path=ppt/notesSlides/notesSlide16.xml><?xml version="1.0" encoding="utf-8"?>
+<file path=ppt/notesSlides/notesSlide15.xml><?xml version="1.0" encoding="utf-8"?>
 <p:notes xmlns:a="http://schemas.openxmlformats.org/drawingml/2006/main" xmlns:r="http://schemas.openxmlformats.org/officeDocument/2006/relationships" xmlns:p="http://schemas.openxmlformats.org/presentationml/2006/main">
   <p:cSld>
     <p:bg>
@@ -3752,7 +3386,7 @@
                 <a:buFont typeface="Wingdings" panose="05000000000000000000" pitchFamily="2" charset="2"/>
                 <a:buNone/>
               </a:pPr>
-              <a:t>16</a:t>
+              <a:t>15</a:t>
             </a:fld>
             <a:endParaRPr lang="fr-FR" altLang="fr-FR" sz="1200">
               <a:solidFill>
@@ -3841,7 +3475,7 @@
 </p:notes>
 </file>
 
-<file path=ppt/notesSlides/notesSlide17.xml><?xml version="1.0" encoding="utf-8"?>
+<file path=ppt/notesSlides/notesSlide16.xml><?xml version="1.0" encoding="utf-8"?>
 <p:notes xmlns:a="http://schemas.openxmlformats.org/drawingml/2006/main" xmlns:r="http://schemas.openxmlformats.org/officeDocument/2006/relationships" xmlns:p="http://schemas.openxmlformats.org/presentationml/2006/main">
   <p:cSld>
     <p:bg>
@@ -4117,7 +3751,7 @@
                 <a:buFont typeface="Wingdings" panose="05000000000000000000" pitchFamily="2" charset="2"/>
                 <a:buNone/>
               </a:pPr>
-              <a:t>17</a:t>
+              <a:t>16</a:t>
             </a:fld>
             <a:endParaRPr lang="fr-FR" altLang="fr-FR" sz="1200">
               <a:solidFill>
@@ -4206,7 +3840,7 @@
 </p:notes>
 </file>
 
-<file path=ppt/notesSlides/notesSlide18.xml><?xml version="1.0" encoding="utf-8"?>
+<file path=ppt/notesSlides/notesSlide17.xml><?xml version="1.0" encoding="utf-8"?>
 <p:notes xmlns:a="http://schemas.openxmlformats.org/drawingml/2006/main" xmlns:r="http://schemas.openxmlformats.org/officeDocument/2006/relationships" xmlns:p="http://schemas.openxmlformats.org/presentationml/2006/main">
   <p:cSld>
     <p:bg>
@@ -4482,7 +4116,7 @@
                 <a:buFont typeface="Wingdings" panose="05000000000000000000" pitchFamily="2" charset="2"/>
                 <a:buNone/>
               </a:pPr>
-              <a:t>18</a:t>
+              <a:t>17</a:t>
             </a:fld>
             <a:endParaRPr lang="fr-FR" altLang="fr-FR" sz="1200">
               <a:solidFill>
@@ -4571,7 +4205,7 @@
 </p:notes>
 </file>
 
-<file path=ppt/notesSlides/notesSlide19.xml><?xml version="1.0" encoding="utf-8"?>
+<file path=ppt/notesSlides/notesSlide18.xml><?xml version="1.0" encoding="utf-8"?>
 <p:notes xmlns:a="http://schemas.openxmlformats.org/drawingml/2006/main" xmlns:r="http://schemas.openxmlformats.org/officeDocument/2006/relationships" xmlns:p="http://schemas.openxmlformats.org/presentationml/2006/main">
   <p:cSld>
     <p:bg>
@@ -4847,7 +4481,7 @@
                 <a:buFont typeface="Wingdings" panose="05000000000000000000" pitchFamily="2" charset="2"/>
                 <a:buNone/>
               </a:pPr>
-              <a:t>19</a:t>
+              <a:t>18</a:t>
             </a:fld>
             <a:endParaRPr lang="fr-FR" altLang="fr-FR" sz="1200">
               <a:solidFill>
@@ -4936,6 +4570,371 @@
 </p:notes>
 </file>
 
+<file path=ppt/notesSlides/notesSlide19.xml><?xml version="1.0" encoding="utf-8"?>
+<p:notes xmlns:a="http://schemas.openxmlformats.org/drawingml/2006/main" xmlns:r="http://schemas.openxmlformats.org/officeDocument/2006/relationships" xmlns:p="http://schemas.openxmlformats.org/presentationml/2006/main">
+  <p:cSld>
+    <p:bg>
+      <p:bgPr>
+        <a:solidFill>
+          <a:srgbClr val="FFFFFF"/>
+        </a:solidFill>
+        <a:effectLst/>
+      </p:bgPr>
+    </p:bg>
+    <p:spTree>
+      <p:nvGrpSpPr>
+        <p:cNvPr id="1" name=""/>
+        <p:cNvGrpSpPr/>
+        <p:nvPr/>
+      </p:nvGrpSpPr>
+      <p:grpSpPr>
+        <a:xfrm>
+          <a:off x="0" y="0"/>
+          <a:ext cx="0" cy="0"/>
+          <a:chOff x="0" y="0"/>
+          <a:chExt cx="0" cy="0"/>
+        </a:xfrm>
+      </p:grpSpPr>
+      <p:sp>
+        <p:nvSpPr>
+          <p:cNvPr id="37890" name="Rectangle 7"/>
+          <p:cNvSpPr>
+            <a:spLocks noGrp="1" noChangeArrowheads="1"/>
+          </p:cNvSpPr>
+          <p:nvPr>
+            <p:ph type="sldNum" sz="quarter"/>
+          </p:nvPr>
+        </p:nvSpPr>
+        <p:spPr>
+          <a:noFill/>
+          <a:extLst>
+            <a:ext uri="{91240B29-F687-4F45-9708-019B960494DF}">
+              <a14:hiddenLine xmlns:a14="http://schemas.microsoft.com/office/drawing/2010/main" w="9525">
+                <a:solidFill>
+                  <a:srgbClr val="808080"/>
+                </a:solidFill>
+                <a:round/>
+                <a:headEnd/>
+                <a:tailEnd/>
+              </a14:hiddenLine>
+            </a:ext>
+          </a:extLst>
+        </p:spPr>
+        <p:txBody>
+          <a:bodyPr/>
+          <a:lstStyle>
+            <a:lvl1pPr marL="215900" indent="-215900">
+              <a:buClr>
+                <a:srgbClr val="000000"/>
+              </a:buClr>
+              <a:buSzPct val="100000"/>
+              <a:buFont typeface="Times New Roman" panose="02020603050405020304" pitchFamily="18" charset="0"/>
+              <a:tabLst>
+                <a:tab pos="723900" algn="l"/>
+                <a:tab pos="1447800" algn="l"/>
+                <a:tab pos="2171700" algn="l"/>
+                <a:tab pos="2895600" algn="l"/>
+              </a:tabLst>
+              <a:defRPr sz="2400">
+                <a:solidFill>
+                  <a:schemeClr val="bg1"/>
+                </a:solidFill>
+                <a:latin typeface="Arial" panose="020B0604020202020204" pitchFamily="34" charset="0"/>
+                <a:ea typeface="ＭＳ Ｐゴシック" panose="020B0600070205080204" pitchFamily="34" charset="-128"/>
+              </a:defRPr>
+            </a:lvl1pPr>
+            <a:lvl2pPr>
+              <a:buClr>
+                <a:srgbClr val="000000"/>
+              </a:buClr>
+              <a:buSzPct val="100000"/>
+              <a:buFont typeface="Times New Roman" panose="02020603050405020304" pitchFamily="18" charset="0"/>
+              <a:tabLst>
+                <a:tab pos="723900" algn="l"/>
+                <a:tab pos="1447800" algn="l"/>
+                <a:tab pos="2171700" algn="l"/>
+                <a:tab pos="2895600" algn="l"/>
+              </a:tabLst>
+              <a:defRPr sz="2400">
+                <a:solidFill>
+                  <a:schemeClr val="bg1"/>
+                </a:solidFill>
+                <a:latin typeface="Arial" panose="020B0604020202020204" pitchFamily="34" charset="0"/>
+                <a:ea typeface="ＭＳ Ｐゴシック" panose="020B0600070205080204" pitchFamily="34" charset="-128"/>
+              </a:defRPr>
+            </a:lvl2pPr>
+            <a:lvl3pPr>
+              <a:buClr>
+                <a:srgbClr val="000000"/>
+              </a:buClr>
+              <a:buSzPct val="100000"/>
+              <a:buFont typeface="Times New Roman" panose="02020603050405020304" pitchFamily="18" charset="0"/>
+              <a:tabLst>
+                <a:tab pos="723900" algn="l"/>
+                <a:tab pos="1447800" algn="l"/>
+                <a:tab pos="2171700" algn="l"/>
+                <a:tab pos="2895600" algn="l"/>
+              </a:tabLst>
+              <a:defRPr sz="2400">
+                <a:solidFill>
+                  <a:schemeClr val="bg1"/>
+                </a:solidFill>
+                <a:latin typeface="Arial" panose="020B0604020202020204" pitchFamily="34" charset="0"/>
+                <a:ea typeface="ＭＳ Ｐゴシック" panose="020B0600070205080204" pitchFamily="34" charset="-128"/>
+              </a:defRPr>
+            </a:lvl3pPr>
+            <a:lvl4pPr>
+              <a:buClr>
+                <a:srgbClr val="000000"/>
+              </a:buClr>
+              <a:buSzPct val="100000"/>
+              <a:buFont typeface="Times New Roman" panose="02020603050405020304" pitchFamily="18" charset="0"/>
+              <a:tabLst>
+                <a:tab pos="723900" algn="l"/>
+                <a:tab pos="1447800" algn="l"/>
+                <a:tab pos="2171700" algn="l"/>
+                <a:tab pos="2895600" algn="l"/>
+              </a:tabLst>
+              <a:defRPr sz="2400">
+                <a:solidFill>
+                  <a:schemeClr val="bg1"/>
+                </a:solidFill>
+                <a:latin typeface="Arial" panose="020B0604020202020204" pitchFamily="34" charset="0"/>
+                <a:ea typeface="ＭＳ Ｐゴシック" panose="020B0600070205080204" pitchFamily="34" charset="-128"/>
+              </a:defRPr>
+            </a:lvl4pPr>
+            <a:lvl5pPr>
+              <a:buClr>
+                <a:srgbClr val="000000"/>
+              </a:buClr>
+              <a:buSzPct val="100000"/>
+              <a:buFont typeface="Times New Roman" panose="02020603050405020304" pitchFamily="18" charset="0"/>
+              <a:tabLst>
+                <a:tab pos="723900" algn="l"/>
+                <a:tab pos="1447800" algn="l"/>
+                <a:tab pos="2171700" algn="l"/>
+                <a:tab pos="2895600" algn="l"/>
+              </a:tabLst>
+              <a:defRPr sz="2400">
+                <a:solidFill>
+                  <a:schemeClr val="bg1"/>
+                </a:solidFill>
+                <a:latin typeface="Arial" panose="020B0604020202020204" pitchFamily="34" charset="0"/>
+                <a:ea typeface="ＭＳ Ｐゴシック" panose="020B0600070205080204" pitchFamily="34" charset="-128"/>
+              </a:defRPr>
+            </a:lvl5pPr>
+            <a:lvl6pPr marL="2514600" indent="-228600" defTabSz="449263" eaLnBrk="0" fontAlgn="base" hangingPunct="0">
+              <a:spcBef>
+                <a:spcPct val="0"/>
+              </a:spcBef>
+              <a:spcAft>
+                <a:spcPct val="0"/>
+              </a:spcAft>
+              <a:buClr>
+                <a:srgbClr val="000000"/>
+              </a:buClr>
+              <a:buSzPct val="100000"/>
+              <a:buFont typeface="Times New Roman" panose="02020603050405020304" pitchFamily="18" charset="0"/>
+              <a:tabLst>
+                <a:tab pos="723900" algn="l"/>
+                <a:tab pos="1447800" algn="l"/>
+                <a:tab pos="2171700" algn="l"/>
+                <a:tab pos="2895600" algn="l"/>
+              </a:tabLst>
+              <a:defRPr sz="2400">
+                <a:solidFill>
+                  <a:schemeClr val="bg1"/>
+                </a:solidFill>
+                <a:latin typeface="Arial" panose="020B0604020202020204" pitchFamily="34" charset="0"/>
+                <a:ea typeface="ＭＳ Ｐゴシック" panose="020B0600070205080204" pitchFamily="34" charset="-128"/>
+              </a:defRPr>
+            </a:lvl6pPr>
+            <a:lvl7pPr marL="2971800" indent="-228600" defTabSz="449263" eaLnBrk="0" fontAlgn="base" hangingPunct="0">
+              <a:spcBef>
+                <a:spcPct val="0"/>
+              </a:spcBef>
+              <a:spcAft>
+                <a:spcPct val="0"/>
+              </a:spcAft>
+              <a:buClr>
+                <a:srgbClr val="000000"/>
+              </a:buClr>
+              <a:buSzPct val="100000"/>
+              <a:buFont typeface="Times New Roman" panose="02020603050405020304" pitchFamily="18" charset="0"/>
+              <a:tabLst>
+                <a:tab pos="723900" algn="l"/>
+                <a:tab pos="1447800" algn="l"/>
+                <a:tab pos="2171700" algn="l"/>
+                <a:tab pos="2895600" algn="l"/>
+              </a:tabLst>
+              <a:defRPr sz="2400">
+                <a:solidFill>
+                  <a:schemeClr val="bg1"/>
+                </a:solidFill>
+                <a:latin typeface="Arial" panose="020B0604020202020204" pitchFamily="34" charset="0"/>
+                <a:ea typeface="ＭＳ Ｐゴシック" panose="020B0600070205080204" pitchFamily="34" charset="-128"/>
+              </a:defRPr>
+            </a:lvl7pPr>
+            <a:lvl8pPr marL="3429000" indent="-228600" defTabSz="449263" eaLnBrk="0" fontAlgn="base" hangingPunct="0">
+              <a:spcBef>
+                <a:spcPct val="0"/>
+              </a:spcBef>
+              <a:spcAft>
+                <a:spcPct val="0"/>
+              </a:spcAft>
+              <a:buClr>
+                <a:srgbClr val="000000"/>
+              </a:buClr>
+              <a:buSzPct val="100000"/>
+              <a:buFont typeface="Times New Roman" panose="02020603050405020304" pitchFamily="18" charset="0"/>
+              <a:tabLst>
+                <a:tab pos="723900" algn="l"/>
+                <a:tab pos="1447800" algn="l"/>
+                <a:tab pos="2171700" algn="l"/>
+                <a:tab pos="2895600" algn="l"/>
+              </a:tabLst>
+              <a:defRPr sz="2400">
+                <a:solidFill>
+                  <a:schemeClr val="bg1"/>
+                </a:solidFill>
+                <a:latin typeface="Arial" panose="020B0604020202020204" pitchFamily="34" charset="0"/>
+                <a:ea typeface="ＭＳ Ｐゴシック" panose="020B0600070205080204" pitchFamily="34" charset="-128"/>
+              </a:defRPr>
+            </a:lvl8pPr>
+            <a:lvl9pPr marL="3886200" indent="-228600" defTabSz="449263" eaLnBrk="0" fontAlgn="base" hangingPunct="0">
+              <a:spcBef>
+                <a:spcPct val="0"/>
+              </a:spcBef>
+              <a:spcAft>
+                <a:spcPct val="0"/>
+              </a:spcAft>
+              <a:buClr>
+                <a:srgbClr val="000000"/>
+              </a:buClr>
+              <a:buSzPct val="100000"/>
+              <a:buFont typeface="Times New Roman" panose="02020603050405020304" pitchFamily="18" charset="0"/>
+              <a:tabLst>
+                <a:tab pos="723900" algn="l"/>
+                <a:tab pos="1447800" algn="l"/>
+                <a:tab pos="2171700" algn="l"/>
+                <a:tab pos="2895600" algn="l"/>
+              </a:tabLst>
+              <a:defRPr sz="2400">
+                <a:solidFill>
+                  <a:schemeClr val="bg1"/>
+                </a:solidFill>
+                <a:latin typeface="Arial" panose="020B0604020202020204" pitchFamily="34" charset="0"/>
+                <a:ea typeface="ＭＳ Ｐゴシック" panose="020B0600070205080204" pitchFamily="34" charset="-128"/>
+              </a:defRPr>
+            </a:lvl9pPr>
+          </a:lstStyle>
+          <a:p>
+            <a:pPr>
+              <a:buSzPct val="45000"/>
+              <a:buFont typeface="Wingdings" panose="05000000000000000000" pitchFamily="2" charset="2"/>
+              <a:buNone/>
+            </a:pPr>
+            <a:fld id="{2974271E-7BAC-4C63-B07C-CAF67128CE61}" type="slidenum">
+              <a:rPr lang="fr-FR" altLang="fr-FR" sz="1200">
+                <a:solidFill>
+                  <a:srgbClr val="000000"/>
+                </a:solidFill>
+                <a:latin typeface="Times New Roman" panose="02020603050405020304" pitchFamily="18" charset="0"/>
+              </a:rPr>
+              <a:pPr>
+                <a:buSzPct val="45000"/>
+                <a:buFont typeface="Wingdings" panose="05000000000000000000" pitchFamily="2" charset="2"/>
+                <a:buNone/>
+              </a:pPr>
+              <a:t>19</a:t>
+            </a:fld>
+            <a:endParaRPr lang="fr-FR" altLang="fr-FR" sz="1200">
+              <a:solidFill>
+                <a:srgbClr val="000000"/>
+              </a:solidFill>
+              <a:latin typeface="Times New Roman" panose="02020603050405020304" pitchFamily="18" charset="0"/>
+            </a:endParaRPr>
+          </a:p>
+        </p:txBody>
+      </p:sp>
+      <p:sp>
+        <p:nvSpPr>
+          <p:cNvPr id="37891" name="Rectangle 1"/>
+          <p:cNvSpPr txBox="1">
+            <a:spLocks noChangeArrowheads="1" noTextEdit="1"/>
+          </p:cNvSpPr>
+          <p:nvPr>
+            <p:ph type="sldImg"/>
+          </p:nvPr>
+        </p:nvSpPr>
+        <p:spPr>
+          <a:xfrm>
+            <a:off x="1143000" y="685800"/>
+            <a:ext cx="4572000" cy="3429000"/>
+          </a:xfrm>
+          <a:ln/>
+          <a:extLst>
+            <a:ext uri="{AF507438-7753-43E0-B8FC-AC1667EBCBE1}">
+              <a14:hiddenEffects xmlns:a14="http://schemas.microsoft.com/office/drawing/2010/main">
+                <a:effectLst>
+                  <a:outerShdw dist="35921" dir="2700000" algn="ctr" rotWithShape="0">
+                    <a:srgbClr val="808080"/>
+                  </a:outerShdw>
+                </a:effectLst>
+              </a14:hiddenEffects>
+            </a:ext>
+          </a:extLst>
+        </p:spPr>
+      </p:sp>
+      <p:sp>
+        <p:nvSpPr>
+          <p:cNvPr id="37892" name="Rectangle 2"/>
+          <p:cNvSpPr txBox="1">
+            <a:spLocks noChangeArrowheads="1"/>
+          </p:cNvSpPr>
+          <p:nvPr>
+            <p:ph type="body" idx="1"/>
+          </p:nvPr>
+        </p:nvSpPr>
+        <p:spPr>
+          <a:xfrm>
+            <a:off x="914400" y="4343400"/>
+            <a:ext cx="5029200" cy="4114800"/>
+          </a:xfrm>
+          <a:noFill/>
+          <a:extLst>
+            <a:ext uri="{AF507438-7753-43E0-B8FC-AC1667EBCBE1}">
+              <a14:hiddenEffects xmlns:a14="http://schemas.microsoft.com/office/drawing/2010/main">
+                <a:effectLst>
+                  <a:outerShdw dist="35921" dir="2700000" algn="ctr" rotWithShape="0">
+                    <a:srgbClr val="808080"/>
+                  </a:outerShdw>
+                </a:effectLst>
+              </a14:hiddenEffects>
+            </a:ext>
+          </a:extLst>
+        </p:spPr>
+        <p:txBody>
+          <a:bodyPr wrap="none" anchor="ctr"/>
+          <a:lstStyle/>
+          <a:p>
+            <a:endParaRPr lang="fr-FR" altLang="fr-FR" smtClean="0"/>
+          </a:p>
+        </p:txBody>
+      </p:sp>
+    </p:spTree>
+    <p:extLst>
+      <p:ext uri="{BB962C8B-B14F-4D97-AF65-F5344CB8AC3E}">
+        <p14:creationId xmlns:p14="http://schemas.microsoft.com/office/powerpoint/2010/main" val="4093100170"/>
+      </p:ext>
+    </p:extLst>
+  </p:cSld>
+  <p:clrMapOvr>
+    <a:masterClrMapping/>
+  </p:clrMapOvr>
+</p:notes>
+</file>
+
 <file path=ppt/notesSlides/notesSlide2.xml><?xml version="1.0" encoding="utf-8"?>
 <p:notes xmlns:a="http://schemas.openxmlformats.org/drawingml/2006/main" xmlns:r="http://schemas.openxmlformats.org/officeDocument/2006/relationships" xmlns:p="http://schemas.openxmlformats.org/presentationml/2006/main">
   <p:cSld>
@@ -5328,371 +5327,6 @@
       </p:grpSpPr>
       <p:sp>
         <p:nvSpPr>
-          <p:cNvPr id="37890" name="Rectangle 7"/>
-          <p:cNvSpPr>
-            <a:spLocks noGrp="1" noChangeArrowheads="1"/>
-          </p:cNvSpPr>
-          <p:nvPr>
-            <p:ph type="sldNum" sz="quarter"/>
-          </p:nvPr>
-        </p:nvSpPr>
-        <p:spPr>
-          <a:noFill/>
-          <a:extLst>
-            <a:ext uri="{91240B29-F687-4F45-9708-019B960494DF}">
-              <a14:hiddenLine xmlns:a14="http://schemas.microsoft.com/office/drawing/2010/main" w="9525">
-                <a:solidFill>
-                  <a:srgbClr val="808080"/>
-                </a:solidFill>
-                <a:round/>
-                <a:headEnd/>
-                <a:tailEnd/>
-              </a14:hiddenLine>
-            </a:ext>
-          </a:extLst>
-        </p:spPr>
-        <p:txBody>
-          <a:bodyPr/>
-          <a:lstStyle>
-            <a:lvl1pPr marL="215900" indent="-215900">
-              <a:buClr>
-                <a:srgbClr val="000000"/>
-              </a:buClr>
-              <a:buSzPct val="100000"/>
-              <a:buFont typeface="Times New Roman" panose="02020603050405020304" pitchFamily="18" charset="0"/>
-              <a:tabLst>
-                <a:tab pos="723900" algn="l"/>
-                <a:tab pos="1447800" algn="l"/>
-                <a:tab pos="2171700" algn="l"/>
-                <a:tab pos="2895600" algn="l"/>
-              </a:tabLst>
-              <a:defRPr sz="2400">
-                <a:solidFill>
-                  <a:schemeClr val="bg1"/>
-                </a:solidFill>
-                <a:latin typeface="Arial" panose="020B0604020202020204" pitchFamily="34" charset="0"/>
-                <a:ea typeface="ＭＳ Ｐゴシック" panose="020B0600070205080204" pitchFamily="34" charset="-128"/>
-              </a:defRPr>
-            </a:lvl1pPr>
-            <a:lvl2pPr>
-              <a:buClr>
-                <a:srgbClr val="000000"/>
-              </a:buClr>
-              <a:buSzPct val="100000"/>
-              <a:buFont typeface="Times New Roman" panose="02020603050405020304" pitchFamily="18" charset="0"/>
-              <a:tabLst>
-                <a:tab pos="723900" algn="l"/>
-                <a:tab pos="1447800" algn="l"/>
-                <a:tab pos="2171700" algn="l"/>
-                <a:tab pos="2895600" algn="l"/>
-              </a:tabLst>
-              <a:defRPr sz="2400">
-                <a:solidFill>
-                  <a:schemeClr val="bg1"/>
-                </a:solidFill>
-                <a:latin typeface="Arial" panose="020B0604020202020204" pitchFamily="34" charset="0"/>
-                <a:ea typeface="ＭＳ Ｐゴシック" panose="020B0600070205080204" pitchFamily="34" charset="-128"/>
-              </a:defRPr>
-            </a:lvl2pPr>
-            <a:lvl3pPr>
-              <a:buClr>
-                <a:srgbClr val="000000"/>
-              </a:buClr>
-              <a:buSzPct val="100000"/>
-              <a:buFont typeface="Times New Roman" panose="02020603050405020304" pitchFamily="18" charset="0"/>
-              <a:tabLst>
-                <a:tab pos="723900" algn="l"/>
-                <a:tab pos="1447800" algn="l"/>
-                <a:tab pos="2171700" algn="l"/>
-                <a:tab pos="2895600" algn="l"/>
-              </a:tabLst>
-              <a:defRPr sz="2400">
-                <a:solidFill>
-                  <a:schemeClr val="bg1"/>
-                </a:solidFill>
-                <a:latin typeface="Arial" panose="020B0604020202020204" pitchFamily="34" charset="0"/>
-                <a:ea typeface="ＭＳ Ｐゴシック" panose="020B0600070205080204" pitchFamily="34" charset="-128"/>
-              </a:defRPr>
-            </a:lvl3pPr>
-            <a:lvl4pPr>
-              <a:buClr>
-                <a:srgbClr val="000000"/>
-              </a:buClr>
-              <a:buSzPct val="100000"/>
-              <a:buFont typeface="Times New Roman" panose="02020603050405020304" pitchFamily="18" charset="0"/>
-              <a:tabLst>
-                <a:tab pos="723900" algn="l"/>
-                <a:tab pos="1447800" algn="l"/>
-                <a:tab pos="2171700" algn="l"/>
-                <a:tab pos="2895600" algn="l"/>
-              </a:tabLst>
-              <a:defRPr sz="2400">
-                <a:solidFill>
-                  <a:schemeClr val="bg1"/>
-                </a:solidFill>
-                <a:latin typeface="Arial" panose="020B0604020202020204" pitchFamily="34" charset="0"/>
-                <a:ea typeface="ＭＳ Ｐゴシック" panose="020B0600070205080204" pitchFamily="34" charset="-128"/>
-              </a:defRPr>
-            </a:lvl4pPr>
-            <a:lvl5pPr>
-              <a:buClr>
-                <a:srgbClr val="000000"/>
-              </a:buClr>
-              <a:buSzPct val="100000"/>
-              <a:buFont typeface="Times New Roman" panose="02020603050405020304" pitchFamily="18" charset="0"/>
-              <a:tabLst>
-                <a:tab pos="723900" algn="l"/>
-                <a:tab pos="1447800" algn="l"/>
-                <a:tab pos="2171700" algn="l"/>
-                <a:tab pos="2895600" algn="l"/>
-              </a:tabLst>
-              <a:defRPr sz="2400">
-                <a:solidFill>
-                  <a:schemeClr val="bg1"/>
-                </a:solidFill>
-                <a:latin typeface="Arial" panose="020B0604020202020204" pitchFamily="34" charset="0"/>
-                <a:ea typeface="ＭＳ Ｐゴシック" panose="020B0600070205080204" pitchFamily="34" charset="-128"/>
-              </a:defRPr>
-            </a:lvl5pPr>
-            <a:lvl6pPr marL="2514600" indent="-228600" defTabSz="449263" eaLnBrk="0" fontAlgn="base" hangingPunct="0">
-              <a:spcBef>
-                <a:spcPct val="0"/>
-              </a:spcBef>
-              <a:spcAft>
-                <a:spcPct val="0"/>
-              </a:spcAft>
-              <a:buClr>
-                <a:srgbClr val="000000"/>
-              </a:buClr>
-              <a:buSzPct val="100000"/>
-              <a:buFont typeface="Times New Roman" panose="02020603050405020304" pitchFamily="18" charset="0"/>
-              <a:tabLst>
-                <a:tab pos="723900" algn="l"/>
-                <a:tab pos="1447800" algn="l"/>
-                <a:tab pos="2171700" algn="l"/>
-                <a:tab pos="2895600" algn="l"/>
-              </a:tabLst>
-              <a:defRPr sz="2400">
-                <a:solidFill>
-                  <a:schemeClr val="bg1"/>
-                </a:solidFill>
-                <a:latin typeface="Arial" panose="020B0604020202020204" pitchFamily="34" charset="0"/>
-                <a:ea typeface="ＭＳ Ｐゴシック" panose="020B0600070205080204" pitchFamily="34" charset="-128"/>
-              </a:defRPr>
-            </a:lvl6pPr>
-            <a:lvl7pPr marL="2971800" indent="-228600" defTabSz="449263" eaLnBrk="0" fontAlgn="base" hangingPunct="0">
-              <a:spcBef>
-                <a:spcPct val="0"/>
-              </a:spcBef>
-              <a:spcAft>
-                <a:spcPct val="0"/>
-              </a:spcAft>
-              <a:buClr>
-                <a:srgbClr val="000000"/>
-              </a:buClr>
-              <a:buSzPct val="100000"/>
-              <a:buFont typeface="Times New Roman" panose="02020603050405020304" pitchFamily="18" charset="0"/>
-              <a:tabLst>
-                <a:tab pos="723900" algn="l"/>
-                <a:tab pos="1447800" algn="l"/>
-                <a:tab pos="2171700" algn="l"/>
-                <a:tab pos="2895600" algn="l"/>
-              </a:tabLst>
-              <a:defRPr sz="2400">
-                <a:solidFill>
-                  <a:schemeClr val="bg1"/>
-                </a:solidFill>
-                <a:latin typeface="Arial" panose="020B0604020202020204" pitchFamily="34" charset="0"/>
-                <a:ea typeface="ＭＳ Ｐゴシック" panose="020B0600070205080204" pitchFamily="34" charset="-128"/>
-              </a:defRPr>
-            </a:lvl7pPr>
-            <a:lvl8pPr marL="3429000" indent="-228600" defTabSz="449263" eaLnBrk="0" fontAlgn="base" hangingPunct="0">
-              <a:spcBef>
-                <a:spcPct val="0"/>
-              </a:spcBef>
-              <a:spcAft>
-                <a:spcPct val="0"/>
-              </a:spcAft>
-              <a:buClr>
-                <a:srgbClr val="000000"/>
-              </a:buClr>
-              <a:buSzPct val="100000"/>
-              <a:buFont typeface="Times New Roman" panose="02020603050405020304" pitchFamily="18" charset="0"/>
-              <a:tabLst>
-                <a:tab pos="723900" algn="l"/>
-                <a:tab pos="1447800" algn="l"/>
-                <a:tab pos="2171700" algn="l"/>
-                <a:tab pos="2895600" algn="l"/>
-              </a:tabLst>
-              <a:defRPr sz="2400">
-                <a:solidFill>
-                  <a:schemeClr val="bg1"/>
-                </a:solidFill>
-                <a:latin typeface="Arial" panose="020B0604020202020204" pitchFamily="34" charset="0"/>
-                <a:ea typeface="ＭＳ Ｐゴシック" panose="020B0600070205080204" pitchFamily="34" charset="-128"/>
-              </a:defRPr>
-            </a:lvl8pPr>
-            <a:lvl9pPr marL="3886200" indent="-228600" defTabSz="449263" eaLnBrk="0" fontAlgn="base" hangingPunct="0">
-              <a:spcBef>
-                <a:spcPct val="0"/>
-              </a:spcBef>
-              <a:spcAft>
-                <a:spcPct val="0"/>
-              </a:spcAft>
-              <a:buClr>
-                <a:srgbClr val="000000"/>
-              </a:buClr>
-              <a:buSzPct val="100000"/>
-              <a:buFont typeface="Times New Roman" panose="02020603050405020304" pitchFamily="18" charset="0"/>
-              <a:tabLst>
-                <a:tab pos="723900" algn="l"/>
-                <a:tab pos="1447800" algn="l"/>
-                <a:tab pos="2171700" algn="l"/>
-                <a:tab pos="2895600" algn="l"/>
-              </a:tabLst>
-              <a:defRPr sz="2400">
-                <a:solidFill>
-                  <a:schemeClr val="bg1"/>
-                </a:solidFill>
-                <a:latin typeface="Arial" panose="020B0604020202020204" pitchFamily="34" charset="0"/>
-                <a:ea typeface="ＭＳ Ｐゴシック" panose="020B0600070205080204" pitchFamily="34" charset="-128"/>
-              </a:defRPr>
-            </a:lvl9pPr>
-          </a:lstStyle>
-          <a:p>
-            <a:pPr>
-              <a:buSzPct val="45000"/>
-              <a:buFont typeface="Wingdings" panose="05000000000000000000" pitchFamily="2" charset="2"/>
-              <a:buNone/>
-            </a:pPr>
-            <a:fld id="{2974271E-7BAC-4C63-B07C-CAF67128CE61}" type="slidenum">
-              <a:rPr lang="fr-FR" altLang="fr-FR" sz="1200">
-                <a:solidFill>
-                  <a:srgbClr val="000000"/>
-                </a:solidFill>
-                <a:latin typeface="Times New Roman" panose="02020603050405020304" pitchFamily="18" charset="0"/>
-              </a:rPr>
-              <a:pPr>
-                <a:buSzPct val="45000"/>
-                <a:buFont typeface="Wingdings" panose="05000000000000000000" pitchFamily="2" charset="2"/>
-                <a:buNone/>
-              </a:pPr>
-              <a:t>20</a:t>
-            </a:fld>
-            <a:endParaRPr lang="fr-FR" altLang="fr-FR" sz="1200">
-              <a:solidFill>
-                <a:srgbClr val="000000"/>
-              </a:solidFill>
-              <a:latin typeface="Times New Roman" panose="02020603050405020304" pitchFamily="18" charset="0"/>
-            </a:endParaRPr>
-          </a:p>
-        </p:txBody>
-      </p:sp>
-      <p:sp>
-        <p:nvSpPr>
-          <p:cNvPr id="37891" name="Rectangle 1"/>
-          <p:cNvSpPr txBox="1">
-            <a:spLocks noChangeArrowheads="1" noTextEdit="1"/>
-          </p:cNvSpPr>
-          <p:nvPr>
-            <p:ph type="sldImg"/>
-          </p:nvPr>
-        </p:nvSpPr>
-        <p:spPr>
-          <a:xfrm>
-            <a:off x="1143000" y="685800"/>
-            <a:ext cx="4572000" cy="3429000"/>
-          </a:xfrm>
-          <a:ln/>
-          <a:extLst>
-            <a:ext uri="{AF507438-7753-43E0-B8FC-AC1667EBCBE1}">
-              <a14:hiddenEffects xmlns:a14="http://schemas.microsoft.com/office/drawing/2010/main">
-                <a:effectLst>
-                  <a:outerShdw dist="35921" dir="2700000" algn="ctr" rotWithShape="0">
-                    <a:srgbClr val="808080"/>
-                  </a:outerShdw>
-                </a:effectLst>
-              </a14:hiddenEffects>
-            </a:ext>
-          </a:extLst>
-        </p:spPr>
-      </p:sp>
-      <p:sp>
-        <p:nvSpPr>
-          <p:cNvPr id="37892" name="Rectangle 2"/>
-          <p:cNvSpPr txBox="1">
-            <a:spLocks noChangeArrowheads="1"/>
-          </p:cNvSpPr>
-          <p:nvPr>
-            <p:ph type="body" idx="1"/>
-          </p:nvPr>
-        </p:nvSpPr>
-        <p:spPr>
-          <a:xfrm>
-            <a:off x="914400" y="4343400"/>
-            <a:ext cx="5029200" cy="4114800"/>
-          </a:xfrm>
-          <a:noFill/>
-          <a:extLst>
-            <a:ext uri="{AF507438-7753-43E0-B8FC-AC1667EBCBE1}">
-              <a14:hiddenEffects xmlns:a14="http://schemas.microsoft.com/office/drawing/2010/main">
-                <a:effectLst>
-                  <a:outerShdw dist="35921" dir="2700000" algn="ctr" rotWithShape="0">
-                    <a:srgbClr val="808080"/>
-                  </a:outerShdw>
-                </a:effectLst>
-              </a14:hiddenEffects>
-            </a:ext>
-          </a:extLst>
-        </p:spPr>
-        <p:txBody>
-          <a:bodyPr wrap="none" anchor="ctr"/>
-          <a:lstStyle/>
-          <a:p>
-            <a:endParaRPr lang="fr-FR" altLang="fr-FR" smtClean="0"/>
-          </a:p>
-        </p:txBody>
-      </p:sp>
-    </p:spTree>
-    <p:extLst>
-      <p:ext uri="{BB962C8B-B14F-4D97-AF65-F5344CB8AC3E}">
-        <p14:creationId xmlns:p14="http://schemas.microsoft.com/office/powerpoint/2010/main" val="4093100170"/>
-      </p:ext>
-    </p:extLst>
-  </p:cSld>
-  <p:clrMapOvr>
-    <a:masterClrMapping/>
-  </p:clrMapOvr>
-</p:notes>
-</file>
-
-<file path=ppt/notesSlides/notesSlide21.xml><?xml version="1.0" encoding="utf-8"?>
-<p:notes xmlns:a="http://schemas.openxmlformats.org/drawingml/2006/main" xmlns:r="http://schemas.openxmlformats.org/officeDocument/2006/relationships" xmlns:p="http://schemas.openxmlformats.org/presentationml/2006/main">
-  <p:cSld>
-    <p:bg>
-      <p:bgPr>
-        <a:solidFill>
-          <a:srgbClr val="FFFFFF"/>
-        </a:solidFill>
-        <a:effectLst/>
-      </p:bgPr>
-    </p:bg>
-    <p:spTree>
-      <p:nvGrpSpPr>
-        <p:cNvPr id="1" name=""/>
-        <p:cNvGrpSpPr/>
-        <p:nvPr/>
-      </p:nvGrpSpPr>
-      <p:grpSpPr>
-        <a:xfrm>
-          <a:off x="0" y="0"/>
-          <a:ext cx="0" cy="0"/>
-          <a:chOff x="0" y="0"/>
-          <a:chExt cx="0" cy="0"/>
-        </a:xfrm>
-      </p:grpSpPr>
-      <p:sp>
-        <p:nvSpPr>
           <p:cNvPr id="39938" name="Rectangle 7"/>
           <p:cNvSpPr>
             <a:spLocks noGrp="1" noChangeArrowheads="1"/>
@@ -5942,7 +5576,7 @@
                 <a:buFont typeface="Wingdings" panose="05000000000000000000" pitchFamily="2" charset="2"/>
                 <a:buNone/>
               </a:pPr>
-              <a:t>21</a:t>
+              <a:t>20</a:t>
             </a:fld>
             <a:endParaRPr lang="fr-FR" altLang="fr-FR" sz="1200">
               <a:solidFill>
@@ -6031,7 +5665,7 @@
 </p:notes>
 </file>
 
-<file path=ppt/notesSlides/notesSlide22.xml><?xml version="1.0" encoding="utf-8"?>
+<file path=ppt/notesSlides/notesSlide21.xml><?xml version="1.0" encoding="utf-8"?>
 <p:notes xmlns:a="http://schemas.openxmlformats.org/drawingml/2006/main" xmlns:r="http://schemas.openxmlformats.org/officeDocument/2006/relationships" xmlns:p="http://schemas.openxmlformats.org/presentationml/2006/main">
   <p:cSld>
     <p:bg>
@@ -6307,7 +5941,7 @@
                 <a:buFont typeface="Wingdings" panose="05000000000000000000" pitchFamily="2" charset="2"/>
                 <a:buNone/>
               </a:pPr>
-              <a:t>22</a:t>
+              <a:t>21</a:t>
             </a:fld>
             <a:endParaRPr lang="fr-FR" altLang="fr-FR" sz="1200">
               <a:solidFill>
@@ -6396,7 +6030,7 @@
 </p:notes>
 </file>
 
-<file path=ppt/notesSlides/notesSlide23.xml><?xml version="1.0" encoding="utf-8"?>
+<file path=ppt/notesSlides/notesSlide22.xml><?xml version="1.0" encoding="utf-8"?>
 <p:notes xmlns:a="http://schemas.openxmlformats.org/drawingml/2006/main" xmlns:r="http://schemas.openxmlformats.org/officeDocument/2006/relationships" xmlns:p="http://schemas.openxmlformats.org/presentationml/2006/main">
   <p:cSld>
     <p:bg>
@@ -6672,7 +6306,7 @@
                 <a:buFont typeface="Wingdings" panose="05000000000000000000" pitchFamily="2" charset="2"/>
                 <a:buNone/>
               </a:pPr>
-              <a:t>23</a:t>
+              <a:t>22</a:t>
             </a:fld>
             <a:endParaRPr lang="fr-FR" altLang="fr-FR" sz="1200">
               <a:solidFill>
@@ -6761,7 +6395,7 @@
 </p:notes>
 </file>
 
-<file path=ppt/notesSlides/notesSlide24.xml><?xml version="1.0" encoding="utf-8"?>
+<file path=ppt/notesSlides/notesSlide23.xml><?xml version="1.0" encoding="utf-8"?>
 <p:notes xmlns:a="http://schemas.openxmlformats.org/drawingml/2006/main" xmlns:r="http://schemas.openxmlformats.org/officeDocument/2006/relationships" xmlns:p="http://schemas.openxmlformats.org/presentationml/2006/main">
   <p:cSld>
     <p:bg>
@@ -7037,7 +6671,7 @@
                 <a:buFont typeface="Wingdings" panose="05000000000000000000" pitchFamily="2" charset="2"/>
                 <a:buNone/>
               </a:pPr>
-              <a:t>24</a:t>
+              <a:t>23</a:t>
             </a:fld>
             <a:endParaRPr lang="fr-FR" altLang="fr-FR" sz="1200">
               <a:solidFill>
@@ -7126,7 +6760,7 @@
 </p:notes>
 </file>
 
-<file path=ppt/notesSlides/notesSlide25.xml><?xml version="1.0" encoding="utf-8"?>
+<file path=ppt/notesSlides/notesSlide24.xml><?xml version="1.0" encoding="utf-8"?>
 <p:notes xmlns:a="http://schemas.openxmlformats.org/drawingml/2006/main" xmlns:r="http://schemas.openxmlformats.org/officeDocument/2006/relationships" xmlns:p="http://schemas.openxmlformats.org/presentationml/2006/main">
   <p:cSld>
     <p:bg>
@@ -7402,7 +7036,7 @@
                 <a:buFont typeface="Wingdings" panose="05000000000000000000" pitchFamily="2" charset="2"/>
                 <a:buNone/>
               </a:pPr>
-              <a:t>25</a:t>
+              <a:t>24</a:t>
             </a:fld>
             <a:endParaRPr lang="fr-FR" altLang="fr-FR" sz="1200">
               <a:solidFill>
@@ -7491,7 +7125,7 @@
 </p:notes>
 </file>
 
-<file path=ppt/notesSlides/notesSlide26.xml><?xml version="1.0" encoding="utf-8"?>
+<file path=ppt/notesSlides/notesSlide25.xml><?xml version="1.0" encoding="utf-8"?>
 <p:notes xmlns:a="http://schemas.openxmlformats.org/drawingml/2006/main" xmlns:r="http://schemas.openxmlformats.org/officeDocument/2006/relationships" xmlns:p="http://schemas.openxmlformats.org/presentationml/2006/main">
   <p:cSld>
     <p:bg>
@@ -7767,7 +7401,7 @@
                 <a:buFont typeface="Wingdings" panose="05000000000000000000" pitchFamily="2" charset="2"/>
                 <a:buNone/>
               </a:pPr>
-              <a:t>26</a:t>
+              <a:t>25</a:t>
             </a:fld>
             <a:endParaRPr lang="fr-FR" altLang="fr-FR" sz="1200">
               <a:solidFill>
@@ -7856,7 +7490,7 @@
 </p:notes>
 </file>
 
-<file path=ppt/notesSlides/notesSlide27.xml><?xml version="1.0" encoding="utf-8"?>
+<file path=ppt/notesSlides/notesSlide26.xml><?xml version="1.0" encoding="utf-8"?>
 <p:notes xmlns:a="http://schemas.openxmlformats.org/drawingml/2006/main" xmlns:r="http://schemas.openxmlformats.org/officeDocument/2006/relationships" xmlns:p="http://schemas.openxmlformats.org/presentationml/2006/main">
   <p:cSld>
     <p:bg>
@@ -8132,7 +7766,7 @@
                 <a:buFont typeface="Wingdings" panose="05000000000000000000" pitchFamily="2" charset="2"/>
                 <a:buNone/>
               </a:pPr>
-              <a:t>27</a:t>
+              <a:t>26</a:t>
             </a:fld>
             <a:endParaRPr lang="fr-FR" altLang="fr-FR" sz="1200">
               <a:solidFill>
@@ -8221,7 +7855,7 @@
 </p:notes>
 </file>
 
-<file path=ppt/notesSlides/notesSlide28.xml><?xml version="1.0" encoding="utf-8"?>
+<file path=ppt/notesSlides/notesSlide27.xml><?xml version="1.0" encoding="utf-8"?>
 <p:notes xmlns:a="http://schemas.openxmlformats.org/drawingml/2006/main" xmlns:r="http://schemas.openxmlformats.org/officeDocument/2006/relationships" xmlns:p="http://schemas.openxmlformats.org/presentationml/2006/main">
   <p:cSld>
     <p:bg>
@@ -8497,7 +8131,7 @@
                 <a:buFont typeface="Wingdings" panose="05000000000000000000" pitchFamily="2" charset="2"/>
                 <a:buNone/>
               </a:pPr>
-              <a:t>28</a:t>
+              <a:t>27</a:t>
             </a:fld>
             <a:endParaRPr lang="fr-FR" altLang="fr-FR" sz="1200">
               <a:solidFill>
@@ -8586,7 +8220,7 @@
 </p:notes>
 </file>
 
-<file path=ppt/notesSlides/notesSlide29.xml><?xml version="1.0" encoding="utf-8"?>
+<file path=ppt/notesSlides/notesSlide28.xml><?xml version="1.0" encoding="utf-8"?>
 <p:notes xmlns:a="http://schemas.openxmlformats.org/drawingml/2006/main" xmlns:r="http://schemas.openxmlformats.org/officeDocument/2006/relationships" xmlns:p="http://schemas.openxmlformats.org/presentationml/2006/main">
   <p:cSld>
     <p:bg>
@@ -8862,7 +8496,7 @@
                 <a:buFont typeface="Wingdings" panose="05000000000000000000" pitchFamily="2" charset="2"/>
                 <a:buNone/>
               </a:pPr>
-              <a:t>29</a:t>
+              <a:t>28</a:t>
             </a:fld>
             <a:endParaRPr lang="fr-FR" altLang="fr-FR" sz="1200">
               <a:solidFill>
@@ -8951,6 +8585,371 @@
 </p:notes>
 </file>
 
+<file path=ppt/notesSlides/notesSlide29.xml><?xml version="1.0" encoding="utf-8"?>
+<p:notes xmlns:a="http://schemas.openxmlformats.org/drawingml/2006/main" xmlns:r="http://schemas.openxmlformats.org/officeDocument/2006/relationships" xmlns:p="http://schemas.openxmlformats.org/presentationml/2006/main">
+  <p:cSld>
+    <p:bg>
+      <p:bgPr>
+        <a:solidFill>
+          <a:srgbClr val="FFFFFF"/>
+        </a:solidFill>
+        <a:effectLst/>
+      </p:bgPr>
+    </p:bg>
+    <p:spTree>
+      <p:nvGrpSpPr>
+        <p:cNvPr id="1" name=""/>
+        <p:cNvGrpSpPr/>
+        <p:nvPr/>
+      </p:nvGrpSpPr>
+      <p:grpSpPr>
+        <a:xfrm>
+          <a:off x="0" y="0"/>
+          <a:ext cx="0" cy="0"/>
+          <a:chOff x="0" y="0"/>
+          <a:chExt cx="0" cy="0"/>
+        </a:xfrm>
+      </p:grpSpPr>
+      <p:sp>
+        <p:nvSpPr>
+          <p:cNvPr id="41986" name="Rectangle 7"/>
+          <p:cNvSpPr>
+            <a:spLocks noGrp="1" noChangeArrowheads="1"/>
+          </p:cNvSpPr>
+          <p:nvPr>
+            <p:ph type="sldNum" sz="quarter"/>
+          </p:nvPr>
+        </p:nvSpPr>
+        <p:spPr>
+          <a:noFill/>
+          <a:extLst>
+            <a:ext uri="{91240B29-F687-4F45-9708-019B960494DF}">
+              <a14:hiddenLine xmlns:a14="http://schemas.microsoft.com/office/drawing/2010/main" w="9525">
+                <a:solidFill>
+                  <a:srgbClr val="808080"/>
+                </a:solidFill>
+                <a:round/>
+                <a:headEnd/>
+                <a:tailEnd/>
+              </a14:hiddenLine>
+            </a:ext>
+          </a:extLst>
+        </p:spPr>
+        <p:txBody>
+          <a:bodyPr/>
+          <a:lstStyle>
+            <a:lvl1pPr marL="215900" indent="-215900">
+              <a:buClr>
+                <a:srgbClr val="000000"/>
+              </a:buClr>
+              <a:buSzPct val="100000"/>
+              <a:buFont typeface="Times New Roman" panose="02020603050405020304" pitchFamily="18" charset="0"/>
+              <a:tabLst>
+                <a:tab pos="723900" algn="l"/>
+                <a:tab pos="1447800" algn="l"/>
+                <a:tab pos="2171700" algn="l"/>
+                <a:tab pos="2895600" algn="l"/>
+              </a:tabLst>
+              <a:defRPr sz="2400">
+                <a:solidFill>
+                  <a:schemeClr val="bg1"/>
+                </a:solidFill>
+                <a:latin typeface="Arial" panose="020B0604020202020204" pitchFamily="34" charset="0"/>
+                <a:ea typeface="ＭＳ Ｐゴシック" panose="020B0600070205080204" pitchFamily="34" charset="-128"/>
+              </a:defRPr>
+            </a:lvl1pPr>
+            <a:lvl2pPr>
+              <a:buClr>
+                <a:srgbClr val="000000"/>
+              </a:buClr>
+              <a:buSzPct val="100000"/>
+              <a:buFont typeface="Times New Roman" panose="02020603050405020304" pitchFamily="18" charset="0"/>
+              <a:tabLst>
+                <a:tab pos="723900" algn="l"/>
+                <a:tab pos="1447800" algn="l"/>
+                <a:tab pos="2171700" algn="l"/>
+                <a:tab pos="2895600" algn="l"/>
+              </a:tabLst>
+              <a:defRPr sz="2400">
+                <a:solidFill>
+                  <a:schemeClr val="bg1"/>
+                </a:solidFill>
+                <a:latin typeface="Arial" panose="020B0604020202020204" pitchFamily="34" charset="0"/>
+                <a:ea typeface="ＭＳ Ｐゴシック" panose="020B0600070205080204" pitchFamily="34" charset="-128"/>
+              </a:defRPr>
+            </a:lvl2pPr>
+            <a:lvl3pPr>
+              <a:buClr>
+                <a:srgbClr val="000000"/>
+              </a:buClr>
+              <a:buSzPct val="100000"/>
+              <a:buFont typeface="Times New Roman" panose="02020603050405020304" pitchFamily="18" charset="0"/>
+              <a:tabLst>
+                <a:tab pos="723900" algn="l"/>
+                <a:tab pos="1447800" algn="l"/>
+                <a:tab pos="2171700" algn="l"/>
+                <a:tab pos="2895600" algn="l"/>
+              </a:tabLst>
+              <a:defRPr sz="2400">
+                <a:solidFill>
+                  <a:schemeClr val="bg1"/>
+                </a:solidFill>
+                <a:latin typeface="Arial" panose="020B0604020202020204" pitchFamily="34" charset="0"/>
+                <a:ea typeface="ＭＳ Ｐゴシック" panose="020B0600070205080204" pitchFamily="34" charset="-128"/>
+              </a:defRPr>
+            </a:lvl3pPr>
+            <a:lvl4pPr>
+              <a:buClr>
+                <a:srgbClr val="000000"/>
+              </a:buClr>
+              <a:buSzPct val="100000"/>
+              <a:buFont typeface="Times New Roman" panose="02020603050405020304" pitchFamily="18" charset="0"/>
+              <a:tabLst>
+                <a:tab pos="723900" algn="l"/>
+                <a:tab pos="1447800" algn="l"/>
+                <a:tab pos="2171700" algn="l"/>
+                <a:tab pos="2895600" algn="l"/>
+              </a:tabLst>
+              <a:defRPr sz="2400">
+                <a:solidFill>
+                  <a:schemeClr val="bg1"/>
+                </a:solidFill>
+                <a:latin typeface="Arial" panose="020B0604020202020204" pitchFamily="34" charset="0"/>
+                <a:ea typeface="ＭＳ Ｐゴシック" panose="020B0600070205080204" pitchFamily="34" charset="-128"/>
+              </a:defRPr>
+            </a:lvl4pPr>
+            <a:lvl5pPr>
+              <a:buClr>
+                <a:srgbClr val="000000"/>
+              </a:buClr>
+              <a:buSzPct val="100000"/>
+              <a:buFont typeface="Times New Roman" panose="02020603050405020304" pitchFamily="18" charset="0"/>
+              <a:tabLst>
+                <a:tab pos="723900" algn="l"/>
+                <a:tab pos="1447800" algn="l"/>
+                <a:tab pos="2171700" algn="l"/>
+                <a:tab pos="2895600" algn="l"/>
+              </a:tabLst>
+              <a:defRPr sz="2400">
+                <a:solidFill>
+                  <a:schemeClr val="bg1"/>
+                </a:solidFill>
+                <a:latin typeface="Arial" panose="020B0604020202020204" pitchFamily="34" charset="0"/>
+                <a:ea typeface="ＭＳ Ｐゴシック" panose="020B0600070205080204" pitchFamily="34" charset="-128"/>
+              </a:defRPr>
+            </a:lvl5pPr>
+            <a:lvl6pPr marL="2514600" indent="-228600" defTabSz="449263" eaLnBrk="0" fontAlgn="base" hangingPunct="0">
+              <a:spcBef>
+                <a:spcPct val="0"/>
+              </a:spcBef>
+              <a:spcAft>
+                <a:spcPct val="0"/>
+              </a:spcAft>
+              <a:buClr>
+                <a:srgbClr val="000000"/>
+              </a:buClr>
+              <a:buSzPct val="100000"/>
+              <a:buFont typeface="Times New Roman" panose="02020603050405020304" pitchFamily="18" charset="0"/>
+              <a:tabLst>
+                <a:tab pos="723900" algn="l"/>
+                <a:tab pos="1447800" algn="l"/>
+                <a:tab pos="2171700" algn="l"/>
+                <a:tab pos="2895600" algn="l"/>
+              </a:tabLst>
+              <a:defRPr sz="2400">
+                <a:solidFill>
+                  <a:schemeClr val="bg1"/>
+                </a:solidFill>
+                <a:latin typeface="Arial" panose="020B0604020202020204" pitchFamily="34" charset="0"/>
+                <a:ea typeface="ＭＳ Ｐゴシック" panose="020B0600070205080204" pitchFamily="34" charset="-128"/>
+              </a:defRPr>
+            </a:lvl6pPr>
+            <a:lvl7pPr marL="2971800" indent="-228600" defTabSz="449263" eaLnBrk="0" fontAlgn="base" hangingPunct="0">
+              <a:spcBef>
+                <a:spcPct val="0"/>
+              </a:spcBef>
+              <a:spcAft>
+                <a:spcPct val="0"/>
+              </a:spcAft>
+              <a:buClr>
+                <a:srgbClr val="000000"/>
+              </a:buClr>
+              <a:buSzPct val="100000"/>
+              <a:buFont typeface="Times New Roman" panose="02020603050405020304" pitchFamily="18" charset="0"/>
+              <a:tabLst>
+                <a:tab pos="723900" algn="l"/>
+                <a:tab pos="1447800" algn="l"/>
+                <a:tab pos="2171700" algn="l"/>
+                <a:tab pos="2895600" algn="l"/>
+              </a:tabLst>
+              <a:defRPr sz="2400">
+                <a:solidFill>
+                  <a:schemeClr val="bg1"/>
+                </a:solidFill>
+                <a:latin typeface="Arial" panose="020B0604020202020204" pitchFamily="34" charset="0"/>
+                <a:ea typeface="ＭＳ Ｐゴシック" panose="020B0600070205080204" pitchFamily="34" charset="-128"/>
+              </a:defRPr>
+            </a:lvl7pPr>
+            <a:lvl8pPr marL="3429000" indent="-228600" defTabSz="449263" eaLnBrk="0" fontAlgn="base" hangingPunct="0">
+              <a:spcBef>
+                <a:spcPct val="0"/>
+              </a:spcBef>
+              <a:spcAft>
+                <a:spcPct val="0"/>
+              </a:spcAft>
+              <a:buClr>
+                <a:srgbClr val="000000"/>
+              </a:buClr>
+              <a:buSzPct val="100000"/>
+              <a:buFont typeface="Times New Roman" panose="02020603050405020304" pitchFamily="18" charset="0"/>
+              <a:tabLst>
+                <a:tab pos="723900" algn="l"/>
+                <a:tab pos="1447800" algn="l"/>
+                <a:tab pos="2171700" algn="l"/>
+                <a:tab pos="2895600" algn="l"/>
+              </a:tabLst>
+              <a:defRPr sz="2400">
+                <a:solidFill>
+                  <a:schemeClr val="bg1"/>
+                </a:solidFill>
+                <a:latin typeface="Arial" panose="020B0604020202020204" pitchFamily="34" charset="0"/>
+                <a:ea typeface="ＭＳ Ｐゴシック" panose="020B0600070205080204" pitchFamily="34" charset="-128"/>
+              </a:defRPr>
+            </a:lvl8pPr>
+            <a:lvl9pPr marL="3886200" indent="-228600" defTabSz="449263" eaLnBrk="0" fontAlgn="base" hangingPunct="0">
+              <a:spcBef>
+                <a:spcPct val="0"/>
+              </a:spcBef>
+              <a:spcAft>
+                <a:spcPct val="0"/>
+              </a:spcAft>
+              <a:buClr>
+                <a:srgbClr val="000000"/>
+              </a:buClr>
+              <a:buSzPct val="100000"/>
+              <a:buFont typeface="Times New Roman" panose="02020603050405020304" pitchFamily="18" charset="0"/>
+              <a:tabLst>
+                <a:tab pos="723900" algn="l"/>
+                <a:tab pos="1447800" algn="l"/>
+                <a:tab pos="2171700" algn="l"/>
+                <a:tab pos="2895600" algn="l"/>
+              </a:tabLst>
+              <a:defRPr sz="2400">
+                <a:solidFill>
+                  <a:schemeClr val="bg1"/>
+                </a:solidFill>
+                <a:latin typeface="Arial" panose="020B0604020202020204" pitchFamily="34" charset="0"/>
+                <a:ea typeface="ＭＳ Ｐゴシック" panose="020B0600070205080204" pitchFamily="34" charset="-128"/>
+              </a:defRPr>
+            </a:lvl9pPr>
+          </a:lstStyle>
+          <a:p>
+            <a:pPr>
+              <a:buSzPct val="45000"/>
+              <a:buFont typeface="Wingdings" panose="05000000000000000000" pitchFamily="2" charset="2"/>
+              <a:buNone/>
+            </a:pPr>
+            <a:fld id="{0A908204-75F9-41CC-BE07-2F9CC3B3258B}" type="slidenum">
+              <a:rPr lang="fr-FR" altLang="fr-FR" sz="1200">
+                <a:solidFill>
+                  <a:srgbClr val="000000"/>
+                </a:solidFill>
+                <a:latin typeface="Times New Roman" panose="02020603050405020304" pitchFamily="18" charset="0"/>
+              </a:rPr>
+              <a:pPr>
+                <a:buSzPct val="45000"/>
+                <a:buFont typeface="Wingdings" panose="05000000000000000000" pitchFamily="2" charset="2"/>
+                <a:buNone/>
+              </a:pPr>
+              <a:t>29</a:t>
+            </a:fld>
+            <a:endParaRPr lang="fr-FR" altLang="fr-FR" sz="1200">
+              <a:solidFill>
+                <a:srgbClr val="000000"/>
+              </a:solidFill>
+              <a:latin typeface="Times New Roman" panose="02020603050405020304" pitchFamily="18" charset="0"/>
+            </a:endParaRPr>
+          </a:p>
+        </p:txBody>
+      </p:sp>
+      <p:sp>
+        <p:nvSpPr>
+          <p:cNvPr id="41987" name="Rectangle 1"/>
+          <p:cNvSpPr txBox="1">
+            <a:spLocks noChangeArrowheads="1" noTextEdit="1"/>
+          </p:cNvSpPr>
+          <p:nvPr>
+            <p:ph type="sldImg"/>
+          </p:nvPr>
+        </p:nvSpPr>
+        <p:spPr>
+          <a:xfrm>
+            <a:off x="1143000" y="685800"/>
+            <a:ext cx="4572000" cy="3429000"/>
+          </a:xfrm>
+          <a:ln/>
+          <a:extLst>
+            <a:ext uri="{AF507438-7753-43E0-B8FC-AC1667EBCBE1}">
+              <a14:hiddenEffects xmlns:a14="http://schemas.microsoft.com/office/drawing/2010/main">
+                <a:effectLst>
+                  <a:outerShdw dist="35921" dir="2700000" algn="ctr" rotWithShape="0">
+                    <a:srgbClr val="808080"/>
+                  </a:outerShdw>
+                </a:effectLst>
+              </a14:hiddenEffects>
+            </a:ext>
+          </a:extLst>
+        </p:spPr>
+      </p:sp>
+      <p:sp>
+        <p:nvSpPr>
+          <p:cNvPr id="41988" name="Rectangle 2"/>
+          <p:cNvSpPr txBox="1">
+            <a:spLocks noChangeArrowheads="1"/>
+          </p:cNvSpPr>
+          <p:nvPr>
+            <p:ph type="body" idx="1"/>
+          </p:nvPr>
+        </p:nvSpPr>
+        <p:spPr>
+          <a:xfrm>
+            <a:off x="914400" y="4343400"/>
+            <a:ext cx="5029200" cy="4114800"/>
+          </a:xfrm>
+          <a:noFill/>
+          <a:extLst>
+            <a:ext uri="{AF507438-7753-43E0-B8FC-AC1667EBCBE1}">
+              <a14:hiddenEffects xmlns:a14="http://schemas.microsoft.com/office/drawing/2010/main">
+                <a:effectLst>
+                  <a:outerShdw dist="35921" dir="2700000" algn="ctr" rotWithShape="0">
+                    <a:srgbClr val="808080"/>
+                  </a:outerShdw>
+                </a:effectLst>
+              </a14:hiddenEffects>
+            </a:ext>
+          </a:extLst>
+        </p:spPr>
+        <p:txBody>
+          <a:bodyPr wrap="none" anchor="ctr"/>
+          <a:lstStyle/>
+          <a:p>
+            <a:endParaRPr lang="fr-FR" altLang="fr-FR" smtClean="0"/>
+          </a:p>
+        </p:txBody>
+      </p:sp>
+    </p:spTree>
+    <p:extLst>
+      <p:ext uri="{BB962C8B-B14F-4D97-AF65-F5344CB8AC3E}">
+        <p14:creationId xmlns:p14="http://schemas.microsoft.com/office/powerpoint/2010/main" val="3556989749"/>
+      </p:ext>
+    </p:extLst>
+  </p:cSld>
+  <p:clrMapOvr>
+    <a:masterClrMapping/>
+  </p:clrMapOvr>
+</p:notes>
+</file>
+
 <file path=ppt/notesSlides/notesSlide3.xml><?xml version="1.0" encoding="utf-8"?>
 <p:notes xmlns:a="http://schemas.openxmlformats.org/drawingml/2006/main" xmlns:r="http://schemas.openxmlformats.org/officeDocument/2006/relationships" xmlns:p="http://schemas.openxmlformats.org/presentationml/2006/main">
   <p:cSld>
@@ -9671,7 +9670,7 @@
     </p:spTree>
     <p:extLst>
       <p:ext uri="{BB962C8B-B14F-4D97-AF65-F5344CB8AC3E}">
-        <p14:creationId xmlns:p14="http://schemas.microsoft.com/office/powerpoint/2010/main" val="3556989749"/>
+        <p14:creationId xmlns:p14="http://schemas.microsoft.com/office/powerpoint/2010/main" val="2317692687"/>
       </p:ext>
     </p:extLst>
   </p:cSld>
@@ -10036,7 +10035,7 @@
     </p:spTree>
     <p:extLst>
       <p:ext uri="{BB962C8B-B14F-4D97-AF65-F5344CB8AC3E}">
-        <p14:creationId xmlns:p14="http://schemas.microsoft.com/office/powerpoint/2010/main" val="2317692687"/>
+        <p14:creationId xmlns:p14="http://schemas.microsoft.com/office/powerpoint/2010/main" val="1433936531"/>
       </p:ext>
     </p:extLst>
   </p:cSld>
@@ -10401,7 +10400,7 @@
     </p:spTree>
     <p:extLst>
       <p:ext uri="{BB962C8B-B14F-4D97-AF65-F5344CB8AC3E}">
-        <p14:creationId xmlns:p14="http://schemas.microsoft.com/office/powerpoint/2010/main" val="1433936531"/>
+        <p14:creationId xmlns:p14="http://schemas.microsoft.com/office/powerpoint/2010/main" val="4034578651"/>
       </p:ext>
     </p:extLst>
   </p:cSld>
@@ -10766,7 +10765,7 @@
     </p:spTree>
     <p:extLst>
       <p:ext uri="{BB962C8B-B14F-4D97-AF65-F5344CB8AC3E}">
-        <p14:creationId xmlns:p14="http://schemas.microsoft.com/office/powerpoint/2010/main" val="4034578651"/>
+        <p14:creationId xmlns:p14="http://schemas.microsoft.com/office/powerpoint/2010/main" val="3149864269"/>
       </p:ext>
     </p:extLst>
   </p:cSld>
@@ -11131,7 +11130,7 @@
     </p:spTree>
     <p:extLst>
       <p:ext uri="{BB962C8B-B14F-4D97-AF65-F5344CB8AC3E}">
-        <p14:creationId xmlns:p14="http://schemas.microsoft.com/office/powerpoint/2010/main" val="3149864269"/>
+        <p14:creationId xmlns:p14="http://schemas.microsoft.com/office/powerpoint/2010/main" val="3732386350"/>
       </p:ext>
     </p:extLst>
   </p:cSld>
@@ -11496,7 +11495,7 @@
     </p:spTree>
     <p:extLst>
       <p:ext uri="{BB962C8B-B14F-4D97-AF65-F5344CB8AC3E}">
-        <p14:creationId xmlns:p14="http://schemas.microsoft.com/office/powerpoint/2010/main" val="3732386350"/>
+        <p14:creationId xmlns:p14="http://schemas.microsoft.com/office/powerpoint/2010/main" val="33365672"/>
       </p:ext>
     </p:extLst>
   </p:cSld>
@@ -11861,7 +11860,7 @@
     </p:spTree>
     <p:extLst>
       <p:ext uri="{BB962C8B-B14F-4D97-AF65-F5344CB8AC3E}">
-        <p14:creationId xmlns:p14="http://schemas.microsoft.com/office/powerpoint/2010/main" val="33365672"/>
+        <p14:creationId xmlns:p14="http://schemas.microsoft.com/office/powerpoint/2010/main" val="1795967136"/>
       </p:ext>
     </p:extLst>
   </p:cSld>
@@ -11872,371 +11871,6 @@
 </file>
 
 <file path=ppt/notesSlides/notesSlide37.xml><?xml version="1.0" encoding="utf-8"?>
-<p:notes xmlns:a="http://schemas.openxmlformats.org/drawingml/2006/main" xmlns:r="http://schemas.openxmlformats.org/officeDocument/2006/relationships" xmlns:p="http://schemas.openxmlformats.org/presentationml/2006/main">
-  <p:cSld>
-    <p:bg>
-      <p:bgPr>
-        <a:solidFill>
-          <a:srgbClr val="FFFFFF"/>
-        </a:solidFill>
-        <a:effectLst/>
-      </p:bgPr>
-    </p:bg>
-    <p:spTree>
-      <p:nvGrpSpPr>
-        <p:cNvPr id="1" name=""/>
-        <p:cNvGrpSpPr/>
-        <p:nvPr/>
-      </p:nvGrpSpPr>
-      <p:grpSpPr>
-        <a:xfrm>
-          <a:off x="0" y="0"/>
-          <a:ext cx="0" cy="0"/>
-          <a:chOff x="0" y="0"/>
-          <a:chExt cx="0" cy="0"/>
-        </a:xfrm>
-      </p:grpSpPr>
-      <p:sp>
-        <p:nvSpPr>
-          <p:cNvPr id="41986" name="Rectangle 7"/>
-          <p:cNvSpPr>
-            <a:spLocks noGrp="1" noChangeArrowheads="1"/>
-          </p:cNvSpPr>
-          <p:nvPr>
-            <p:ph type="sldNum" sz="quarter"/>
-          </p:nvPr>
-        </p:nvSpPr>
-        <p:spPr>
-          <a:noFill/>
-          <a:extLst>
-            <a:ext uri="{91240B29-F687-4F45-9708-019B960494DF}">
-              <a14:hiddenLine xmlns:a14="http://schemas.microsoft.com/office/drawing/2010/main" w="9525">
-                <a:solidFill>
-                  <a:srgbClr val="808080"/>
-                </a:solidFill>
-                <a:round/>
-                <a:headEnd/>
-                <a:tailEnd/>
-              </a14:hiddenLine>
-            </a:ext>
-          </a:extLst>
-        </p:spPr>
-        <p:txBody>
-          <a:bodyPr/>
-          <a:lstStyle>
-            <a:lvl1pPr marL="215900" indent="-215900">
-              <a:buClr>
-                <a:srgbClr val="000000"/>
-              </a:buClr>
-              <a:buSzPct val="100000"/>
-              <a:buFont typeface="Times New Roman" panose="02020603050405020304" pitchFamily="18" charset="0"/>
-              <a:tabLst>
-                <a:tab pos="723900" algn="l"/>
-                <a:tab pos="1447800" algn="l"/>
-                <a:tab pos="2171700" algn="l"/>
-                <a:tab pos="2895600" algn="l"/>
-              </a:tabLst>
-              <a:defRPr sz="2400">
-                <a:solidFill>
-                  <a:schemeClr val="bg1"/>
-                </a:solidFill>
-                <a:latin typeface="Arial" panose="020B0604020202020204" pitchFamily="34" charset="0"/>
-                <a:ea typeface="ＭＳ Ｐゴシック" panose="020B0600070205080204" pitchFamily="34" charset="-128"/>
-              </a:defRPr>
-            </a:lvl1pPr>
-            <a:lvl2pPr>
-              <a:buClr>
-                <a:srgbClr val="000000"/>
-              </a:buClr>
-              <a:buSzPct val="100000"/>
-              <a:buFont typeface="Times New Roman" panose="02020603050405020304" pitchFamily="18" charset="0"/>
-              <a:tabLst>
-                <a:tab pos="723900" algn="l"/>
-                <a:tab pos="1447800" algn="l"/>
-                <a:tab pos="2171700" algn="l"/>
-                <a:tab pos="2895600" algn="l"/>
-              </a:tabLst>
-              <a:defRPr sz="2400">
-                <a:solidFill>
-                  <a:schemeClr val="bg1"/>
-                </a:solidFill>
-                <a:latin typeface="Arial" panose="020B0604020202020204" pitchFamily="34" charset="0"/>
-                <a:ea typeface="ＭＳ Ｐゴシック" panose="020B0600070205080204" pitchFamily="34" charset="-128"/>
-              </a:defRPr>
-            </a:lvl2pPr>
-            <a:lvl3pPr>
-              <a:buClr>
-                <a:srgbClr val="000000"/>
-              </a:buClr>
-              <a:buSzPct val="100000"/>
-              <a:buFont typeface="Times New Roman" panose="02020603050405020304" pitchFamily="18" charset="0"/>
-              <a:tabLst>
-                <a:tab pos="723900" algn="l"/>
-                <a:tab pos="1447800" algn="l"/>
-                <a:tab pos="2171700" algn="l"/>
-                <a:tab pos="2895600" algn="l"/>
-              </a:tabLst>
-              <a:defRPr sz="2400">
-                <a:solidFill>
-                  <a:schemeClr val="bg1"/>
-                </a:solidFill>
-                <a:latin typeface="Arial" panose="020B0604020202020204" pitchFamily="34" charset="0"/>
-                <a:ea typeface="ＭＳ Ｐゴシック" panose="020B0600070205080204" pitchFamily="34" charset="-128"/>
-              </a:defRPr>
-            </a:lvl3pPr>
-            <a:lvl4pPr>
-              <a:buClr>
-                <a:srgbClr val="000000"/>
-              </a:buClr>
-              <a:buSzPct val="100000"/>
-              <a:buFont typeface="Times New Roman" panose="02020603050405020304" pitchFamily="18" charset="0"/>
-              <a:tabLst>
-                <a:tab pos="723900" algn="l"/>
-                <a:tab pos="1447800" algn="l"/>
-                <a:tab pos="2171700" algn="l"/>
-                <a:tab pos="2895600" algn="l"/>
-              </a:tabLst>
-              <a:defRPr sz="2400">
-                <a:solidFill>
-                  <a:schemeClr val="bg1"/>
-                </a:solidFill>
-                <a:latin typeface="Arial" panose="020B0604020202020204" pitchFamily="34" charset="0"/>
-                <a:ea typeface="ＭＳ Ｐゴシック" panose="020B0600070205080204" pitchFamily="34" charset="-128"/>
-              </a:defRPr>
-            </a:lvl4pPr>
-            <a:lvl5pPr>
-              <a:buClr>
-                <a:srgbClr val="000000"/>
-              </a:buClr>
-              <a:buSzPct val="100000"/>
-              <a:buFont typeface="Times New Roman" panose="02020603050405020304" pitchFamily="18" charset="0"/>
-              <a:tabLst>
-                <a:tab pos="723900" algn="l"/>
-                <a:tab pos="1447800" algn="l"/>
-                <a:tab pos="2171700" algn="l"/>
-                <a:tab pos="2895600" algn="l"/>
-              </a:tabLst>
-              <a:defRPr sz="2400">
-                <a:solidFill>
-                  <a:schemeClr val="bg1"/>
-                </a:solidFill>
-                <a:latin typeface="Arial" panose="020B0604020202020204" pitchFamily="34" charset="0"/>
-                <a:ea typeface="ＭＳ Ｐゴシック" panose="020B0600070205080204" pitchFamily="34" charset="-128"/>
-              </a:defRPr>
-            </a:lvl5pPr>
-            <a:lvl6pPr marL="2514600" indent="-228600" defTabSz="449263" eaLnBrk="0" fontAlgn="base" hangingPunct="0">
-              <a:spcBef>
-                <a:spcPct val="0"/>
-              </a:spcBef>
-              <a:spcAft>
-                <a:spcPct val="0"/>
-              </a:spcAft>
-              <a:buClr>
-                <a:srgbClr val="000000"/>
-              </a:buClr>
-              <a:buSzPct val="100000"/>
-              <a:buFont typeface="Times New Roman" panose="02020603050405020304" pitchFamily="18" charset="0"/>
-              <a:tabLst>
-                <a:tab pos="723900" algn="l"/>
-                <a:tab pos="1447800" algn="l"/>
-                <a:tab pos="2171700" algn="l"/>
-                <a:tab pos="2895600" algn="l"/>
-              </a:tabLst>
-              <a:defRPr sz="2400">
-                <a:solidFill>
-                  <a:schemeClr val="bg1"/>
-                </a:solidFill>
-                <a:latin typeface="Arial" panose="020B0604020202020204" pitchFamily="34" charset="0"/>
-                <a:ea typeface="ＭＳ Ｐゴシック" panose="020B0600070205080204" pitchFamily="34" charset="-128"/>
-              </a:defRPr>
-            </a:lvl6pPr>
-            <a:lvl7pPr marL="2971800" indent="-228600" defTabSz="449263" eaLnBrk="0" fontAlgn="base" hangingPunct="0">
-              <a:spcBef>
-                <a:spcPct val="0"/>
-              </a:spcBef>
-              <a:spcAft>
-                <a:spcPct val="0"/>
-              </a:spcAft>
-              <a:buClr>
-                <a:srgbClr val="000000"/>
-              </a:buClr>
-              <a:buSzPct val="100000"/>
-              <a:buFont typeface="Times New Roman" panose="02020603050405020304" pitchFamily="18" charset="0"/>
-              <a:tabLst>
-                <a:tab pos="723900" algn="l"/>
-                <a:tab pos="1447800" algn="l"/>
-                <a:tab pos="2171700" algn="l"/>
-                <a:tab pos="2895600" algn="l"/>
-              </a:tabLst>
-              <a:defRPr sz="2400">
-                <a:solidFill>
-                  <a:schemeClr val="bg1"/>
-                </a:solidFill>
-                <a:latin typeface="Arial" panose="020B0604020202020204" pitchFamily="34" charset="0"/>
-                <a:ea typeface="ＭＳ Ｐゴシック" panose="020B0600070205080204" pitchFamily="34" charset="-128"/>
-              </a:defRPr>
-            </a:lvl7pPr>
-            <a:lvl8pPr marL="3429000" indent="-228600" defTabSz="449263" eaLnBrk="0" fontAlgn="base" hangingPunct="0">
-              <a:spcBef>
-                <a:spcPct val="0"/>
-              </a:spcBef>
-              <a:spcAft>
-                <a:spcPct val="0"/>
-              </a:spcAft>
-              <a:buClr>
-                <a:srgbClr val="000000"/>
-              </a:buClr>
-              <a:buSzPct val="100000"/>
-              <a:buFont typeface="Times New Roman" panose="02020603050405020304" pitchFamily="18" charset="0"/>
-              <a:tabLst>
-                <a:tab pos="723900" algn="l"/>
-                <a:tab pos="1447800" algn="l"/>
-                <a:tab pos="2171700" algn="l"/>
-                <a:tab pos="2895600" algn="l"/>
-              </a:tabLst>
-              <a:defRPr sz="2400">
-                <a:solidFill>
-                  <a:schemeClr val="bg1"/>
-                </a:solidFill>
-                <a:latin typeface="Arial" panose="020B0604020202020204" pitchFamily="34" charset="0"/>
-                <a:ea typeface="ＭＳ Ｐゴシック" panose="020B0600070205080204" pitchFamily="34" charset="-128"/>
-              </a:defRPr>
-            </a:lvl8pPr>
-            <a:lvl9pPr marL="3886200" indent="-228600" defTabSz="449263" eaLnBrk="0" fontAlgn="base" hangingPunct="0">
-              <a:spcBef>
-                <a:spcPct val="0"/>
-              </a:spcBef>
-              <a:spcAft>
-                <a:spcPct val="0"/>
-              </a:spcAft>
-              <a:buClr>
-                <a:srgbClr val="000000"/>
-              </a:buClr>
-              <a:buSzPct val="100000"/>
-              <a:buFont typeface="Times New Roman" panose="02020603050405020304" pitchFamily="18" charset="0"/>
-              <a:tabLst>
-                <a:tab pos="723900" algn="l"/>
-                <a:tab pos="1447800" algn="l"/>
-                <a:tab pos="2171700" algn="l"/>
-                <a:tab pos="2895600" algn="l"/>
-              </a:tabLst>
-              <a:defRPr sz="2400">
-                <a:solidFill>
-                  <a:schemeClr val="bg1"/>
-                </a:solidFill>
-                <a:latin typeface="Arial" panose="020B0604020202020204" pitchFamily="34" charset="0"/>
-                <a:ea typeface="ＭＳ Ｐゴシック" panose="020B0600070205080204" pitchFamily="34" charset="-128"/>
-              </a:defRPr>
-            </a:lvl9pPr>
-          </a:lstStyle>
-          <a:p>
-            <a:pPr>
-              <a:buSzPct val="45000"/>
-              <a:buFont typeface="Wingdings" panose="05000000000000000000" pitchFamily="2" charset="2"/>
-              <a:buNone/>
-            </a:pPr>
-            <a:fld id="{0A908204-75F9-41CC-BE07-2F9CC3B3258B}" type="slidenum">
-              <a:rPr lang="fr-FR" altLang="fr-FR" sz="1200">
-                <a:solidFill>
-                  <a:srgbClr val="000000"/>
-                </a:solidFill>
-                <a:latin typeface="Times New Roman" panose="02020603050405020304" pitchFamily="18" charset="0"/>
-              </a:rPr>
-              <a:pPr>
-                <a:buSzPct val="45000"/>
-                <a:buFont typeface="Wingdings" panose="05000000000000000000" pitchFamily="2" charset="2"/>
-                <a:buNone/>
-              </a:pPr>
-              <a:t>37</a:t>
-            </a:fld>
-            <a:endParaRPr lang="fr-FR" altLang="fr-FR" sz="1200">
-              <a:solidFill>
-                <a:srgbClr val="000000"/>
-              </a:solidFill>
-              <a:latin typeface="Times New Roman" panose="02020603050405020304" pitchFamily="18" charset="0"/>
-            </a:endParaRPr>
-          </a:p>
-        </p:txBody>
-      </p:sp>
-      <p:sp>
-        <p:nvSpPr>
-          <p:cNvPr id="41987" name="Rectangle 1"/>
-          <p:cNvSpPr txBox="1">
-            <a:spLocks noChangeArrowheads="1" noTextEdit="1"/>
-          </p:cNvSpPr>
-          <p:nvPr>
-            <p:ph type="sldImg"/>
-          </p:nvPr>
-        </p:nvSpPr>
-        <p:spPr>
-          <a:xfrm>
-            <a:off x="1143000" y="685800"/>
-            <a:ext cx="4572000" cy="3429000"/>
-          </a:xfrm>
-          <a:ln/>
-          <a:extLst>
-            <a:ext uri="{AF507438-7753-43E0-B8FC-AC1667EBCBE1}">
-              <a14:hiddenEffects xmlns:a14="http://schemas.microsoft.com/office/drawing/2010/main">
-                <a:effectLst>
-                  <a:outerShdw dist="35921" dir="2700000" algn="ctr" rotWithShape="0">
-                    <a:srgbClr val="808080"/>
-                  </a:outerShdw>
-                </a:effectLst>
-              </a14:hiddenEffects>
-            </a:ext>
-          </a:extLst>
-        </p:spPr>
-      </p:sp>
-      <p:sp>
-        <p:nvSpPr>
-          <p:cNvPr id="41988" name="Rectangle 2"/>
-          <p:cNvSpPr txBox="1">
-            <a:spLocks noChangeArrowheads="1"/>
-          </p:cNvSpPr>
-          <p:nvPr>
-            <p:ph type="body" idx="1"/>
-          </p:nvPr>
-        </p:nvSpPr>
-        <p:spPr>
-          <a:xfrm>
-            <a:off x="914400" y="4343400"/>
-            <a:ext cx="5029200" cy="4114800"/>
-          </a:xfrm>
-          <a:noFill/>
-          <a:extLst>
-            <a:ext uri="{AF507438-7753-43E0-B8FC-AC1667EBCBE1}">
-              <a14:hiddenEffects xmlns:a14="http://schemas.microsoft.com/office/drawing/2010/main">
-                <a:effectLst>
-                  <a:outerShdw dist="35921" dir="2700000" algn="ctr" rotWithShape="0">
-                    <a:srgbClr val="808080"/>
-                  </a:outerShdw>
-                </a:effectLst>
-              </a14:hiddenEffects>
-            </a:ext>
-          </a:extLst>
-        </p:spPr>
-        <p:txBody>
-          <a:bodyPr wrap="none" anchor="ctr"/>
-          <a:lstStyle/>
-          <a:p>
-            <a:endParaRPr lang="fr-FR" altLang="fr-FR" smtClean="0"/>
-          </a:p>
-        </p:txBody>
-      </p:sp>
-    </p:spTree>
-    <p:extLst>
-      <p:ext uri="{BB962C8B-B14F-4D97-AF65-F5344CB8AC3E}">
-        <p14:creationId xmlns:p14="http://schemas.microsoft.com/office/powerpoint/2010/main" val="1795967136"/>
-      </p:ext>
-    </p:extLst>
-  </p:cSld>
-  <p:clrMapOvr>
-    <a:masterClrMapping/>
-  </p:clrMapOvr>
-</p:notes>
-</file>
-
-<file path=ppt/notesSlides/notesSlide38.xml><?xml version="1.0" encoding="utf-8"?>
 <p:notes xmlns:a="http://schemas.openxmlformats.org/drawingml/2006/main" xmlns:r="http://schemas.openxmlformats.org/officeDocument/2006/relationships" xmlns:p="http://schemas.openxmlformats.org/presentationml/2006/main">
   <p:cSld>
     <p:bg>
@@ -12512,7 +12146,7 @@
                 <a:buFont typeface="Wingdings" panose="05000000000000000000" pitchFamily="2" charset="2"/>
                 <a:buNone/>
               </a:pPr>
-              <a:t>38</a:t>
+              <a:t>37</a:t>
             </a:fld>
             <a:endParaRPr lang="fr-FR" altLang="fr-FR" sz="1200">
               <a:solidFill>
@@ -22628,14 +22262,14 @@
                   </a:outerShdw>
                 </a:effectLst>
               </a:rPr>
-              <a:t>Accès au sujet</a:t>
+              <a:t>Bon, et plus sérieusement ?</a:t>
             </a:r>
           </a:p>
         </p:txBody>
       </p:sp>
       <p:sp>
         <p:nvSpPr>
-          <p:cNvPr id="22531" name="Espace réservé du contenu 1"/>
+          <p:cNvPr id="24579" name="Espace réservé du contenu 1"/>
           <p:cNvSpPr txBox="1">
             <a:spLocks/>
           </p:cNvSpPr>
@@ -22862,48 +22496,14 @@
               <a:buFont typeface="Wingdings" panose="05000000000000000000" pitchFamily="2" charset="2"/>
               <a:buChar char="Ø"/>
             </a:pPr>
-            <a:endParaRPr lang="fr-FR" altLang="en-US">
-              <a:solidFill>
-                <a:schemeClr val="tx1"/>
-              </a:solidFill>
-              <a:hlinkClick r:id="rId3"/>
-            </a:endParaRPr>
-          </a:p>
-          <a:p>
-            <a:pPr lvl="1" defTabSz="914400" eaLnBrk="1" hangingPunct="1">
-              <a:spcBef>
-                <a:spcPct val="20000"/>
-              </a:spcBef>
-              <a:buClr>
-                <a:srgbClr val="FF0000"/>
-              </a:buClr>
-              <a:buFont typeface="Wingdings" panose="05000000000000000000" pitchFamily="2" charset="2"/>
-              <a:buChar char="Ø"/>
-            </a:pPr>
-            <a:endParaRPr lang="fr-FR" altLang="en-US">
-              <a:solidFill>
-                <a:schemeClr val="tx1"/>
-              </a:solidFill>
-              <a:hlinkClick r:id="rId3"/>
-            </a:endParaRPr>
-          </a:p>
-          <a:p>
-            <a:pPr lvl="1" defTabSz="914400" eaLnBrk="1" hangingPunct="1">
-              <a:spcBef>
-                <a:spcPct val="20000"/>
-              </a:spcBef>
-              <a:buClr>
-                <a:srgbClr val="FF0000"/>
-              </a:buClr>
-              <a:buFont typeface="Wingdings" panose="05000000000000000000" pitchFamily="2" charset="2"/>
-              <a:buChar char="Ø"/>
-            </a:pPr>
-            <a:endParaRPr lang="fr-FR" altLang="en-US">
-              <a:solidFill>
-                <a:schemeClr val="tx1"/>
-              </a:solidFill>
-              <a:hlinkClick r:id="rId3"/>
-            </a:endParaRPr>
+            <a:r>
+              <a:rPr lang="fr-FR" altLang="en-US" dirty="0">
+                <a:solidFill>
+                  <a:schemeClr val="tx1"/>
+                </a:solidFill>
+              </a:rPr>
+              <a:t>Ada</a:t>
+            </a:r>
           </a:p>
           <a:p>
             <a:pPr lvl="1" defTabSz="914400" eaLnBrk="1" hangingPunct="1">
@@ -22917,15 +22517,107 @@
               <a:buChar char="Ø"/>
             </a:pPr>
             <a:r>
-              <a:rPr lang="fr-FR" altLang="en-US">
+              <a:rPr lang="fr-FR" altLang="en-US" dirty="0" smtClean="0">
                 <a:solidFill>
                   <a:schemeClr val="tx1"/>
                 </a:solidFill>
-                <a:hlinkClick r:id="rId3"/>
               </a:rPr>
-              <a:t>http://codinsa.org/sujetfinale</a:t>
+              <a:t>Fortran</a:t>
             </a:r>
-            <a:endParaRPr lang="fr-FR" altLang="en-US">
+            <a:endParaRPr lang="fr-FR" altLang="en-US" dirty="0">
+              <a:solidFill>
+                <a:schemeClr val="tx1"/>
+              </a:solidFill>
+            </a:endParaRPr>
+          </a:p>
+          <a:p>
+            <a:pPr lvl="1" defTabSz="914400" eaLnBrk="1" hangingPunct="1">
+              <a:spcBef>
+                <a:spcPct val="20000"/>
+              </a:spcBef>
+              <a:buClr>
+                <a:srgbClr val="FF0000"/>
+              </a:buClr>
+              <a:buFont typeface="Wingdings" panose="05000000000000000000" pitchFamily="2" charset="2"/>
+              <a:buChar char="Ø"/>
+            </a:pPr>
+            <a:r>
+              <a:rPr lang="fr-FR" altLang="en-US" dirty="0">
+                <a:solidFill>
+                  <a:schemeClr val="tx1"/>
+                </a:solidFill>
+              </a:rPr>
+              <a:t>Pascal</a:t>
+            </a:r>
+          </a:p>
+          <a:p>
+            <a:pPr lvl="1" defTabSz="914400" eaLnBrk="1" hangingPunct="1">
+              <a:spcBef>
+                <a:spcPct val="20000"/>
+              </a:spcBef>
+              <a:buClr>
+                <a:srgbClr val="FF0000"/>
+              </a:buClr>
+              <a:buFont typeface="Wingdings" panose="05000000000000000000" pitchFamily="2" charset="2"/>
+              <a:buChar char="Ø"/>
+            </a:pPr>
+            <a:r>
+              <a:rPr lang="fr-FR" altLang="en-US" dirty="0">
+                <a:solidFill>
+                  <a:schemeClr val="tx1"/>
+                </a:solidFill>
+              </a:rPr>
+              <a:t>CAML</a:t>
+            </a:r>
+          </a:p>
+          <a:p>
+            <a:pPr lvl="1" defTabSz="914400" eaLnBrk="1" hangingPunct="1">
+              <a:spcBef>
+                <a:spcPct val="20000"/>
+              </a:spcBef>
+              <a:buClr>
+                <a:srgbClr val="FF0000"/>
+              </a:buClr>
+              <a:buFont typeface="Wingdings" panose="05000000000000000000" pitchFamily="2" charset="2"/>
+              <a:buChar char="Ø"/>
+            </a:pPr>
+            <a:r>
+              <a:rPr lang="fr-FR" altLang="en-US" dirty="0" smtClean="0">
+                <a:solidFill>
+                  <a:schemeClr val="tx1"/>
+                </a:solidFill>
+              </a:rPr>
+              <a:t>C </a:t>
+            </a:r>
+            <a:r>
+              <a:rPr lang="fr-FR" altLang="en-US" sz="1200" dirty="0" smtClean="0">
+                <a:solidFill>
+                  <a:schemeClr val="tx1"/>
+                </a:solidFill>
+              </a:rPr>
+              <a:t>(si </a:t>
+            </a:r>
+            <a:r>
+              <a:rPr lang="fr-FR" altLang="en-US" sz="1200" dirty="0">
+                <a:solidFill>
+                  <a:schemeClr val="tx1"/>
+                </a:solidFill>
+              </a:rPr>
+              <a:t>on arrive à le faire fonctionner…)</a:t>
+            </a:r>
+          </a:p>
+          <a:p>
+            <a:pPr lvl="1" defTabSz="914400" eaLnBrk="1" hangingPunct="1">
+              <a:spcBef>
+                <a:spcPct val="20000"/>
+              </a:spcBef>
+              <a:buClr>
+                <a:srgbClr val="FF0000"/>
+              </a:buClr>
+              <a:buFont typeface="Wingdings" panose="05000000000000000000" pitchFamily="2" charset="2"/>
+              <a:buChar char="Ø"/>
+            </a:pPr>
+            <a:endParaRPr lang="fr-FR" altLang="en-US" dirty="0">
               <a:solidFill>
                 <a:schemeClr val="tx1"/>
               </a:solidFill>
@@ -23036,14 +22728,31 @@
                   </a:outerShdw>
                 </a:effectLst>
               </a:rPr>
-              <a:t>Bon, et plus sérieusement ?</a:t>
+              <a:t>Langages </a:t>
             </a:r>
+            <a:r>
+              <a:rPr lang="fr-FR" altLang="fr-FR" dirty="0" smtClean="0">
+                <a:effectLst>
+                  <a:outerShdw blurRad="38100" dist="38100" dir="2700000" algn="tl">
+                    <a:srgbClr val="C0C0C0"/>
+                  </a:outerShdw>
+                </a:effectLst>
+              </a:rPr>
+              <a:t>autorisés (les vrais)</a:t>
+            </a:r>
+            <a:endParaRPr lang="fr-FR" altLang="fr-FR" dirty="0" smtClean="0">
+              <a:effectLst>
+                <a:outerShdw blurRad="38100" dist="38100" dir="2700000" algn="tl">
+                  <a:srgbClr val="C0C0C0"/>
+                </a:outerShdw>
+              </a:effectLst>
+            </a:endParaRPr>
           </a:p>
         </p:txBody>
       </p:sp>
       <p:sp>
         <p:nvSpPr>
-          <p:cNvPr id="24579" name="Espace réservé du contenu 1"/>
+          <p:cNvPr id="26627" name="Espace réservé du contenu 1"/>
           <p:cNvSpPr txBox="1">
             <a:spLocks/>
           </p:cNvSpPr>
@@ -23271,32 +22980,12 @@
               <a:buChar char="Ø"/>
             </a:pPr>
             <a:r>
-              <a:rPr lang="fr-FR" altLang="en-US" dirty="0">
+              <a:rPr lang="fr-FR" altLang="en-US" dirty="0" smtClean="0">
                 <a:solidFill>
                   <a:schemeClr val="tx1"/>
                 </a:solidFill>
               </a:rPr>
-              <a:t>Ada</a:t>
-            </a:r>
-          </a:p>
-          <a:p>
-            <a:pPr lvl="1" defTabSz="914400" eaLnBrk="1" hangingPunct="1">
-              <a:spcBef>
-                <a:spcPct val="20000"/>
-              </a:spcBef>
-              <a:buClr>
-                <a:srgbClr val="FF0000"/>
-              </a:buClr>
-              <a:buFont typeface="Wingdings" panose="05000000000000000000" pitchFamily="2" charset="2"/>
-              <a:buChar char="Ø"/>
-            </a:pPr>
-            <a:r>
-              <a:rPr lang="fr-FR" altLang="en-US" dirty="0" smtClean="0">
-                <a:solidFill>
-                  <a:schemeClr val="tx1"/>
-                </a:solidFill>
-              </a:rPr>
-              <a:t>Fortran</a:t>
+              <a:t>C++</a:t>
             </a:r>
             <a:endParaRPr lang="fr-FR" altLang="en-US" dirty="0">
               <a:solidFill>
@@ -23316,33 +23005,18 @@
               <a:buChar char="Ø"/>
             </a:pPr>
             <a:r>
-              <a:rPr lang="fr-FR" altLang="en-US" dirty="0">
+              <a:rPr lang="fr-FR" altLang="en-US" dirty="0" smtClean="0">
                 <a:solidFill>
                   <a:schemeClr val="tx1"/>
                 </a:solidFill>
               </a:rPr>
-              <a:t>Pascal</a:t>
+              <a:t>Java</a:t>
             </a:r>
-          </a:p>
-          <a:p>
-            <a:pPr lvl="1" defTabSz="914400" eaLnBrk="1" hangingPunct="1">
-              <a:spcBef>
-                <a:spcPct val="20000"/>
-              </a:spcBef>
-              <a:buClr>
-                <a:srgbClr val="FF0000"/>
-              </a:buClr>
-              <a:buFont typeface="Wingdings" panose="05000000000000000000" pitchFamily="2" charset="2"/>
-              <a:buChar char="Ø"/>
-            </a:pPr>
-            <a:r>
-              <a:rPr lang="fr-FR" altLang="en-US" dirty="0">
-                <a:solidFill>
-                  <a:schemeClr val="tx1"/>
-                </a:solidFill>
-              </a:rPr>
-              <a:t>CAML</a:t>
-            </a:r>
+            <a:endParaRPr lang="fr-FR" altLang="en-US" dirty="0">
+              <a:solidFill>
+                <a:schemeClr val="tx1"/>
+              </a:solidFill>
+            </a:endParaRPr>
           </a:p>
           <a:p>
             <a:pPr lvl="1" defTabSz="914400" eaLnBrk="1" hangingPunct="1">
@@ -23361,24 +23035,87 @@
                   <a:schemeClr val="tx1"/>
                 </a:solidFill>
               </a:rPr>
-              <a:t>C </a:t>
+              <a:t>C#</a:t>
+            </a:r>
+            <a:endParaRPr lang="fr-FR" altLang="en-US" dirty="0">
+              <a:solidFill>
+                <a:schemeClr val="tx1"/>
+              </a:solidFill>
+            </a:endParaRPr>
+          </a:p>
+          <a:p>
+            <a:pPr lvl="1" defTabSz="914400" eaLnBrk="1" hangingPunct="1">
+              <a:spcBef>
+                <a:spcPct val="20000"/>
+              </a:spcBef>
+              <a:buClr>
+                <a:srgbClr val="FF0000"/>
+              </a:buClr>
+              <a:buFont typeface="Wingdings" panose="05000000000000000000" pitchFamily="2" charset="2"/>
+              <a:buChar char="Ø"/>
+            </a:pPr>
+            <a:r>
+              <a:rPr lang="fr-FR" altLang="en-US" dirty="0" err="1" smtClean="0">
+                <a:solidFill>
+                  <a:schemeClr val="tx1"/>
+                </a:solidFill>
+              </a:rPr>
+              <a:t>IronPython</a:t>
             </a:r>
             <a:r>
-              <a:rPr lang="fr-FR" altLang="en-US" sz="1200" dirty="0" smtClean="0">
+              <a:rPr lang="fr-FR" altLang="en-US" dirty="0" smtClean="0">
                 <a:solidFill>
                   <a:schemeClr val="tx1"/>
                 </a:solidFill>
               </a:rPr>
-              <a:t>(si </a:t>
+              <a:t> (</a:t>
             </a:r>
             <a:r>
-              <a:rPr lang="fr-FR" altLang="en-US" sz="1200" dirty="0">
+              <a:rPr lang="fr-FR" altLang="en-US" dirty="0" err="1" smtClean="0">
                 <a:solidFill>
                   <a:schemeClr val="tx1"/>
                 </a:solidFill>
               </a:rPr>
-              <a:t>on arrive à le faire fonctionner…)</a:t>
+              <a:t>windows</a:t>
             </a:r>
+            <a:r>
+              <a:rPr lang="fr-FR" altLang="en-US" dirty="0" smtClean="0">
+                <a:solidFill>
+                  <a:schemeClr val="tx1"/>
+                </a:solidFill>
+              </a:rPr>
+              <a:t>)</a:t>
+            </a:r>
+            <a:endParaRPr lang="fr-FR" altLang="en-US" dirty="0">
+              <a:solidFill>
+                <a:schemeClr val="tx1"/>
+              </a:solidFill>
+            </a:endParaRPr>
+          </a:p>
+          <a:p>
+            <a:pPr lvl="1" defTabSz="914400" eaLnBrk="1" hangingPunct="1">
+              <a:spcBef>
+                <a:spcPct val="20000"/>
+              </a:spcBef>
+              <a:buClr>
+                <a:srgbClr val="FF0000"/>
+              </a:buClr>
+              <a:buFont typeface="Wingdings" panose="05000000000000000000" pitchFamily="2" charset="2"/>
+              <a:buChar char="Ø"/>
+            </a:pPr>
+            <a:r>
+              <a:rPr lang="fr-FR" altLang="en-US" dirty="0" smtClean="0">
+                <a:solidFill>
+                  <a:schemeClr val="tx1"/>
+                </a:solidFill>
+              </a:rPr>
+              <a:t>Python ???</a:t>
+            </a:r>
+            <a:endParaRPr lang="fr-FR" altLang="en-US" sz="1200" dirty="0">
+              <a:solidFill>
+                <a:schemeClr val="tx1"/>
+              </a:solidFill>
+            </a:endParaRPr>
           </a:p>
           <a:p>
             <a:pPr lvl="1" defTabSz="914400" eaLnBrk="1" hangingPunct="1">
@@ -23502,17 +23239,7 @@
                   </a:outerShdw>
                 </a:effectLst>
               </a:rPr>
-              <a:t>Langages </a:t>
-            </a:r>
-            <a:r>
-              <a:rPr lang="fr-FR" altLang="fr-FR" dirty="0" smtClean="0">
-                <a:effectLst>
-                  <a:outerShdw blurRad="38100" dist="38100" dir="2700000" algn="tl">
-                    <a:srgbClr val="C0C0C0"/>
-                  </a:outerShdw>
-                </a:effectLst>
-              </a:rPr>
-              <a:t>autorisés (les vrais)</a:t>
+              <a:t>Le jeu</a:t>
             </a:r>
             <a:endParaRPr lang="fr-FR" altLang="fr-FR" dirty="0" smtClean="0">
               <a:effectLst>
@@ -23524,392 +23251,30 @@
           </a:p>
         </p:txBody>
       </p:sp>
-      <p:sp>
-        <p:nvSpPr>
-          <p:cNvPr id="26627" name="Espace réservé du contenu 1"/>
-          <p:cNvSpPr txBox="1">
-            <a:spLocks/>
-          </p:cNvSpPr>
+      <p:pic>
+        <p:nvPicPr>
+          <p:cNvPr id="2" name="Image 1"/>
+          <p:cNvPicPr>
+            <a:picLocks noChangeAspect="1"/>
+          </p:cNvPicPr>
           <p:nvPr/>
-        </p:nvSpPr>
-        <p:spPr bwMode="auto">
+        </p:nvPicPr>
+        <p:blipFill>
+          <a:blip r:embed="rId3"/>
+          <a:stretch>
+            <a:fillRect/>
+          </a:stretch>
+        </p:blipFill>
+        <p:spPr>
           <a:xfrm>
-            <a:off x="323850" y="2060575"/>
-            <a:ext cx="8443913" cy="4264025"/>
+            <a:off x="1835696" y="2348880"/>
+            <a:ext cx="5667375" cy="2971800"/>
           </a:xfrm>
           <a:prstGeom prst="rect">
             <a:avLst/>
           </a:prstGeom>
-          <a:noFill/>
-          <a:ln>
-            <a:noFill/>
-          </a:ln>
-          <a:extLst>
-            <a:ext uri="{909E8E84-426E-40DD-AFC4-6F175D3DCCD1}">
-              <a14:hiddenFill xmlns:a14="http://schemas.microsoft.com/office/drawing/2010/main">
-                <a:solidFill>
-                  <a:srgbClr val="FFFFFF"/>
-                </a:solidFill>
-              </a14:hiddenFill>
-            </a:ext>
-            <a:ext uri="{91240B29-F687-4F45-9708-019B960494DF}">
-              <a14:hiddenLine xmlns:a14="http://schemas.microsoft.com/office/drawing/2010/main" w="9525">
-                <a:solidFill>
-                  <a:srgbClr val="000000"/>
-                </a:solidFill>
-                <a:miter lim="800000"/>
-                <a:headEnd/>
-                <a:tailEnd/>
-              </a14:hiddenLine>
-            </a:ext>
-          </a:extLst>
         </p:spPr>
-        <p:txBody>
-          <a:bodyPr/>
-          <a:lstStyle>
-            <a:lvl1pPr>
-              <a:spcBef>
-                <a:spcPts val="800"/>
-              </a:spcBef>
-              <a:buClr>
-                <a:srgbClr val="000000"/>
-              </a:buClr>
-              <a:buSzPct val="100000"/>
-              <a:buFont typeface="Times New Roman" panose="02020603050405020304" pitchFamily="18" charset="0"/>
-              <a:defRPr sz="3200">
-                <a:solidFill>
-                  <a:srgbClr val="000000"/>
-                </a:solidFill>
-                <a:latin typeface="Arial" panose="020B0604020202020204" pitchFamily="34" charset="0"/>
-                <a:ea typeface="Osaka" charset="0"/>
-                <a:cs typeface="Osaka" charset="0"/>
-              </a:defRPr>
-            </a:lvl1pPr>
-            <a:lvl2pPr marL="914400" indent="-457200">
-              <a:spcBef>
-                <a:spcPts val="700"/>
-              </a:spcBef>
-              <a:buClr>
-                <a:srgbClr val="000000"/>
-              </a:buClr>
-              <a:buSzPct val="100000"/>
-              <a:buFont typeface="Times New Roman" panose="02020603050405020304" pitchFamily="18" charset="0"/>
-              <a:defRPr sz="2800">
-                <a:solidFill>
-                  <a:srgbClr val="000000"/>
-                </a:solidFill>
-                <a:latin typeface="Arial" panose="020B0604020202020204" pitchFamily="34" charset="0"/>
-                <a:ea typeface="Osaka" charset="0"/>
-                <a:cs typeface="Osaka" charset="0"/>
-              </a:defRPr>
-            </a:lvl2pPr>
-            <a:lvl3pPr marL="914400">
-              <a:spcBef>
-                <a:spcPts val="600"/>
-              </a:spcBef>
-              <a:buClr>
-                <a:srgbClr val="000000"/>
-              </a:buClr>
-              <a:buSzPct val="100000"/>
-              <a:buFont typeface="Times New Roman" panose="02020603050405020304" pitchFamily="18" charset="0"/>
-              <a:defRPr sz="2400">
-                <a:solidFill>
-                  <a:srgbClr val="000000"/>
-                </a:solidFill>
-                <a:latin typeface="Arial" panose="020B0604020202020204" pitchFamily="34" charset="0"/>
-                <a:ea typeface="Osaka" charset="0"/>
-                <a:cs typeface="Osaka" charset="0"/>
-              </a:defRPr>
-            </a:lvl3pPr>
-            <a:lvl4pPr marL="1371600">
-              <a:spcBef>
-                <a:spcPts val="500"/>
-              </a:spcBef>
-              <a:buClr>
-                <a:srgbClr val="000000"/>
-              </a:buClr>
-              <a:buSzPct val="100000"/>
-              <a:buFont typeface="Times New Roman" panose="02020603050405020304" pitchFamily="18" charset="0"/>
-              <a:defRPr sz="2000">
-                <a:solidFill>
-                  <a:srgbClr val="000000"/>
-                </a:solidFill>
-                <a:latin typeface="Arial" panose="020B0604020202020204" pitchFamily="34" charset="0"/>
-                <a:ea typeface="Osaka" charset="0"/>
-                <a:cs typeface="Osaka" charset="0"/>
-              </a:defRPr>
-            </a:lvl4pPr>
-            <a:lvl5pPr marL="1828800">
-              <a:spcBef>
-                <a:spcPts val="500"/>
-              </a:spcBef>
-              <a:buClr>
-                <a:srgbClr val="000000"/>
-              </a:buClr>
-              <a:buSzPct val="100000"/>
-              <a:buFont typeface="Times New Roman" panose="02020603050405020304" pitchFamily="18" charset="0"/>
-              <a:defRPr sz="2000">
-                <a:solidFill>
-                  <a:srgbClr val="000000"/>
-                </a:solidFill>
-                <a:latin typeface="Arial" panose="020B0604020202020204" pitchFamily="34" charset="0"/>
-                <a:ea typeface="Osaka" charset="0"/>
-                <a:cs typeface="Osaka" charset="0"/>
-              </a:defRPr>
-            </a:lvl5pPr>
-            <a:lvl6pPr eaLnBrk="0" fontAlgn="base" hangingPunct="0">
-              <a:spcBef>
-                <a:spcPts val="500"/>
-              </a:spcBef>
-              <a:spcAft>
-                <a:spcPct val="0"/>
-              </a:spcAft>
-              <a:buClr>
-                <a:srgbClr val="000000"/>
-              </a:buClr>
-              <a:buSzPct val="100000"/>
-              <a:buFont typeface="Times New Roman" panose="02020603050405020304" pitchFamily="18" charset="0"/>
-              <a:defRPr sz="2000">
-                <a:solidFill>
-                  <a:srgbClr val="000000"/>
-                </a:solidFill>
-                <a:latin typeface="Arial" panose="020B0604020202020204" pitchFamily="34" charset="0"/>
-                <a:ea typeface="Osaka" charset="0"/>
-                <a:cs typeface="Osaka" charset="0"/>
-              </a:defRPr>
-            </a:lvl6pPr>
-            <a:lvl7pPr eaLnBrk="0" fontAlgn="base" hangingPunct="0">
-              <a:spcBef>
-                <a:spcPts val="500"/>
-              </a:spcBef>
-              <a:spcAft>
-                <a:spcPct val="0"/>
-              </a:spcAft>
-              <a:buClr>
-                <a:srgbClr val="000000"/>
-              </a:buClr>
-              <a:buSzPct val="100000"/>
-              <a:buFont typeface="Times New Roman" panose="02020603050405020304" pitchFamily="18" charset="0"/>
-              <a:defRPr sz="2000">
-                <a:solidFill>
-                  <a:srgbClr val="000000"/>
-                </a:solidFill>
-                <a:latin typeface="Arial" panose="020B0604020202020204" pitchFamily="34" charset="0"/>
-                <a:ea typeface="Osaka" charset="0"/>
-                <a:cs typeface="Osaka" charset="0"/>
-              </a:defRPr>
-            </a:lvl7pPr>
-            <a:lvl8pPr eaLnBrk="0" fontAlgn="base" hangingPunct="0">
-              <a:spcBef>
-                <a:spcPts val="500"/>
-              </a:spcBef>
-              <a:spcAft>
-                <a:spcPct val="0"/>
-              </a:spcAft>
-              <a:buClr>
-                <a:srgbClr val="000000"/>
-              </a:buClr>
-              <a:buSzPct val="100000"/>
-              <a:buFont typeface="Times New Roman" panose="02020603050405020304" pitchFamily="18" charset="0"/>
-              <a:defRPr sz="2000">
-                <a:solidFill>
-                  <a:srgbClr val="000000"/>
-                </a:solidFill>
-                <a:latin typeface="Arial" panose="020B0604020202020204" pitchFamily="34" charset="0"/>
-                <a:ea typeface="Osaka" charset="0"/>
-                <a:cs typeface="Osaka" charset="0"/>
-              </a:defRPr>
-            </a:lvl8pPr>
-            <a:lvl9pPr eaLnBrk="0" fontAlgn="base" hangingPunct="0">
-              <a:spcBef>
-                <a:spcPts val="500"/>
-              </a:spcBef>
-              <a:spcAft>
-                <a:spcPct val="0"/>
-              </a:spcAft>
-              <a:buClr>
-                <a:srgbClr val="000000"/>
-              </a:buClr>
-              <a:buSzPct val="100000"/>
-              <a:buFont typeface="Times New Roman" panose="02020603050405020304" pitchFamily="18" charset="0"/>
-              <a:defRPr sz="2000">
-                <a:solidFill>
-                  <a:srgbClr val="000000"/>
-                </a:solidFill>
-                <a:latin typeface="Arial" panose="020B0604020202020204" pitchFamily="34" charset="0"/>
-                <a:ea typeface="Osaka" charset="0"/>
-                <a:cs typeface="Osaka" charset="0"/>
-              </a:defRPr>
-            </a:lvl9pPr>
-          </a:lstStyle>
-          <a:p>
-            <a:pPr lvl="1" defTabSz="914400" eaLnBrk="1" hangingPunct="1">
-              <a:spcBef>
-                <a:spcPct val="20000"/>
-              </a:spcBef>
-              <a:buClr>
-                <a:srgbClr val="FF0000"/>
-              </a:buClr>
-              <a:buFont typeface="Wingdings" panose="05000000000000000000" pitchFamily="2" charset="2"/>
-              <a:buChar char="Ø"/>
-            </a:pPr>
-            <a:r>
-              <a:rPr lang="fr-FR" altLang="en-US" dirty="0" smtClean="0">
-                <a:solidFill>
-                  <a:schemeClr val="tx1"/>
-                </a:solidFill>
-              </a:rPr>
-              <a:t>C++</a:t>
-            </a:r>
-            <a:endParaRPr lang="fr-FR" altLang="en-US" dirty="0">
-              <a:solidFill>
-                <a:schemeClr val="tx1"/>
-              </a:solidFill>
-            </a:endParaRPr>
-          </a:p>
-          <a:p>
-            <a:pPr lvl="1" defTabSz="914400" eaLnBrk="1" hangingPunct="1">
-              <a:spcBef>
-                <a:spcPct val="20000"/>
-              </a:spcBef>
-              <a:buClr>
-                <a:srgbClr val="FF0000"/>
-              </a:buClr>
-              <a:buFont typeface="Wingdings" panose="05000000000000000000" pitchFamily="2" charset="2"/>
-              <a:buChar char="Ø"/>
-            </a:pPr>
-            <a:r>
-              <a:rPr lang="fr-FR" altLang="en-US" dirty="0" smtClean="0">
-                <a:solidFill>
-                  <a:schemeClr val="tx1"/>
-                </a:solidFill>
-              </a:rPr>
-              <a:t>Java</a:t>
-            </a:r>
-            <a:endParaRPr lang="fr-FR" altLang="en-US" dirty="0">
-              <a:solidFill>
-                <a:schemeClr val="tx1"/>
-              </a:solidFill>
-            </a:endParaRPr>
-          </a:p>
-          <a:p>
-            <a:pPr lvl="1" defTabSz="914400" eaLnBrk="1" hangingPunct="1">
-              <a:spcBef>
-                <a:spcPct val="20000"/>
-              </a:spcBef>
-              <a:buClr>
-                <a:srgbClr val="FF0000"/>
-              </a:buClr>
-              <a:buFont typeface="Wingdings" panose="05000000000000000000" pitchFamily="2" charset="2"/>
-              <a:buChar char="Ø"/>
-            </a:pPr>
-            <a:r>
-              <a:rPr lang="fr-FR" altLang="en-US" dirty="0" smtClean="0">
-                <a:solidFill>
-                  <a:schemeClr val="tx1"/>
-                </a:solidFill>
-              </a:rPr>
-              <a:t>C#</a:t>
-            </a:r>
-            <a:endParaRPr lang="fr-FR" altLang="en-US" dirty="0">
-              <a:solidFill>
-                <a:schemeClr val="tx1"/>
-              </a:solidFill>
-            </a:endParaRPr>
-          </a:p>
-          <a:p>
-            <a:pPr lvl="1" defTabSz="914400" eaLnBrk="1" hangingPunct="1">
-              <a:spcBef>
-                <a:spcPct val="20000"/>
-              </a:spcBef>
-              <a:buClr>
-                <a:srgbClr val="FF0000"/>
-              </a:buClr>
-              <a:buFont typeface="Wingdings" panose="05000000000000000000" pitchFamily="2" charset="2"/>
-              <a:buChar char="Ø"/>
-            </a:pPr>
-            <a:r>
-              <a:rPr lang="fr-FR" altLang="en-US" dirty="0" err="1" smtClean="0">
-                <a:solidFill>
-                  <a:schemeClr val="tx1"/>
-                </a:solidFill>
-              </a:rPr>
-              <a:t>IronPython</a:t>
-            </a:r>
-            <a:r>
-              <a:rPr lang="fr-FR" altLang="en-US" dirty="0" smtClean="0">
-                <a:solidFill>
-                  <a:schemeClr val="tx1"/>
-                </a:solidFill>
-              </a:rPr>
-              <a:t> (</a:t>
-            </a:r>
-            <a:r>
-              <a:rPr lang="fr-FR" altLang="en-US" dirty="0" err="1" smtClean="0">
-                <a:solidFill>
-                  <a:schemeClr val="tx1"/>
-                </a:solidFill>
-              </a:rPr>
-              <a:t>windows</a:t>
-            </a:r>
-            <a:r>
-              <a:rPr lang="fr-FR" altLang="en-US" dirty="0" smtClean="0">
-                <a:solidFill>
-                  <a:schemeClr val="tx1"/>
-                </a:solidFill>
-              </a:rPr>
-              <a:t>)</a:t>
-            </a:r>
-            <a:endParaRPr lang="fr-FR" altLang="en-US" dirty="0">
-              <a:solidFill>
-                <a:schemeClr val="tx1"/>
-              </a:solidFill>
-            </a:endParaRPr>
-          </a:p>
-          <a:p>
-            <a:pPr lvl="1" defTabSz="914400" eaLnBrk="1" hangingPunct="1">
-              <a:spcBef>
-                <a:spcPct val="20000"/>
-              </a:spcBef>
-              <a:buClr>
-                <a:srgbClr val="FF0000"/>
-              </a:buClr>
-              <a:buFont typeface="Wingdings" panose="05000000000000000000" pitchFamily="2" charset="2"/>
-              <a:buChar char="Ø"/>
-            </a:pPr>
-            <a:r>
-              <a:rPr lang="fr-FR" altLang="en-US" dirty="0" smtClean="0">
-                <a:solidFill>
-                  <a:schemeClr val="tx1"/>
-                </a:solidFill>
-              </a:rPr>
-              <a:t>Python ???</a:t>
-            </a:r>
-            <a:endParaRPr lang="fr-FR" altLang="en-US" sz="1200" dirty="0">
-              <a:solidFill>
-                <a:schemeClr val="tx1"/>
-              </a:solidFill>
-            </a:endParaRPr>
-          </a:p>
-          <a:p>
-            <a:pPr lvl="1" defTabSz="914400" eaLnBrk="1" hangingPunct="1">
-              <a:spcBef>
-                <a:spcPct val="20000"/>
-              </a:spcBef>
-              <a:buClr>
-                <a:srgbClr val="FF0000"/>
-              </a:buClr>
-              <a:buFont typeface="Wingdings" panose="05000000000000000000" pitchFamily="2" charset="2"/>
-              <a:buChar char="Ø"/>
-            </a:pPr>
-            <a:endParaRPr lang="fr-FR" altLang="en-US" dirty="0">
-              <a:solidFill>
-                <a:schemeClr val="tx1"/>
-              </a:solidFill>
-            </a:endParaRPr>
-          </a:p>
-        </p:txBody>
-      </p:sp>
+      </p:pic>
     </p:spTree>
   </p:cSld>
   <p:clrMapOvr>
@@ -24013,7 +23378,7 @@
                   </a:outerShdw>
                 </a:effectLst>
               </a:rPr>
-              <a:t>Le jeu</a:t>
+              <a:t>Contexte</a:t>
             </a:r>
             <a:endParaRPr lang="fr-FR" altLang="fr-FR" dirty="0" smtClean="0">
               <a:effectLst>
@@ -24025,31 +23390,387 @@
           </a:p>
         </p:txBody>
       </p:sp>
+      <p:sp>
+        <p:nvSpPr>
+          <p:cNvPr id="30723" name="Espace réservé du contenu 1"/>
+          <p:cNvSpPr txBox="1">
+            <a:spLocks/>
+          </p:cNvSpPr>
+          <p:nvPr/>
+        </p:nvSpPr>
+        <p:spPr bwMode="auto">
+          <a:xfrm>
+            <a:off x="350043" y="1787221"/>
+            <a:ext cx="8443913" cy="1929811"/>
+          </a:xfrm>
+          <a:prstGeom prst="rect">
+            <a:avLst/>
+          </a:prstGeom>
+          <a:noFill/>
+          <a:ln>
+            <a:noFill/>
+          </a:ln>
+          <a:extLst>
+            <a:ext uri="{909E8E84-426E-40DD-AFC4-6F175D3DCCD1}">
+              <a14:hiddenFill xmlns:a14="http://schemas.microsoft.com/office/drawing/2010/main">
+                <a:solidFill>
+                  <a:srgbClr val="FFFFFF"/>
+                </a:solidFill>
+              </a14:hiddenFill>
+            </a:ext>
+            <a:ext uri="{91240B29-F687-4F45-9708-019B960494DF}">
+              <a14:hiddenLine xmlns:a14="http://schemas.microsoft.com/office/drawing/2010/main" w="9525">
+                <a:solidFill>
+                  <a:srgbClr val="000000"/>
+                </a:solidFill>
+                <a:miter lim="800000"/>
+                <a:headEnd/>
+                <a:tailEnd/>
+              </a14:hiddenLine>
+            </a:ext>
+          </a:extLst>
+        </p:spPr>
+        <p:txBody>
+          <a:bodyPr/>
+          <a:lstStyle>
+            <a:lvl1pPr>
+              <a:spcBef>
+                <a:spcPts val="800"/>
+              </a:spcBef>
+              <a:buClr>
+                <a:srgbClr val="000000"/>
+              </a:buClr>
+              <a:buSzPct val="100000"/>
+              <a:buFont typeface="Times New Roman" panose="02020603050405020304" pitchFamily="18" charset="0"/>
+              <a:defRPr sz="3200">
+                <a:solidFill>
+                  <a:srgbClr val="000000"/>
+                </a:solidFill>
+                <a:latin typeface="Arial" panose="020B0604020202020204" pitchFamily="34" charset="0"/>
+                <a:ea typeface="Osaka" charset="0"/>
+                <a:cs typeface="Osaka" charset="0"/>
+              </a:defRPr>
+            </a:lvl1pPr>
+            <a:lvl2pPr marL="914400" indent="-457200">
+              <a:spcBef>
+                <a:spcPts val="700"/>
+              </a:spcBef>
+              <a:buClr>
+                <a:srgbClr val="000000"/>
+              </a:buClr>
+              <a:buSzPct val="100000"/>
+              <a:buFont typeface="Times New Roman" panose="02020603050405020304" pitchFamily="18" charset="0"/>
+              <a:defRPr sz="2800">
+                <a:solidFill>
+                  <a:srgbClr val="000000"/>
+                </a:solidFill>
+                <a:latin typeface="Arial" panose="020B0604020202020204" pitchFamily="34" charset="0"/>
+                <a:ea typeface="Osaka" charset="0"/>
+                <a:cs typeface="Osaka" charset="0"/>
+              </a:defRPr>
+            </a:lvl2pPr>
+            <a:lvl3pPr marL="914400">
+              <a:spcBef>
+                <a:spcPts val="600"/>
+              </a:spcBef>
+              <a:buClr>
+                <a:srgbClr val="000000"/>
+              </a:buClr>
+              <a:buSzPct val="100000"/>
+              <a:buFont typeface="Times New Roman" panose="02020603050405020304" pitchFamily="18" charset="0"/>
+              <a:defRPr sz="2400">
+                <a:solidFill>
+                  <a:srgbClr val="000000"/>
+                </a:solidFill>
+                <a:latin typeface="Arial" panose="020B0604020202020204" pitchFamily="34" charset="0"/>
+                <a:ea typeface="Osaka" charset="0"/>
+                <a:cs typeface="Osaka" charset="0"/>
+              </a:defRPr>
+            </a:lvl3pPr>
+            <a:lvl4pPr marL="1371600">
+              <a:spcBef>
+                <a:spcPts val="500"/>
+              </a:spcBef>
+              <a:buClr>
+                <a:srgbClr val="000000"/>
+              </a:buClr>
+              <a:buSzPct val="100000"/>
+              <a:buFont typeface="Times New Roman" panose="02020603050405020304" pitchFamily="18" charset="0"/>
+              <a:defRPr sz="2000">
+                <a:solidFill>
+                  <a:srgbClr val="000000"/>
+                </a:solidFill>
+                <a:latin typeface="Arial" panose="020B0604020202020204" pitchFamily="34" charset="0"/>
+                <a:ea typeface="Osaka" charset="0"/>
+                <a:cs typeface="Osaka" charset="0"/>
+              </a:defRPr>
+            </a:lvl4pPr>
+            <a:lvl5pPr marL="1828800">
+              <a:spcBef>
+                <a:spcPts val="500"/>
+              </a:spcBef>
+              <a:buClr>
+                <a:srgbClr val="000000"/>
+              </a:buClr>
+              <a:buSzPct val="100000"/>
+              <a:buFont typeface="Times New Roman" panose="02020603050405020304" pitchFamily="18" charset="0"/>
+              <a:defRPr sz="2000">
+                <a:solidFill>
+                  <a:srgbClr val="000000"/>
+                </a:solidFill>
+                <a:latin typeface="Arial" panose="020B0604020202020204" pitchFamily="34" charset="0"/>
+                <a:ea typeface="Osaka" charset="0"/>
+                <a:cs typeface="Osaka" charset="0"/>
+              </a:defRPr>
+            </a:lvl5pPr>
+            <a:lvl6pPr eaLnBrk="0" fontAlgn="base" hangingPunct="0">
+              <a:spcBef>
+                <a:spcPts val="500"/>
+              </a:spcBef>
+              <a:spcAft>
+                <a:spcPct val="0"/>
+              </a:spcAft>
+              <a:buClr>
+                <a:srgbClr val="000000"/>
+              </a:buClr>
+              <a:buSzPct val="100000"/>
+              <a:buFont typeface="Times New Roman" panose="02020603050405020304" pitchFamily="18" charset="0"/>
+              <a:defRPr sz="2000">
+                <a:solidFill>
+                  <a:srgbClr val="000000"/>
+                </a:solidFill>
+                <a:latin typeface="Arial" panose="020B0604020202020204" pitchFamily="34" charset="0"/>
+                <a:ea typeface="Osaka" charset="0"/>
+                <a:cs typeface="Osaka" charset="0"/>
+              </a:defRPr>
+            </a:lvl6pPr>
+            <a:lvl7pPr eaLnBrk="0" fontAlgn="base" hangingPunct="0">
+              <a:spcBef>
+                <a:spcPts val="500"/>
+              </a:spcBef>
+              <a:spcAft>
+                <a:spcPct val="0"/>
+              </a:spcAft>
+              <a:buClr>
+                <a:srgbClr val="000000"/>
+              </a:buClr>
+              <a:buSzPct val="100000"/>
+              <a:buFont typeface="Times New Roman" panose="02020603050405020304" pitchFamily="18" charset="0"/>
+              <a:defRPr sz="2000">
+                <a:solidFill>
+                  <a:srgbClr val="000000"/>
+                </a:solidFill>
+                <a:latin typeface="Arial" panose="020B0604020202020204" pitchFamily="34" charset="0"/>
+                <a:ea typeface="Osaka" charset="0"/>
+                <a:cs typeface="Osaka" charset="0"/>
+              </a:defRPr>
+            </a:lvl7pPr>
+            <a:lvl8pPr eaLnBrk="0" fontAlgn="base" hangingPunct="0">
+              <a:spcBef>
+                <a:spcPts val="500"/>
+              </a:spcBef>
+              <a:spcAft>
+                <a:spcPct val="0"/>
+              </a:spcAft>
+              <a:buClr>
+                <a:srgbClr val="000000"/>
+              </a:buClr>
+              <a:buSzPct val="100000"/>
+              <a:buFont typeface="Times New Roman" panose="02020603050405020304" pitchFamily="18" charset="0"/>
+              <a:defRPr sz="2000">
+                <a:solidFill>
+                  <a:srgbClr val="000000"/>
+                </a:solidFill>
+                <a:latin typeface="Arial" panose="020B0604020202020204" pitchFamily="34" charset="0"/>
+                <a:ea typeface="Osaka" charset="0"/>
+                <a:cs typeface="Osaka" charset="0"/>
+              </a:defRPr>
+            </a:lvl8pPr>
+            <a:lvl9pPr eaLnBrk="0" fontAlgn="base" hangingPunct="0">
+              <a:spcBef>
+                <a:spcPts val="500"/>
+              </a:spcBef>
+              <a:spcAft>
+                <a:spcPct val="0"/>
+              </a:spcAft>
+              <a:buClr>
+                <a:srgbClr val="000000"/>
+              </a:buClr>
+              <a:buSzPct val="100000"/>
+              <a:buFont typeface="Times New Roman" panose="02020603050405020304" pitchFamily="18" charset="0"/>
+              <a:defRPr sz="2000">
+                <a:solidFill>
+                  <a:srgbClr val="000000"/>
+                </a:solidFill>
+                <a:latin typeface="Arial" panose="020B0604020202020204" pitchFamily="34" charset="0"/>
+                <a:ea typeface="Osaka" charset="0"/>
+                <a:cs typeface="Osaka" charset="0"/>
+              </a:defRPr>
+            </a:lvl9pPr>
+          </a:lstStyle>
+          <a:p>
+            <a:pPr marL="457200" lvl="1" indent="0" defTabSz="914400" eaLnBrk="1" hangingPunct="1">
+              <a:spcBef>
+                <a:spcPct val="20000"/>
+              </a:spcBef>
+              <a:buClr>
+                <a:srgbClr val="FF0000"/>
+              </a:buClr>
+            </a:pPr>
+            <a:r>
+              <a:rPr lang="fr-FR" altLang="en-US" dirty="0" smtClean="0">
+                <a:solidFill>
+                  <a:schemeClr val="tx1"/>
+                </a:solidFill>
+              </a:rPr>
+              <a:t>Vous êtes une </a:t>
+            </a:r>
+            <a:r>
+              <a:rPr lang="fr-FR" altLang="en-US" dirty="0" smtClean="0">
+                <a:solidFill>
+                  <a:srgbClr val="00B0F0"/>
+                </a:solidFill>
+              </a:rPr>
+              <a:t>grande entreprise</a:t>
+            </a:r>
+            <a:r>
+              <a:rPr lang="fr-FR" altLang="en-US" dirty="0" smtClean="0">
+                <a:solidFill>
+                  <a:schemeClr val="tx1"/>
+                </a:solidFill>
+              </a:rPr>
+              <a:t> qui souhaite dominer le monde en maîtrisant l’information.</a:t>
+            </a:r>
+          </a:p>
+          <a:p>
+            <a:pPr marL="457200" lvl="1" indent="0" defTabSz="914400" eaLnBrk="1" hangingPunct="1">
+              <a:spcBef>
+                <a:spcPct val="20000"/>
+              </a:spcBef>
+              <a:buClr>
+                <a:srgbClr val="FF0000"/>
+              </a:buClr>
+            </a:pPr>
+            <a:r>
+              <a:rPr lang="fr-FR" altLang="en-US" dirty="0" smtClean="0">
+                <a:solidFill>
+                  <a:schemeClr val="tx1"/>
+                </a:solidFill>
+              </a:rPr>
+              <a:t>Cependant, une autre entreprise vous fait concurrence et souhaite aussi dominer le monde.</a:t>
+            </a:r>
+          </a:p>
+          <a:p>
+            <a:pPr marL="457200" lvl="1" indent="0" defTabSz="914400" eaLnBrk="1" hangingPunct="1">
+              <a:spcBef>
+                <a:spcPct val="20000"/>
+              </a:spcBef>
+              <a:buClr>
+                <a:srgbClr val="FF0000"/>
+              </a:buClr>
+            </a:pPr>
+            <a:r>
+              <a:rPr lang="fr-FR" altLang="en-US" dirty="0" smtClean="0">
+                <a:solidFill>
+                  <a:schemeClr val="tx1"/>
+                </a:solidFill>
+              </a:rPr>
+              <a:t>Ce qui est ballot.</a:t>
+            </a:r>
+          </a:p>
+          <a:p>
+            <a:pPr marL="457200" lvl="1" indent="0" defTabSz="914400" eaLnBrk="1" hangingPunct="1">
+              <a:spcBef>
+                <a:spcPct val="20000"/>
+              </a:spcBef>
+              <a:buClr>
+                <a:srgbClr val="FF0000"/>
+              </a:buClr>
+            </a:pPr>
+            <a:endParaRPr lang="fr-FR" altLang="en-US" dirty="0">
+              <a:solidFill>
+                <a:schemeClr val="tx1"/>
+              </a:solidFill>
+            </a:endParaRPr>
+          </a:p>
+        </p:txBody>
+      </p:sp>
       <p:pic>
         <p:nvPicPr>
-          <p:cNvPr id="2" name="Image 1"/>
+          <p:cNvPr id="100354" name="Picture 2" descr="http://img.over-blog.com/300x300/2/70/27/37/wsop4/News-globe.jpg"/>
           <p:cNvPicPr>
-            <a:picLocks noChangeAspect="1"/>
+            <a:picLocks noChangeAspect="1" noChangeArrowheads="1"/>
           </p:cNvPicPr>
           <p:nvPr/>
         </p:nvPicPr>
         <p:blipFill>
-          <a:blip r:embed="rId3"/>
+          <a:blip r:embed="rId3">
+            <a:extLst>
+              <a:ext uri="{28A0092B-C50C-407E-A947-70E740481C1C}">
+                <a14:useLocalDpi xmlns:a14="http://schemas.microsoft.com/office/drawing/2010/main" val="0"/>
+              </a:ext>
+            </a:extLst>
+          </a:blip>
+          <a:srcRect/>
           <a:stretch>
             <a:fillRect/>
           </a:stretch>
         </p:blipFill>
-        <p:spPr>
+        <p:spPr bwMode="auto">
           <a:xfrm>
-            <a:off x="1835696" y="2348880"/>
-            <a:ext cx="5667375" cy="2971800"/>
+            <a:off x="6032748" y="4149080"/>
+            <a:ext cx="2425452" cy="2425452"/>
           </a:xfrm>
           <a:prstGeom prst="rect">
             <a:avLst/>
           </a:prstGeom>
+          <a:solidFill>
+            <a:srgbClr val="FFFFFF">
+              <a:shade val="85000"/>
+            </a:srgbClr>
+          </a:solidFill>
+          <a:ln w="88900" cap="sq">
+            <a:solidFill>
+              <a:srgbClr val="FFFFFF"/>
+            </a:solidFill>
+            <a:miter lim="800000"/>
+          </a:ln>
+          <a:effectLst>
+            <a:outerShdw blurRad="55000" dist="18000" dir="5400000" algn="tl" rotWithShape="0">
+              <a:srgbClr val="000000">
+                <a:alpha val="40000"/>
+              </a:srgbClr>
+            </a:outerShdw>
+          </a:effectLst>
+          <a:scene3d>
+            <a:camera prst="orthographicFront"/>
+            <a:lightRig rig="twoPt" dir="t">
+              <a:rot lat="0" lon="0" rev="7200000"/>
+            </a:lightRig>
+          </a:scene3d>
+          <a:sp3d>
+            <a:bevelT w="25400" h="19050"/>
+            <a:contourClr>
+              <a:srgbClr val="FFFFFF"/>
+            </a:contourClr>
+          </a:sp3d>
+          <a:extLst>
+            <a:ext uri="{909E8E84-426E-40DD-AFC4-6F175D3DCCD1}">
+              <a14:hiddenFill xmlns:a14="http://schemas.microsoft.com/office/drawing/2010/main">
+                <a:solidFill>
+                  <a:srgbClr val="FFFFFF"/>
+                </a:solidFill>
+              </a14:hiddenFill>
+            </a:ext>
+          </a:extLst>
         </p:spPr>
       </p:pic>
     </p:spTree>
+    <p:extLst>
+      <p:ext uri="{BB962C8B-B14F-4D97-AF65-F5344CB8AC3E}">
+        <p14:creationId xmlns:p14="http://schemas.microsoft.com/office/powerpoint/2010/main" val="1221081180"/>
+      </p:ext>
+    </p:extLst>
   </p:cSld>
   <p:clrMapOvr>
     <a:masterClrMapping/>
@@ -24175,7 +23896,7 @@
         <p:spPr bwMode="auto">
           <a:xfrm>
             <a:off x="350043" y="1787221"/>
-            <a:ext cx="8443913" cy="1929811"/>
+            <a:ext cx="8443913" cy="2937923"/>
           </a:xfrm>
           <a:prstGeom prst="rect">
             <a:avLst/>
@@ -24397,75 +24118,8 @@
                   <a:schemeClr val="tx1"/>
                 </a:solidFill>
               </a:rPr>
-              <a:t>Vous êtes une </a:t>
+              <a:t>Vous devez donc par tous les moyens (vraiment tous) détruire le Datacenter de l’entreprise concurrente.</a:t>
             </a:r>
-            <a:r>
-              <a:rPr lang="fr-FR" altLang="en-US" dirty="0" smtClean="0">
-                <a:solidFill>
-                  <a:srgbClr val="00B0F0"/>
-                </a:solidFill>
-              </a:rPr>
-              <a:t>grande entreprise</a:t>
-            </a:r>
-            <a:r>
-              <a:rPr lang="fr-FR" altLang="en-US" dirty="0" smtClean="0">
-                <a:solidFill>
-                  <a:schemeClr val="tx1"/>
-                </a:solidFill>
-              </a:rPr>
-              <a:t> qui souhaite dominer le monde en maîtrisant l’information.</a:t>
-            </a:r>
-          </a:p>
-          <a:p>
-            <a:pPr marL="457200" lvl="1" indent="0" defTabSz="914400" eaLnBrk="1" hangingPunct="1">
-              <a:spcBef>
-                <a:spcPct val="20000"/>
-              </a:spcBef>
-              <a:buClr>
-                <a:srgbClr val="FF0000"/>
-              </a:buClr>
-            </a:pPr>
-            <a:r>
-              <a:rPr lang="fr-FR" altLang="en-US" dirty="0" smtClean="0">
-                <a:solidFill>
-                  <a:schemeClr val="tx1"/>
-                </a:solidFill>
-              </a:rPr>
-              <a:t>Cependant, une autre entreprise vous fait concurrence et souhaite aussi dominer le monde.</a:t>
-            </a:r>
-          </a:p>
-          <a:p>
-            <a:pPr marL="457200" lvl="1" indent="0" defTabSz="914400" eaLnBrk="1" hangingPunct="1">
-              <a:spcBef>
-                <a:spcPct val="20000"/>
-              </a:spcBef>
-              <a:buClr>
-                <a:srgbClr val="FF0000"/>
-              </a:buClr>
-            </a:pPr>
-            <a:r>
-              <a:rPr lang="fr-FR" altLang="en-US" dirty="0" smtClean="0">
-                <a:solidFill>
-                  <a:schemeClr val="tx1"/>
-                </a:solidFill>
-              </a:rPr>
-              <a:t>Ce qui est ballot.</a:t>
-            </a:r>
-          </a:p>
-          <a:p>
-            <a:pPr marL="457200" lvl="1" indent="0" defTabSz="914400" eaLnBrk="1" hangingPunct="1">
-              <a:spcBef>
-                <a:spcPct val="20000"/>
-              </a:spcBef>
-              <a:buClr>
-                <a:srgbClr val="FF0000"/>
-              </a:buClr>
-            </a:pPr>
-            <a:endParaRPr lang="fr-FR" altLang="en-US" dirty="0">
-              <a:solidFill>
-                <a:schemeClr val="tx1"/>
-              </a:solidFill>
-            </a:endParaRPr>
           </a:p>
         </p:txBody>
       </p:sp>
@@ -24542,7 +24196,7 @@
     </p:spTree>
     <p:extLst>
       <p:ext uri="{BB962C8B-B14F-4D97-AF65-F5344CB8AC3E}">
-        <p14:creationId xmlns:p14="http://schemas.microsoft.com/office/powerpoint/2010/main" val="1221081180"/>
+        <p14:creationId xmlns:p14="http://schemas.microsoft.com/office/powerpoint/2010/main" val="876403131"/>
       </p:ext>
     </p:extLst>
   </p:cSld>
@@ -24670,7 +24324,7 @@
         <p:spPr bwMode="auto">
           <a:xfrm>
             <a:off x="350043" y="1787221"/>
-            <a:ext cx="8443913" cy="2937923"/>
+            <a:ext cx="8443913" cy="2001819"/>
           </a:xfrm>
           <a:prstGeom prst="rect">
             <a:avLst/>
@@ -24892,21 +24546,39 @@
                   <a:schemeClr val="tx1"/>
                 </a:solidFill>
               </a:rPr>
-              <a:t>Vous devez donc par tous les moyens (vraiment tous) détruire le Datacenter de l’entreprise concurrente.</a:t>
+              <a:t>Vous allez donc déployer une IA sur le réseau mondial qui va se servir de virus, d’attaques DDOS, s’inculper de corruption de routeur etc…</a:t>
+            </a:r>
+          </a:p>
+          <a:p>
+            <a:pPr marL="457200" lvl="1" indent="0" defTabSz="914400" eaLnBrk="1" hangingPunct="1">
+              <a:spcBef>
+                <a:spcPct val="20000"/>
+              </a:spcBef>
+              <a:buClr>
+                <a:srgbClr val="FF0000"/>
+              </a:buClr>
+            </a:pPr>
+            <a:r>
+              <a:rPr lang="fr-FR" altLang="en-US" dirty="0" smtClean="0">
+                <a:solidFill>
+                  <a:schemeClr val="tx1"/>
+                </a:solidFill>
+              </a:rPr>
+              <a:t>Pour faire EXLOSER le Datacenter ennemi !</a:t>
             </a:r>
           </a:p>
         </p:txBody>
       </p:sp>
       <p:pic>
         <p:nvPicPr>
-          <p:cNvPr id="100354" name="Picture 2" descr="http://img.over-blog.com/300x300/2/70/27/37/wsop4/News-globe.jpg"/>
+          <p:cNvPr id="102402" name="Picture 2" descr="http://vignette4.wikia.nocookie.net/desencyclopedie/images/0/03/Explosion-atomique.jpg/revision/latest?cb=20090615130725"/>
           <p:cNvPicPr>
             <a:picLocks noChangeAspect="1" noChangeArrowheads="1"/>
           </p:cNvPicPr>
           <p:nvPr/>
         </p:nvPicPr>
         <p:blipFill>
-          <a:blip r:embed="rId3">
+          <a:blip r:embed="rId3" cstate="print">
             <a:extLst>
               <a:ext uri="{28A0092B-C50C-407E-A947-70E740481C1C}">
                 <a14:useLocalDpi xmlns:a14="http://schemas.microsoft.com/office/drawing/2010/main" val="0"/>
@@ -24920,42 +24592,13 @@
         </p:blipFill>
         <p:spPr bwMode="auto">
           <a:xfrm>
-            <a:off x="6032748" y="4149080"/>
-            <a:ext cx="2425452" cy="2425452"/>
+            <a:off x="899592" y="3788505"/>
+            <a:ext cx="3240360" cy="2756366"/>
           </a:xfrm>
           <a:prstGeom prst="rect">
             <a:avLst/>
           </a:prstGeom>
-          <a:solidFill>
-            <a:srgbClr val="FFFFFF">
-              <a:shade val="85000"/>
-            </a:srgbClr>
-          </a:solidFill>
-          <a:ln w="88900" cap="sq">
-            <a:solidFill>
-              <a:srgbClr val="FFFFFF"/>
-            </a:solidFill>
-            <a:miter lim="800000"/>
-          </a:ln>
-          <a:effectLst>
-            <a:outerShdw blurRad="55000" dist="18000" dir="5400000" algn="tl" rotWithShape="0">
-              <a:srgbClr val="000000">
-                <a:alpha val="40000"/>
-              </a:srgbClr>
-            </a:outerShdw>
-          </a:effectLst>
-          <a:scene3d>
-            <a:camera prst="orthographicFront"/>
-            <a:lightRig rig="twoPt" dir="t">
-              <a:rot lat="0" lon="0" rev="7200000"/>
-            </a:lightRig>
-          </a:scene3d>
-          <a:sp3d>
-            <a:bevelT w="25400" h="19050"/>
-            <a:contourClr>
-              <a:srgbClr val="FFFFFF"/>
-            </a:contourClr>
-          </a:sp3d>
+          <a:noFill/>
           <a:extLst>
             <a:ext uri="{909E8E84-426E-40DD-AFC4-6F175D3DCCD1}">
               <a14:hiddenFill xmlns:a14="http://schemas.microsoft.com/office/drawing/2010/main">
@@ -24967,10 +24610,284 @@
           </a:extLst>
         </p:spPr>
       </p:pic>
+      <p:sp>
+        <p:nvSpPr>
+          <p:cNvPr id="6" name="Espace réservé du contenu 1"/>
+          <p:cNvSpPr txBox="1">
+            <a:spLocks/>
+          </p:cNvSpPr>
+          <p:nvPr/>
+        </p:nvSpPr>
+        <p:spPr bwMode="auto">
+          <a:xfrm>
+            <a:off x="4283968" y="5229199"/>
+            <a:ext cx="4174232" cy="288033"/>
+          </a:xfrm>
+          <a:prstGeom prst="rect">
+            <a:avLst/>
+          </a:prstGeom>
+          <a:noFill/>
+          <a:ln>
+            <a:noFill/>
+          </a:ln>
+          <a:extLst>
+            <a:ext uri="{909E8E84-426E-40DD-AFC4-6F175D3DCCD1}">
+              <a14:hiddenFill xmlns:a14="http://schemas.microsoft.com/office/drawing/2010/main">
+                <a:solidFill>
+                  <a:srgbClr val="FFFFFF"/>
+                </a:solidFill>
+              </a14:hiddenFill>
+            </a:ext>
+            <a:ext uri="{91240B29-F687-4F45-9708-019B960494DF}">
+              <a14:hiddenLine xmlns:a14="http://schemas.microsoft.com/office/drawing/2010/main" w="9525">
+                <a:solidFill>
+                  <a:srgbClr val="000000"/>
+                </a:solidFill>
+                <a:miter lim="800000"/>
+                <a:headEnd/>
+                <a:tailEnd/>
+              </a14:hiddenLine>
+            </a:ext>
+          </a:extLst>
+        </p:spPr>
+        <p:txBody>
+          <a:bodyPr/>
+          <a:lstStyle>
+            <a:lvl1pPr>
+              <a:spcBef>
+                <a:spcPts val="800"/>
+              </a:spcBef>
+              <a:buClr>
+                <a:srgbClr val="000000"/>
+              </a:buClr>
+              <a:buSzPct val="100000"/>
+              <a:buFont typeface="Times New Roman" panose="02020603050405020304" pitchFamily="18" charset="0"/>
+              <a:defRPr sz="3200">
+                <a:solidFill>
+                  <a:srgbClr val="000000"/>
+                </a:solidFill>
+                <a:latin typeface="Arial" panose="020B0604020202020204" pitchFamily="34" charset="0"/>
+                <a:ea typeface="Osaka" charset="0"/>
+                <a:cs typeface="Osaka" charset="0"/>
+              </a:defRPr>
+            </a:lvl1pPr>
+            <a:lvl2pPr marL="914400" indent="-457200">
+              <a:spcBef>
+                <a:spcPts val="700"/>
+              </a:spcBef>
+              <a:buClr>
+                <a:srgbClr val="000000"/>
+              </a:buClr>
+              <a:buSzPct val="100000"/>
+              <a:buFont typeface="Times New Roman" panose="02020603050405020304" pitchFamily="18" charset="0"/>
+              <a:defRPr sz="2800">
+                <a:solidFill>
+                  <a:srgbClr val="000000"/>
+                </a:solidFill>
+                <a:latin typeface="Arial" panose="020B0604020202020204" pitchFamily="34" charset="0"/>
+                <a:ea typeface="Osaka" charset="0"/>
+                <a:cs typeface="Osaka" charset="0"/>
+              </a:defRPr>
+            </a:lvl2pPr>
+            <a:lvl3pPr marL="914400">
+              <a:spcBef>
+                <a:spcPts val="600"/>
+              </a:spcBef>
+              <a:buClr>
+                <a:srgbClr val="000000"/>
+              </a:buClr>
+              <a:buSzPct val="100000"/>
+              <a:buFont typeface="Times New Roman" panose="02020603050405020304" pitchFamily="18" charset="0"/>
+              <a:defRPr sz="2400">
+                <a:solidFill>
+                  <a:srgbClr val="000000"/>
+                </a:solidFill>
+                <a:latin typeface="Arial" panose="020B0604020202020204" pitchFamily="34" charset="0"/>
+                <a:ea typeface="Osaka" charset="0"/>
+                <a:cs typeface="Osaka" charset="0"/>
+              </a:defRPr>
+            </a:lvl3pPr>
+            <a:lvl4pPr marL="1371600">
+              <a:spcBef>
+                <a:spcPts val="500"/>
+              </a:spcBef>
+              <a:buClr>
+                <a:srgbClr val="000000"/>
+              </a:buClr>
+              <a:buSzPct val="100000"/>
+              <a:buFont typeface="Times New Roman" panose="02020603050405020304" pitchFamily="18" charset="0"/>
+              <a:defRPr sz="2000">
+                <a:solidFill>
+                  <a:srgbClr val="000000"/>
+                </a:solidFill>
+                <a:latin typeface="Arial" panose="020B0604020202020204" pitchFamily="34" charset="0"/>
+                <a:ea typeface="Osaka" charset="0"/>
+                <a:cs typeface="Osaka" charset="0"/>
+              </a:defRPr>
+            </a:lvl4pPr>
+            <a:lvl5pPr marL="1828800">
+              <a:spcBef>
+                <a:spcPts val="500"/>
+              </a:spcBef>
+              <a:buClr>
+                <a:srgbClr val="000000"/>
+              </a:buClr>
+              <a:buSzPct val="100000"/>
+              <a:buFont typeface="Times New Roman" panose="02020603050405020304" pitchFamily="18" charset="0"/>
+              <a:defRPr sz="2000">
+                <a:solidFill>
+                  <a:srgbClr val="000000"/>
+                </a:solidFill>
+                <a:latin typeface="Arial" panose="020B0604020202020204" pitchFamily="34" charset="0"/>
+                <a:ea typeface="Osaka" charset="0"/>
+                <a:cs typeface="Osaka" charset="0"/>
+              </a:defRPr>
+            </a:lvl5pPr>
+            <a:lvl6pPr eaLnBrk="0" fontAlgn="base" hangingPunct="0">
+              <a:spcBef>
+                <a:spcPts val="500"/>
+              </a:spcBef>
+              <a:spcAft>
+                <a:spcPct val="0"/>
+              </a:spcAft>
+              <a:buClr>
+                <a:srgbClr val="000000"/>
+              </a:buClr>
+              <a:buSzPct val="100000"/>
+              <a:buFont typeface="Times New Roman" panose="02020603050405020304" pitchFamily="18" charset="0"/>
+              <a:defRPr sz="2000">
+                <a:solidFill>
+                  <a:srgbClr val="000000"/>
+                </a:solidFill>
+                <a:latin typeface="Arial" panose="020B0604020202020204" pitchFamily="34" charset="0"/>
+                <a:ea typeface="Osaka" charset="0"/>
+                <a:cs typeface="Osaka" charset="0"/>
+              </a:defRPr>
+            </a:lvl6pPr>
+            <a:lvl7pPr eaLnBrk="0" fontAlgn="base" hangingPunct="0">
+              <a:spcBef>
+                <a:spcPts val="500"/>
+              </a:spcBef>
+              <a:spcAft>
+                <a:spcPct val="0"/>
+              </a:spcAft>
+              <a:buClr>
+                <a:srgbClr val="000000"/>
+              </a:buClr>
+              <a:buSzPct val="100000"/>
+              <a:buFont typeface="Times New Roman" panose="02020603050405020304" pitchFamily="18" charset="0"/>
+              <a:defRPr sz="2000">
+                <a:solidFill>
+                  <a:srgbClr val="000000"/>
+                </a:solidFill>
+                <a:latin typeface="Arial" panose="020B0604020202020204" pitchFamily="34" charset="0"/>
+                <a:ea typeface="Osaka" charset="0"/>
+                <a:cs typeface="Osaka" charset="0"/>
+              </a:defRPr>
+            </a:lvl7pPr>
+            <a:lvl8pPr eaLnBrk="0" fontAlgn="base" hangingPunct="0">
+              <a:spcBef>
+                <a:spcPts val="500"/>
+              </a:spcBef>
+              <a:spcAft>
+                <a:spcPct val="0"/>
+              </a:spcAft>
+              <a:buClr>
+                <a:srgbClr val="000000"/>
+              </a:buClr>
+              <a:buSzPct val="100000"/>
+              <a:buFont typeface="Times New Roman" panose="02020603050405020304" pitchFamily="18" charset="0"/>
+              <a:defRPr sz="2000">
+                <a:solidFill>
+                  <a:srgbClr val="000000"/>
+                </a:solidFill>
+                <a:latin typeface="Arial" panose="020B0604020202020204" pitchFamily="34" charset="0"/>
+                <a:ea typeface="Osaka" charset="0"/>
+                <a:cs typeface="Osaka" charset="0"/>
+              </a:defRPr>
+            </a:lvl8pPr>
+            <a:lvl9pPr eaLnBrk="0" fontAlgn="base" hangingPunct="0">
+              <a:spcBef>
+                <a:spcPts val="500"/>
+              </a:spcBef>
+              <a:spcAft>
+                <a:spcPct val="0"/>
+              </a:spcAft>
+              <a:buClr>
+                <a:srgbClr val="000000"/>
+              </a:buClr>
+              <a:buSzPct val="100000"/>
+              <a:buFont typeface="Times New Roman" panose="02020603050405020304" pitchFamily="18" charset="0"/>
+              <a:defRPr sz="2000">
+                <a:solidFill>
+                  <a:srgbClr val="000000"/>
+                </a:solidFill>
+                <a:latin typeface="Arial" panose="020B0604020202020204" pitchFamily="34" charset="0"/>
+                <a:ea typeface="Osaka" charset="0"/>
+                <a:cs typeface="Osaka" charset="0"/>
+              </a:defRPr>
+            </a:lvl9pPr>
+          </a:lstStyle>
+          <a:p>
+            <a:pPr marL="457200" lvl="1" indent="0" defTabSz="914400" eaLnBrk="1" hangingPunct="1">
+              <a:spcBef>
+                <a:spcPct val="20000"/>
+              </a:spcBef>
+              <a:buClr>
+                <a:srgbClr val="FF0000"/>
+              </a:buClr>
+            </a:pPr>
+            <a:r>
+              <a:rPr lang="fr-FR" altLang="en-US" sz="1200" dirty="0" smtClean="0">
+                <a:solidFill>
+                  <a:schemeClr val="tx1"/>
+                </a:solidFill>
+              </a:rPr>
+              <a:t>(</a:t>
+            </a:r>
+            <a:r>
+              <a:rPr lang="fr-FR" altLang="en-US" sz="1200" dirty="0" smtClean="0">
+                <a:solidFill>
+                  <a:schemeClr val="tx1"/>
+                </a:solidFill>
+                <a:sym typeface="Wingdings" panose="05000000000000000000" pitchFamily="2" charset="2"/>
+              </a:rPr>
+              <a:t> </a:t>
+            </a:r>
+            <a:r>
+              <a:rPr lang="fr-FR" altLang="en-US" sz="1200" dirty="0" err="1" smtClean="0">
+                <a:solidFill>
+                  <a:schemeClr val="tx1"/>
+                </a:solidFill>
+                <a:sym typeface="Wingdings" panose="05000000000000000000" pitchFamily="2" charset="2"/>
+              </a:rPr>
+              <a:t>feat</a:t>
+            </a:r>
+            <a:r>
+              <a:rPr lang="fr-FR" altLang="en-US" sz="1200" dirty="0" smtClean="0">
+                <a:solidFill>
+                  <a:schemeClr val="tx1"/>
+                </a:solidFill>
+                <a:sym typeface="Wingdings" panose="05000000000000000000" pitchFamily="2" charset="2"/>
+              </a:rPr>
+              <a:t>. </a:t>
+            </a:r>
+            <a:r>
+              <a:rPr lang="en-US" sz="1200" dirty="0" smtClean="0"/>
+              <a:t>Michael “FUCKING” Bay)</a:t>
+            </a:r>
+            <a:endParaRPr lang="fr-FR" altLang="en-US" sz="1200" dirty="0" smtClean="0">
+              <a:solidFill>
+                <a:schemeClr val="tx1"/>
+              </a:solidFill>
+            </a:endParaRPr>
+          </a:p>
+        </p:txBody>
+      </p:sp>
     </p:spTree>
     <p:extLst>
       <p:ext uri="{BB962C8B-B14F-4D97-AF65-F5344CB8AC3E}">
-        <p14:creationId xmlns:p14="http://schemas.microsoft.com/office/powerpoint/2010/main" val="876403131"/>
+        <p14:creationId xmlns:p14="http://schemas.microsoft.com/office/powerpoint/2010/main" val="3831573678"/>
       </p:ext>
     </p:extLst>
   </p:cSld>
@@ -25075,7 +24992,7 @@
                   </a:outerShdw>
                 </a:effectLst>
               </a:rPr>
-              <a:t>Contexte</a:t>
+              <a:t>MOBA</a:t>
             </a:r>
             <a:endParaRPr lang="fr-FR" altLang="fr-FR" dirty="0" smtClean="0">
               <a:effectLst>
@@ -25097,8 +25014,8 @@
         </p:nvSpPr>
         <p:spPr bwMode="auto">
           <a:xfrm>
-            <a:off x="350043" y="1787221"/>
-            <a:ext cx="8443913" cy="2001819"/>
+            <a:off x="323850" y="2060575"/>
+            <a:ext cx="8443913" cy="4264025"/>
           </a:xfrm>
           <a:prstGeom prst="rect">
             <a:avLst/>
@@ -25320,7 +25237,7 @@
                   <a:schemeClr val="tx1"/>
                 </a:solidFill>
               </a:rPr>
-              <a:t>Vous allez donc déployer une IA sur le réseau mondial qui va se servir de virus, d’attaques DDOS, s’inculper de corruption de routeur etc…</a:t>
+              <a:t>2 phases de jeu :</a:t>
             </a:r>
           </a:p>
           <a:p>
@@ -25332,338 +25249,82 @@
                 <a:srgbClr val="FF0000"/>
               </a:buClr>
             </a:pPr>
-            <a:r>
-              <a:rPr lang="fr-FR" altLang="en-US" dirty="0" smtClean="0">
-                <a:solidFill>
-                  <a:schemeClr val="tx1"/>
-                </a:solidFill>
-              </a:rPr>
-              <a:t>Pour faire EXLOSER le Datacenter ennemi !</a:t>
-            </a:r>
-          </a:p>
-        </p:txBody>
-      </p:sp>
-      <p:pic>
-        <p:nvPicPr>
-          <p:cNvPr id="102402" name="Picture 2" descr="http://vignette4.wikia.nocookie.net/desencyclopedie/images/0/03/Explosion-atomique.jpg/revision/latest?cb=20090615130725"/>
-          <p:cNvPicPr>
-            <a:picLocks noChangeAspect="1" noChangeArrowheads="1"/>
-          </p:cNvPicPr>
-          <p:nvPr/>
-        </p:nvPicPr>
-        <p:blipFill>
-          <a:blip r:embed="rId3" cstate="print">
-            <a:extLst>
-              <a:ext uri="{28A0092B-C50C-407E-A947-70E740481C1C}">
-                <a14:useLocalDpi xmlns:a14="http://schemas.microsoft.com/office/drawing/2010/main" val="0"/>
-              </a:ext>
-            </a:extLst>
-          </a:blip>
-          <a:srcRect/>
-          <a:stretch>
-            <a:fillRect/>
-          </a:stretch>
-        </p:blipFill>
-        <p:spPr bwMode="auto">
-          <a:xfrm>
-            <a:off x="899592" y="3788505"/>
-            <a:ext cx="3240360" cy="2756366"/>
-          </a:xfrm>
-          <a:prstGeom prst="rect">
-            <a:avLst/>
-          </a:prstGeom>
-          <a:noFill/>
-          <a:extLst>
-            <a:ext uri="{909E8E84-426E-40DD-AFC4-6F175D3DCCD1}">
-              <a14:hiddenFill xmlns:a14="http://schemas.microsoft.com/office/drawing/2010/main">
-                <a:solidFill>
-                  <a:srgbClr val="FFFFFF"/>
-                </a:solidFill>
-              </a14:hiddenFill>
-            </a:ext>
-          </a:extLst>
-        </p:spPr>
-      </p:pic>
-      <p:sp>
-        <p:nvSpPr>
-          <p:cNvPr id="6" name="Espace réservé du contenu 1"/>
-          <p:cNvSpPr txBox="1">
-            <a:spLocks/>
-          </p:cNvSpPr>
-          <p:nvPr/>
-        </p:nvSpPr>
-        <p:spPr bwMode="auto">
-          <a:xfrm>
-            <a:off x="4283968" y="5229199"/>
-            <a:ext cx="4174232" cy="288033"/>
-          </a:xfrm>
-          <a:prstGeom prst="rect">
-            <a:avLst/>
-          </a:prstGeom>
-          <a:noFill/>
-          <a:ln>
-            <a:noFill/>
-          </a:ln>
-          <a:extLst>
-            <a:ext uri="{909E8E84-426E-40DD-AFC4-6F175D3DCCD1}">
-              <a14:hiddenFill xmlns:a14="http://schemas.microsoft.com/office/drawing/2010/main">
-                <a:solidFill>
-                  <a:srgbClr val="FFFFFF"/>
-                </a:solidFill>
-              </a14:hiddenFill>
-            </a:ext>
-            <a:ext uri="{91240B29-F687-4F45-9708-019B960494DF}">
-              <a14:hiddenLine xmlns:a14="http://schemas.microsoft.com/office/drawing/2010/main" w="9525">
-                <a:solidFill>
-                  <a:srgbClr val="000000"/>
-                </a:solidFill>
-                <a:miter lim="800000"/>
-                <a:headEnd/>
-                <a:tailEnd/>
-              </a14:hiddenLine>
-            </a:ext>
-          </a:extLst>
-        </p:spPr>
-        <p:txBody>
-          <a:bodyPr/>
-          <a:lstStyle>
-            <a:lvl1pPr>
-              <a:spcBef>
-                <a:spcPts val="800"/>
-              </a:spcBef>
-              <a:buClr>
-                <a:srgbClr val="000000"/>
-              </a:buClr>
-              <a:buSzPct val="100000"/>
-              <a:buFont typeface="Times New Roman" panose="02020603050405020304" pitchFamily="18" charset="0"/>
-              <a:defRPr sz="3200">
-                <a:solidFill>
-                  <a:srgbClr val="000000"/>
-                </a:solidFill>
-                <a:latin typeface="Arial" panose="020B0604020202020204" pitchFamily="34" charset="0"/>
-                <a:ea typeface="Osaka" charset="0"/>
-                <a:cs typeface="Osaka" charset="0"/>
-              </a:defRPr>
-            </a:lvl1pPr>
-            <a:lvl2pPr marL="914400" indent="-457200">
-              <a:spcBef>
-                <a:spcPts val="700"/>
-              </a:spcBef>
-              <a:buClr>
-                <a:srgbClr val="000000"/>
-              </a:buClr>
-              <a:buSzPct val="100000"/>
-              <a:buFont typeface="Times New Roman" panose="02020603050405020304" pitchFamily="18" charset="0"/>
-              <a:defRPr sz="2800">
-                <a:solidFill>
-                  <a:srgbClr val="000000"/>
-                </a:solidFill>
-                <a:latin typeface="Arial" panose="020B0604020202020204" pitchFamily="34" charset="0"/>
-                <a:ea typeface="Osaka" charset="0"/>
-                <a:cs typeface="Osaka" charset="0"/>
-              </a:defRPr>
-            </a:lvl2pPr>
-            <a:lvl3pPr marL="914400">
-              <a:spcBef>
-                <a:spcPts val="600"/>
-              </a:spcBef>
-              <a:buClr>
-                <a:srgbClr val="000000"/>
-              </a:buClr>
-              <a:buSzPct val="100000"/>
-              <a:buFont typeface="Times New Roman" panose="02020603050405020304" pitchFamily="18" charset="0"/>
-              <a:defRPr sz="2400">
-                <a:solidFill>
-                  <a:srgbClr val="000000"/>
-                </a:solidFill>
-                <a:latin typeface="Arial" panose="020B0604020202020204" pitchFamily="34" charset="0"/>
-                <a:ea typeface="Osaka" charset="0"/>
-                <a:cs typeface="Osaka" charset="0"/>
-              </a:defRPr>
-            </a:lvl3pPr>
-            <a:lvl4pPr marL="1371600">
-              <a:spcBef>
-                <a:spcPts val="500"/>
-              </a:spcBef>
-              <a:buClr>
-                <a:srgbClr val="000000"/>
-              </a:buClr>
-              <a:buSzPct val="100000"/>
-              <a:buFont typeface="Times New Roman" panose="02020603050405020304" pitchFamily="18" charset="0"/>
-              <a:defRPr sz="2000">
-                <a:solidFill>
-                  <a:srgbClr val="000000"/>
-                </a:solidFill>
-                <a:latin typeface="Arial" panose="020B0604020202020204" pitchFamily="34" charset="0"/>
-                <a:ea typeface="Osaka" charset="0"/>
-                <a:cs typeface="Osaka" charset="0"/>
-              </a:defRPr>
-            </a:lvl4pPr>
-            <a:lvl5pPr marL="1828800">
-              <a:spcBef>
-                <a:spcPts val="500"/>
-              </a:spcBef>
-              <a:buClr>
-                <a:srgbClr val="000000"/>
-              </a:buClr>
-              <a:buSzPct val="100000"/>
-              <a:buFont typeface="Times New Roman" panose="02020603050405020304" pitchFamily="18" charset="0"/>
-              <a:defRPr sz="2000">
-                <a:solidFill>
-                  <a:srgbClr val="000000"/>
-                </a:solidFill>
-                <a:latin typeface="Arial" panose="020B0604020202020204" pitchFamily="34" charset="0"/>
-                <a:ea typeface="Osaka" charset="0"/>
-                <a:cs typeface="Osaka" charset="0"/>
-              </a:defRPr>
-            </a:lvl5pPr>
-            <a:lvl6pPr eaLnBrk="0" fontAlgn="base" hangingPunct="0">
-              <a:spcBef>
-                <a:spcPts val="500"/>
-              </a:spcBef>
-              <a:spcAft>
-                <a:spcPct val="0"/>
-              </a:spcAft>
-              <a:buClr>
-                <a:srgbClr val="000000"/>
-              </a:buClr>
-              <a:buSzPct val="100000"/>
-              <a:buFont typeface="Times New Roman" panose="02020603050405020304" pitchFamily="18" charset="0"/>
-              <a:defRPr sz="2000">
-                <a:solidFill>
-                  <a:srgbClr val="000000"/>
-                </a:solidFill>
-                <a:latin typeface="Arial" panose="020B0604020202020204" pitchFamily="34" charset="0"/>
-                <a:ea typeface="Osaka" charset="0"/>
-                <a:cs typeface="Osaka" charset="0"/>
-              </a:defRPr>
-            </a:lvl6pPr>
-            <a:lvl7pPr eaLnBrk="0" fontAlgn="base" hangingPunct="0">
-              <a:spcBef>
-                <a:spcPts val="500"/>
-              </a:spcBef>
-              <a:spcAft>
-                <a:spcPct val="0"/>
-              </a:spcAft>
-              <a:buClr>
-                <a:srgbClr val="000000"/>
-              </a:buClr>
-              <a:buSzPct val="100000"/>
-              <a:buFont typeface="Times New Roman" panose="02020603050405020304" pitchFamily="18" charset="0"/>
-              <a:defRPr sz="2000">
-                <a:solidFill>
-                  <a:srgbClr val="000000"/>
-                </a:solidFill>
-                <a:latin typeface="Arial" panose="020B0604020202020204" pitchFamily="34" charset="0"/>
-                <a:ea typeface="Osaka" charset="0"/>
-                <a:cs typeface="Osaka" charset="0"/>
-              </a:defRPr>
-            </a:lvl7pPr>
-            <a:lvl8pPr eaLnBrk="0" fontAlgn="base" hangingPunct="0">
-              <a:spcBef>
-                <a:spcPts val="500"/>
-              </a:spcBef>
-              <a:spcAft>
-                <a:spcPct val="0"/>
-              </a:spcAft>
-              <a:buClr>
-                <a:srgbClr val="000000"/>
-              </a:buClr>
-              <a:buSzPct val="100000"/>
-              <a:buFont typeface="Times New Roman" panose="02020603050405020304" pitchFamily="18" charset="0"/>
-              <a:defRPr sz="2000">
-                <a:solidFill>
-                  <a:srgbClr val="000000"/>
-                </a:solidFill>
-                <a:latin typeface="Arial" panose="020B0604020202020204" pitchFamily="34" charset="0"/>
-                <a:ea typeface="Osaka" charset="0"/>
-                <a:cs typeface="Osaka" charset="0"/>
-              </a:defRPr>
-            </a:lvl8pPr>
-            <a:lvl9pPr eaLnBrk="0" fontAlgn="base" hangingPunct="0">
-              <a:spcBef>
-                <a:spcPts val="500"/>
-              </a:spcBef>
-              <a:spcAft>
-                <a:spcPct val="0"/>
-              </a:spcAft>
-              <a:buClr>
-                <a:srgbClr val="000000"/>
-              </a:buClr>
-              <a:buSzPct val="100000"/>
-              <a:buFont typeface="Times New Roman" panose="02020603050405020304" pitchFamily="18" charset="0"/>
-              <a:defRPr sz="2000">
-                <a:solidFill>
-                  <a:srgbClr val="000000"/>
-                </a:solidFill>
-                <a:latin typeface="Arial" panose="020B0604020202020204" pitchFamily="34" charset="0"/>
-                <a:ea typeface="Osaka" charset="0"/>
-                <a:cs typeface="Osaka" charset="0"/>
-              </a:defRPr>
-            </a:lvl9pPr>
-          </a:lstStyle>
-          <a:p>
-            <a:pPr marL="457200" lvl="1" indent="0" defTabSz="914400" eaLnBrk="1" hangingPunct="1">
-              <a:spcBef>
-                <a:spcPct val="20000"/>
-              </a:spcBef>
-              <a:buClr>
-                <a:srgbClr val="FF0000"/>
-              </a:buClr>
-            </a:pPr>
-            <a:r>
-              <a:rPr lang="fr-FR" altLang="en-US" sz="1200" dirty="0" smtClean="0">
-                <a:solidFill>
-                  <a:schemeClr val="tx1"/>
-                </a:solidFill>
-              </a:rPr>
-              <a:t>(</a:t>
-            </a:r>
-            <a:r>
-              <a:rPr lang="fr-FR" altLang="en-US" sz="1200" dirty="0" smtClean="0">
-                <a:solidFill>
-                  <a:schemeClr val="tx1"/>
-                </a:solidFill>
-                <a:sym typeface="Wingdings" panose="05000000000000000000" pitchFamily="2" charset="2"/>
-              </a:rPr>
-              <a:t> </a:t>
-            </a:r>
-            <a:r>
-              <a:rPr lang="fr-FR" altLang="en-US" sz="1200" dirty="0" err="1" smtClean="0">
-                <a:solidFill>
-                  <a:schemeClr val="tx1"/>
-                </a:solidFill>
-                <a:sym typeface="Wingdings" panose="05000000000000000000" pitchFamily="2" charset="2"/>
-              </a:rPr>
-              <a:t>feat</a:t>
-            </a:r>
-            <a:r>
-              <a:rPr lang="fr-FR" altLang="en-US" sz="1200" dirty="0" smtClean="0">
-                <a:solidFill>
-                  <a:schemeClr val="tx1"/>
-                </a:solidFill>
-                <a:sym typeface="Wingdings" panose="05000000000000000000" pitchFamily="2" charset="2"/>
-              </a:rPr>
-              <a:t>. </a:t>
-            </a:r>
-            <a:r>
-              <a:rPr lang="en-US" sz="1200" dirty="0" smtClean="0"/>
-              <a:t>Michael “FUCKING” Bay)</a:t>
-            </a:r>
-            <a:endParaRPr lang="fr-FR" altLang="en-US" sz="1200" dirty="0" smtClean="0">
+            <a:endParaRPr lang="fr-FR" altLang="en-US" dirty="0">
               <a:solidFill>
                 <a:schemeClr val="tx1"/>
               </a:solidFill>
             </a:endParaRPr>
           </a:p>
+          <a:p>
+            <a:pPr lvl="1" defTabSz="914400" eaLnBrk="1" hangingPunct="1">
+              <a:spcBef>
+                <a:spcPct val="20000"/>
+              </a:spcBef>
+              <a:buClr>
+                <a:srgbClr val="FF0000"/>
+              </a:buClr>
+              <a:buFont typeface="Wingdings" panose="05000000000000000000" pitchFamily="2" charset="2"/>
+              <a:buChar char="q"/>
+            </a:pPr>
+            <a:r>
+              <a:rPr lang="fr-FR" altLang="en-US" dirty="0" err="1" smtClean="0">
+                <a:solidFill>
+                  <a:schemeClr val="tx1"/>
+                </a:solidFill>
+              </a:rPr>
+              <a:t>Picks</a:t>
+            </a:r>
+            <a:endParaRPr lang="fr-FR" altLang="en-US" dirty="0" smtClean="0">
+              <a:solidFill>
+                <a:schemeClr val="tx1"/>
+              </a:solidFill>
+            </a:endParaRPr>
+          </a:p>
+          <a:p>
+            <a:pPr lvl="1" defTabSz="914400" eaLnBrk="1" hangingPunct="1">
+              <a:spcBef>
+                <a:spcPct val="20000"/>
+              </a:spcBef>
+              <a:buClr>
+                <a:srgbClr val="FF0000"/>
+              </a:buClr>
+              <a:buFont typeface="Wingdings" panose="05000000000000000000" pitchFamily="2" charset="2"/>
+              <a:buChar char="q"/>
+            </a:pPr>
+            <a:endParaRPr lang="fr-FR" altLang="en-US" dirty="0">
+              <a:solidFill>
+                <a:schemeClr val="tx1"/>
+              </a:solidFill>
+            </a:endParaRPr>
+          </a:p>
+          <a:p>
+            <a:pPr lvl="1" defTabSz="914400" eaLnBrk="1" hangingPunct="1">
+              <a:spcBef>
+                <a:spcPct val="20000"/>
+              </a:spcBef>
+              <a:buClr>
+                <a:srgbClr val="FF0000"/>
+              </a:buClr>
+              <a:buFont typeface="Wingdings" panose="05000000000000000000" pitchFamily="2" charset="2"/>
+              <a:buChar char="q"/>
+            </a:pPr>
+            <a:r>
+              <a:rPr lang="fr-FR" altLang="en-US" dirty="0" smtClean="0">
+                <a:solidFill>
+                  <a:schemeClr val="tx1"/>
+                </a:solidFill>
+              </a:rPr>
+              <a:t>Jeu !!!</a:t>
+            </a:r>
+            <a:endParaRPr lang="fr-FR" altLang="en-US" dirty="0">
+              <a:solidFill>
+                <a:schemeClr val="tx1"/>
+              </a:solidFill>
+            </a:endParaRPr>
+          </a:p>
         </p:txBody>
       </p:sp>
     </p:spTree>
-    <p:extLst>
-      <p:ext uri="{BB962C8B-B14F-4D97-AF65-F5344CB8AC3E}">
-        <p14:creationId xmlns:p14="http://schemas.microsoft.com/office/powerpoint/2010/main" val="3831573678"/>
-      </p:ext>
-    </p:extLst>
   </p:cSld>
   <p:clrMapOvr>
     <a:masterClrMapping/>
@@ -25766,7 +25427,7 @@
                   </a:outerShdw>
                 </a:effectLst>
               </a:rPr>
-              <a:t>MOBA</a:t>
+              <a:t>Phase de jeu</a:t>
             </a:r>
             <a:endParaRPr lang="fr-FR" altLang="fr-FR" dirty="0" smtClean="0">
               <a:effectLst>
@@ -25780,7 +25441,7 @@
       </p:sp>
       <p:sp>
         <p:nvSpPr>
-          <p:cNvPr id="30723" name="Espace réservé du contenu 1"/>
+          <p:cNvPr id="32771" name="Espace réservé du contenu 1"/>
           <p:cNvSpPr txBox="1">
             <a:spLocks/>
           </p:cNvSpPr>
@@ -25997,13 +25658,15 @@
             </a:lvl9pPr>
           </a:lstStyle>
           <a:p>
-            <a:pPr marL="457200" lvl="1" indent="0" defTabSz="914400" eaLnBrk="1" hangingPunct="1">
+            <a:pPr lvl="1" defTabSz="914400" eaLnBrk="1" hangingPunct="1">
               <a:spcBef>
                 <a:spcPct val="20000"/>
               </a:spcBef>
               <a:buClr>
                 <a:srgbClr val="FF0000"/>
               </a:buClr>
+              <a:buFont typeface="Wingdings" panose="05000000000000000000" pitchFamily="2" charset="2"/>
+              <a:buChar char="q"/>
             </a:pPr>
             <a:r>
               <a:rPr lang="fr-FR" altLang="en-US" dirty="0" smtClean="0">
@@ -26011,7 +25674,43 @@
                   <a:schemeClr val="tx1"/>
                 </a:solidFill>
               </a:rPr>
-              <a:t>2 phases de jeu :</a:t>
+              <a:t>2 équipes de 3 IA</a:t>
+            </a:r>
+          </a:p>
+          <a:p>
+            <a:pPr lvl="1" defTabSz="914400" eaLnBrk="1" hangingPunct="1">
+              <a:spcBef>
+                <a:spcPct val="20000"/>
+              </a:spcBef>
+              <a:buClr>
+                <a:srgbClr val="FF0000"/>
+              </a:buClr>
+              <a:buFont typeface="Wingdings" panose="05000000000000000000" pitchFamily="2" charset="2"/>
+              <a:buChar char="q"/>
+            </a:pPr>
+            <a:r>
+              <a:rPr lang="fr-FR" altLang="en-US" dirty="0" smtClean="0">
+                <a:solidFill>
+                  <a:schemeClr val="tx1"/>
+                </a:solidFill>
+              </a:rPr>
+              <a:t>But : détruire le </a:t>
+            </a:r>
+            <a:r>
+              <a:rPr lang="fr-FR" altLang="en-US" dirty="0" err="1" smtClean="0">
+                <a:solidFill>
+                  <a:schemeClr val="tx1"/>
+                </a:solidFill>
+              </a:rPr>
+              <a:t>datacenter</a:t>
+            </a:r>
+            <a:r>
+              <a:rPr lang="fr-FR" altLang="en-US" dirty="0" smtClean="0">
+                <a:solidFill>
+                  <a:schemeClr val="tx1"/>
+                </a:solidFill>
+              </a:rPr>
+              <a:t> ennemi !</a:t>
             </a:r>
           </a:p>
           <a:p>
@@ -26029,75 +25728,42 @@
               </a:solidFill>
             </a:endParaRPr>
           </a:p>
-          <a:p>
-            <a:pPr lvl="1" defTabSz="914400" eaLnBrk="1" hangingPunct="1">
-              <a:spcBef>
-                <a:spcPct val="20000"/>
-              </a:spcBef>
-              <a:buClr>
-                <a:srgbClr val="FF0000"/>
-              </a:buClr>
-              <a:buFont typeface="Wingdings" panose="05000000000000000000" pitchFamily="2" charset="2"/>
-              <a:buChar char="q"/>
-            </a:pPr>
-            <a:r>
-              <a:rPr lang="fr-FR" altLang="en-US" dirty="0" err="1" smtClean="0">
-                <a:solidFill>
-                  <a:schemeClr val="tx1"/>
-                </a:solidFill>
-              </a:rPr>
-              <a:t>Picks</a:t>
-            </a:r>
-            <a:endParaRPr lang="fr-FR" altLang="en-US" dirty="0" smtClean="0">
-              <a:solidFill>
-                <a:schemeClr val="tx1"/>
-              </a:solidFill>
-            </a:endParaRPr>
-          </a:p>
-          <a:p>
-            <a:pPr lvl="1" defTabSz="914400" eaLnBrk="1" hangingPunct="1">
-              <a:spcBef>
-                <a:spcPct val="20000"/>
-              </a:spcBef>
-              <a:buClr>
-                <a:srgbClr val="FF0000"/>
-              </a:buClr>
-              <a:buFont typeface="Wingdings" panose="05000000000000000000" pitchFamily="2" charset="2"/>
-              <a:buChar char="q"/>
-            </a:pPr>
-            <a:endParaRPr lang="fr-FR" altLang="en-US" dirty="0">
-              <a:solidFill>
-                <a:schemeClr val="tx1"/>
-              </a:solidFill>
-            </a:endParaRPr>
-          </a:p>
-          <a:p>
-            <a:pPr lvl="1" defTabSz="914400" eaLnBrk="1" hangingPunct="1">
-              <a:spcBef>
-                <a:spcPct val="20000"/>
-              </a:spcBef>
-              <a:buClr>
-                <a:srgbClr val="FF0000"/>
-              </a:buClr>
-              <a:buFont typeface="Wingdings" panose="05000000000000000000" pitchFamily="2" charset="2"/>
-              <a:buChar char="q"/>
-            </a:pPr>
-            <a:r>
-              <a:rPr lang="fr-FR" altLang="en-US" dirty="0" smtClean="0">
-                <a:solidFill>
-                  <a:schemeClr val="tx1"/>
-                </a:solidFill>
-              </a:rPr>
-              <a:t>Jeu !!!</a:t>
-            </a:r>
-            <a:endParaRPr lang="fr-FR" altLang="en-US" dirty="0">
-              <a:solidFill>
-                <a:schemeClr val="tx1"/>
-              </a:solidFill>
-            </a:endParaRPr>
-          </a:p>
         </p:txBody>
       </p:sp>
+      <p:pic>
+        <p:nvPicPr>
+          <p:cNvPr id="2" name="Image 1"/>
+          <p:cNvPicPr>
+            <a:picLocks noChangeAspect="1"/>
+          </p:cNvPicPr>
+          <p:nvPr/>
+        </p:nvPicPr>
+        <p:blipFill>
+          <a:blip r:embed="rId3"/>
+          <a:stretch>
+            <a:fillRect/>
+          </a:stretch>
+        </p:blipFill>
+        <p:spPr>
+          <a:xfrm>
+            <a:off x="2869406" y="3284984"/>
+            <a:ext cx="3352800" cy="2743200"/>
+          </a:xfrm>
+          <a:prstGeom prst="rect">
+            <a:avLst/>
+          </a:prstGeom>
+          <a:ln>
+            <a:noFill/>
+          </a:ln>
+          <a:effectLst>
+            <a:outerShdw blurRad="292100" dist="139700" dir="2700000" algn="tl" rotWithShape="0">
+              <a:srgbClr val="333333">
+                <a:alpha val="65000"/>
+              </a:srgbClr>
+            </a:outerShdw>
+          </a:effectLst>
+        </p:spPr>
+      </p:pic>
     </p:spTree>
   </p:cSld>
   <p:clrMapOvr>
@@ -26201,7 +25867,7 @@
                   </a:outerShdw>
                 </a:effectLst>
               </a:rPr>
-              <a:t>Phase de jeu</a:t>
+              <a:t>Comment ?</a:t>
             </a:r>
             <a:endParaRPr lang="fr-FR" altLang="fr-FR" dirty="0" smtClean="0">
               <a:effectLst>
@@ -26215,7 +25881,7 @@
       </p:sp>
       <p:sp>
         <p:nvSpPr>
-          <p:cNvPr id="32771" name="Espace réservé du contenu 1"/>
+          <p:cNvPr id="34819" name="Espace réservé du contenu 1"/>
           <p:cNvSpPr txBox="1">
             <a:spLocks/>
           </p:cNvSpPr>
@@ -26448,7 +26114,7 @@
                   <a:schemeClr val="tx1"/>
                 </a:solidFill>
               </a:rPr>
-              <a:t>2 équipes de 3 IA</a:t>
+              <a:t>Chaque IA contrôle 1 héros.</a:t>
             </a:r>
           </a:p>
           <a:p>
@@ -26468,45 +26134,34 @@
                   <a:schemeClr val="tx1"/>
                 </a:solidFill>
               </a:rPr>
-              <a:t>But : détruire le </a:t>
+              <a:t>Les héros ont des armes, sorts, équipements.</a:t>
             </a:r>
-            <a:r>
-              <a:rPr lang="fr-FR" altLang="en-US" dirty="0" err="1" smtClean="0">
-                <a:solidFill>
-                  <a:schemeClr val="tx1"/>
-                </a:solidFill>
-              </a:rPr>
-              <a:t>datacenter</a:t>
-            </a:r>
+          </a:p>
+          <a:p>
+            <a:pPr lvl="1" defTabSz="914400" eaLnBrk="1" hangingPunct="1">
+              <a:spcBef>
+                <a:spcPct val="20000"/>
+              </a:spcBef>
+              <a:buClr>
+                <a:srgbClr val="FF0000"/>
+              </a:buClr>
+              <a:buFont typeface="Wingdings" panose="05000000000000000000" pitchFamily="2" charset="2"/>
+              <a:buChar char="q"/>
+            </a:pPr>
             <a:r>
               <a:rPr lang="fr-FR" altLang="en-US" dirty="0" smtClean="0">
                 <a:solidFill>
                   <a:schemeClr val="tx1"/>
                 </a:solidFill>
               </a:rPr>
-              <a:t> ennemi !</a:t>
+              <a:t>Objectif : détruire les tours adverses une par une pour atteindre le Datacenter !</a:t>
             </a:r>
-          </a:p>
-          <a:p>
-            <a:pPr marL="457200" lvl="1" indent="0" defTabSz="914400" eaLnBrk="1" hangingPunct="1">
-              <a:spcBef>
-                <a:spcPct val="20000"/>
-              </a:spcBef>
-              <a:buClr>
-                <a:srgbClr val="FF0000"/>
-              </a:buClr>
-            </a:pPr>
-            <a:endParaRPr lang="fr-FR" altLang="en-US" dirty="0">
-              <a:solidFill>
-                <a:schemeClr val="tx1"/>
-              </a:solidFill>
-            </a:endParaRPr>
           </a:p>
         </p:txBody>
       </p:sp>
       <p:pic>
         <p:nvPicPr>
-          <p:cNvPr id="2" name="Image 1"/>
+          <p:cNvPr id="3" name="Image 2"/>
           <p:cNvPicPr>
             <a:picLocks noChangeAspect="1"/>
           </p:cNvPicPr>
@@ -26520,22 +26175,12 @@
         </p:blipFill>
         <p:spPr>
           <a:xfrm>
-            <a:off x="2869406" y="3284984"/>
-            <a:ext cx="3352800" cy="2743200"/>
+            <a:off x="2339752" y="4077072"/>
+            <a:ext cx="3996444" cy="2167211"/>
           </a:xfrm>
           <a:prstGeom prst="rect">
             <a:avLst/>
           </a:prstGeom>
-          <a:ln>
-            <a:noFill/>
-          </a:ln>
-          <a:effectLst>
-            <a:outerShdw blurRad="292100" dist="139700" dir="2700000" algn="tl" rotWithShape="0">
-              <a:srgbClr val="333333">
-                <a:alpha val="65000"/>
-              </a:srgbClr>
-            </a:outerShdw>
-          </a:effectLst>
         </p:spPr>
       </p:pic>
     </p:spTree>
@@ -26641,7 +26286,7 @@
                   </a:outerShdw>
                 </a:effectLst>
               </a:rPr>
-              <a:t>Comment ?</a:t>
+              <a:t>C’est trop simple non ?</a:t>
             </a:r>
             <a:endParaRPr lang="fr-FR" altLang="fr-FR" dirty="0" smtClean="0">
               <a:effectLst>
@@ -26655,7 +26300,7 @@
       </p:sp>
       <p:sp>
         <p:nvSpPr>
-          <p:cNvPr id="34819" name="Espace réservé du contenu 1"/>
+          <p:cNvPr id="36867" name="Espace réservé du contenu 1"/>
           <p:cNvSpPr txBox="1">
             <a:spLocks/>
           </p:cNvSpPr>
@@ -26888,8 +26533,41 @@
                   <a:schemeClr val="tx1"/>
                 </a:solidFill>
               </a:rPr>
-              <a:t>Chaque IA contrôle 1 héros.</a:t>
+              <a:t>Les tours font </a:t>
             </a:r>
+            <a:r>
+              <a:rPr lang="fr-FR" altLang="en-US" dirty="0" err="1" smtClean="0">
+                <a:solidFill>
+                  <a:schemeClr val="tx1"/>
+                </a:solidFill>
+              </a:rPr>
+              <a:t>trèèès</a:t>
+            </a:r>
+            <a:r>
+              <a:rPr lang="fr-FR" altLang="en-US" dirty="0" smtClean="0">
+                <a:solidFill>
+                  <a:schemeClr val="tx1"/>
+                </a:solidFill>
+              </a:rPr>
+              <a:t> mal. Elles peuvent facilement tuer tous les héros qui s’en approchent seuls !</a:t>
+            </a:r>
+          </a:p>
+          <a:p>
+            <a:pPr lvl="1" defTabSz="914400" eaLnBrk="1" hangingPunct="1">
+              <a:spcBef>
+                <a:spcPct val="20000"/>
+              </a:spcBef>
+              <a:buClr>
+                <a:srgbClr val="FF0000"/>
+              </a:buClr>
+              <a:buFont typeface="Wingdings" panose="05000000000000000000" pitchFamily="2" charset="2"/>
+              <a:buChar char="q"/>
+            </a:pPr>
+            <a:endParaRPr lang="fr-FR" altLang="en-US" dirty="0" smtClean="0">
+              <a:solidFill>
+                <a:schemeClr val="tx1"/>
+              </a:solidFill>
+            </a:endParaRPr>
           </a:p>
           <a:p>
             <a:pPr lvl="1" defTabSz="914400" eaLnBrk="1" hangingPunct="1">
@@ -26908,55 +26586,32 @@
                   <a:schemeClr val="tx1"/>
                 </a:solidFill>
               </a:rPr>
-              <a:t>Les héros ont des armes, sorts, équipements.</a:t>
+              <a:t>Il faut détruire toutes les tours pour pouvoir attaquer + le </a:t>
             </a:r>
-          </a:p>
-          <a:p>
-            <a:pPr lvl="1" defTabSz="914400" eaLnBrk="1" hangingPunct="1">
-              <a:spcBef>
-                <a:spcPct val="20000"/>
-              </a:spcBef>
-              <a:buClr>
-                <a:srgbClr val="FF0000"/>
-              </a:buClr>
-              <a:buFont typeface="Wingdings" panose="05000000000000000000" pitchFamily="2" charset="2"/>
-              <a:buChar char="q"/>
-            </a:pPr>
+            <a:r>
+              <a:rPr lang="fr-FR" altLang="en-US" dirty="0" err="1" smtClean="0">
+                <a:solidFill>
+                  <a:schemeClr val="tx1"/>
+                </a:solidFill>
+              </a:rPr>
+              <a:t>spawner</a:t>
+            </a:r>
             <a:r>
               <a:rPr lang="fr-FR" altLang="en-US" dirty="0" smtClean="0">
                 <a:solidFill>
                   <a:schemeClr val="tx1"/>
                 </a:solidFill>
               </a:rPr>
-              <a:t>Objectif : détruire les tours adverses une par une pour atteindre le Datacenter !</a:t>
+              <a:t> adverse pour attaquer le Datacenter !</a:t>
             </a:r>
+            <a:endParaRPr lang="fr-FR" altLang="en-US" dirty="0">
+              <a:solidFill>
+                <a:schemeClr val="tx1"/>
+              </a:solidFill>
+            </a:endParaRPr>
           </a:p>
         </p:txBody>
       </p:sp>
-      <p:pic>
-        <p:nvPicPr>
-          <p:cNvPr id="3" name="Image 2"/>
-          <p:cNvPicPr>
-            <a:picLocks noChangeAspect="1"/>
-          </p:cNvPicPr>
-          <p:nvPr/>
-        </p:nvPicPr>
-        <p:blipFill>
-          <a:blip r:embed="rId3"/>
-          <a:stretch>
-            <a:fillRect/>
-          </a:stretch>
-        </p:blipFill>
-        <p:spPr>
-          <a:xfrm>
-            <a:off x="2339752" y="4077072"/>
-            <a:ext cx="3996444" cy="2167211"/>
-          </a:xfrm>
-          <a:prstGeom prst="rect">
-            <a:avLst/>
-          </a:prstGeom>
-        </p:spPr>
-      </p:pic>
     </p:spTree>
   </p:cSld>
   <p:clrMapOvr>
@@ -27218,7 +26873,7 @@
                   </a:outerShdw>
                 </a:effectLst>
               </a:rPr>
-              <a:t>C’est trop simple non ?</a:t>
+              <a:t>Comment qu’on fait alors ?</a:t>
             </a:r>
             <a:endParaRPr lang="fr-FR" altLang="fr-FR" dirty="0" smtClean="0">
               <a:effectLst>
@@ -27232,7 +26887,7 @@
       </p:sp>
       <p:sp>
         <p:nvSpPr>
-          <p:cNvPr id="36867" name="Espace réservé du contenu 1"/>
+          <p:cNvPr id="38915" name="Espace réservé du contenu 1"/>
           <p:cNvSpPr txBox="1">
             <a:spLocks/>
           </p:cNvSpPr>
@@ -27465,76 +27120,7 @@
                   <a:schemeClr val="tx1"/>
                 </a:solidFill>
               </a:rPr>
-              <a:t>Les tours font </a:t>
-            </a:r>
-            <a:r>
-              <a:rPr lang="fr-FR" altLang="en-US" dirty="0" err="1" smtClean="0">
-                <a:solidFill>
-                  <a:schemeClr val="tx1"/>
-                </a:solidFill>
-              </a:rPr>
-              <a:t>trèèès</a:t>
-            </a:r>
-            <a:r>
-              <a:rPr lang="fr-FR" altLang="en-US" dirty="0" smtClean="0">
-                <a:solidFill>
-                  <a:schemeClr val="tx1"/>
-                </a:solidFill>
-              </a:rPr>
-              <a:t> mal. Elles peuvent facilement tuer tous les héros qui s’en approchent seuls !</a:t>
-            </a:r>
-          </a:p>
-          <a:p>
-            <a:pPr lvl="1" defTabSz="914400" eaLnBrk="1" hangingPunct="1">
-              <a:spcBef>
-                <a:spcPct val="20000"/>
-              </a:spcBef>
-              <a:buClr>
-                <a:srgbClr val="FF0000"/>
-              </a:buClr>
-              <a:buFont typeface="Wingdings" panose="05000000000000000000" pitchFamily="2" charset="2"/>
-              <a:buChar char="q"/>
-            </a:pPr>
-            <a:endParaRPr lang="fr-FR" altLang="en-US" dirty="0" smtClean="0">
-              <a:solidFill>
-                <a:schemeClr val="tx1"/>
-              </a:solidFill>
-            </a:endParaRPr>
-          </a:p>
-          <a:p>
-            <a:pPr lvl="1" defTabSz="914400" eaLnBrk="1" hangingPunct="1">
-              <a:spcBef>
-                <a:spcPct val="20000"/>
-              </a:spcBef>
-              <a:buClr>
-                <a:srgbClr val="FF0000"/>
-              </a:buClr>
-              <a:buFont typeface="Wingdings" panose="05000000000000000000" pitchFamily="2" charset="2"/>
-              <a:buChar char="q"/>
-            </a:pPr>
-            <a:r>
-              <a:rPr lang="fr-FR" altLang="en-US" dirty="0" smtClean="0">
-                <a:solidFill>
-                  <a:schemeClr val="tx1"/>
-                </a:solidFill>
-              </a:rPr>
-              <a:t>Il faut détruire toutes les tours pour pouvoir attaquer + le </a:t>
-            </a:r>
-            <a:r>
-              <a:rPr lang="fr-FR" altLang="en-US" dirty="0" err="1" smtClean="0">
-                <a:solidFill>
-                  <a:schemeClr val="tx1"/>
-                </a:solidFill>
-              </a:rPr>
-              <a:t>spawner</a:t>
-            </a:r>
-            <a:r>
-              <a:rPr lang="fr-FR" altLang="en-US" dirty="0" smtClean="0">
-                <a:solidFill>
-                  <a:schemeClr val="tx1"/>
-                </a:solidFill>
-              </a:rPr>
-              <a:t> adverse pour attaquer le Datacenter !</a:t>
+              <a:t>Les Virus sont attaqués en premier par les tours ! </a:t>
             </a:r>
             <a:endParaRPr lang="fr-FR" altLang="en-US" dirty="0">
               <a:solidFill>
@@ -27544,6 +27130,30 @@
           </a:p>
         </p:txBody>
       </p:sp>
+      <p:pic>
+        <p:nvPicPr>
+          <p:cNvPr id="2" name="Image 1"/>
+          <p:cNvPicPr>
+            <a:picLocks noChangeAspect="1"/>
+          </p:cNvPicPr>
+          <p:nvPr/>
+        </p:nvPicPr>
+        <p:blipFill>
+          <a:blip r:embed="rId3"/>
+          <a:stretch>
+            <a:fillRect/>
+          </a:stretch>
+        </p:blipFill>
+        <p:spPr>
+          <a:xfrm>
+            <a:off x="2699792" y="3140968"/>
+            <a:ext cx="4000500" cy="2828925"/>
+          </a:xfrm>
+          <a:prstGeom prst="rect">
+            <a:avLst/>
+          </a:prstGeom>
+        </p:spPr>
+      </p:pic>
     </p:spTree>
   </p:cSld>
   <p:clrMapOvr>
@@ -27647,390 +27257,6 @@
                   </a:outerShdw>
                 </a:effectLst>
               </a:rPr>
-              <a:t>Comment qu’on fait alors ?</a:t>
-            </a:r>
-            <a:endParaRPr lang="fr-FR" altLang="fr-FR" dirty="0" smtClean="0">
-              <a:effectLst>
-                <a:outerShdw blurRad="38100" dist="38100" dir="2700000" algn="tl">
-                  <a:srgbClr val="C0C0C0"/>
-                </a:outerShdw>
-              </a:effectLst>
-            </a:endParaRPr>
-          </a:p>
-        </p:txBody>
-      </p:sp>
-      <p:sp>
-        <p:nvSpPr>
-          <p:cNvPr id="38915" name="Espace réservé du contenu 1"/>
-          <p:cNvSpPr txBox="1">
-            <a:spLocks/>
-          </p:cNvSpPr>
-          <p:nvPr/>
-        </p:nvSpPr>
-        <p:spPr bwMode="auto">
-          <a:xfrm>
-            <a:off x="323850" y="2060575"/>
-            <a:ext cx="8443913" cy="4264025"/>
-          </a:xfrm>
-          <a:prstGeom prst="rect">
-            <a:avLst/>
-          </a:prstGeom>
-          <a:noFill/>
-          <a:ln>
-            <a:noFill/>
-          </a:ln>
-          <a:extLst>
-            <a:ext uri="{909E8E84-426E-40DD-AFC4-6F175D3DCCD1}">
-              <a14:hiddenFill xmlns:a14="http://schemas.microsoft.com/office/drawing/2010/main">
-                <a:solidFill>
-                  <a:srgbClr val="FFFFFF"/>
-                </a:solidFill>
-              </a14:hiddenFill>
-            </a:ext>
-            <a:ext uri="{91240B29-F687-4F45-9708-019B960494DF}">
-              <a14:hiddenLine xmlns:a14="http://schemas.microsoft.com/office/drawing/2010/main" w="9525">
-                <a:solidFill>
-                  <a:srgbClr val="000000"/>
-                </a:solidFill>
-                <a:miter lim="800000"/>
-                <a:headEnd/>
-                <a:tailEnd/>
-              </a14:hiddenLine>
-            </a:ext>
-          </a:extLst>
-        </p:spPr>
-        <p:txBody>
-          <a:bodyPr/>
-          <a:lstStyle>
-            <a:lvl1pPr>
-              <a:spcBef>
-                <a:spcPts val="800"/>
-              </a:spcBef>
-              <a:buClr>
-                <a:srgbClr val="000000"/>
-              </a:buClr>
-              <a:buSzPct val="100000"/>
-              <a:buFont typeface="Times New Roman" panose="02020603050405020304" pitchFamily="18" charset="0"/>
-              <a:defRPr sz="3200">
-                <a:solidFill>
-                  <a:srgbClr val="000000"/>
-                </a:solidFill>
-                <a:latin typeface="Arial" panose="020B0604020202020204" pitchFamily="34" charset="0"/>
-                <a:ea typeface="Osaka" charset="0"/>
-                <a:cs typeface="Osaka" charset="0"/>
-              </a:defRPr>
-            </a:lvl1pPr>
-            <a:lvl2pPr marL="914400" indent="-457200">
-              <a:spcBef>
-                <a:spcPts val="700"/>
-              </a:spcBef>
-              <a:buClr>
-                <a:srgbClr val="000000"/>
-              </a:buClr>
-              <a:buSzPct val="100000"/>
-              <a:buFont typeface="Times New Roman" panose="02020603050405020304" pitchFamily="18" charset="0"/>
-              <a:defRPr sz="2800">
-                <a:solidFill>
-                  <a:srgbClr val="000000"/>
-                </a:solidFill>
-                <a:latin typeface="Arial" panose="020B0604020202020204" pitchFamily="34" charset="0"/>
-                <a:ea typeface="Osaka" charset="0"/>
-                <a:cs typeface="Osaka" charset="0"/>
-              </a:defRPr>
-            </a:lvl2pPr>
-            <a:lvl3pPr marL="914400">
-              <a:spcBef>
-                <a:spcPts val="600"/>
-              </a:spcBef>
-              <a:buClr>
-                <a:srgbClr val="000000"/>
-              </a:buClr>
-              <a:buSzPct val="100000"/>
-              <a:buFont typeface="Times New Roman" panose="02020603050405020304" pitchFamily="18" charset="0"/>
-              <a:defRPr sz="2400">
-                <a:solidFill>
-                  <a:srgbClr val="000000"/>
-                </a:solidFill>
-                <a:latin typeface="Arial" panose="020B0604020202020204" pitchFamily="34" charset="0"/>
-                <a:ea typeface="Osaka" charset="0"/>
-                <a:cs typeface="Osaka" charset="0"/>
-              </a:defRPr>
-            </a:lvl3pPr>
-            <a:lvl4pPr marL="1371600">
-              <a:spcBef>
-                <a:spcPts val="500"/>
-              </a:spcBef>
-              <a:buClr>
-                <a:srgbClr val="000000"/>
-              </a:buClr>
-              <a:buSzPct val="100000"/>
-              <a:buFont typeface="Times New Roman" panose="02020603050405020304" pitchFamily="18" charset="0"/>
-              <a:defRPr sz="2000">
-                <a:solidFill>
-                  <a:srgbClr val="000000"/>
-                </a:solidFill>
-                <a:latin typeface="Arial" panose="020B0604020202020204" pitchFamily="34" charset="0"/>
-                <a:ea typeface="Osaka" charset="0"/>
-                <a:cs typeface="Osaka" charset="0"/>
-              </a:defRPr>
-            </a:lvl4pPr>
-            <a:lvl5pPr marL="1828800">
-              <a:spcBef>
-                <a:spcPts val="500"/>
-              </a:spcBef>
-              <a:buClr>
-                <a:srgbClr val="000000"/>
-              </a:buClr>
-              <a:buSzPct val="100000"/>
-              <a:buFont typeface="Times New Roman" panose="02020603050405020304" pitchFamily="18" charset="0"/>
-              <a:defRPr sz="2000">
-                <a:solidFill>
-                  <a:srgbClr val="000000"/>
-                </a:solidFill>
-                <a:latin typeface="Arial" panose="020B0604020202020204" pitchFamily="34" charset="0"/>
-                <a:ea typeface="Osaka" charset="0"/>
-                <a:cs typeface="Osaka" charset="0"/>
-              </a:defRPr>
-            </a:lvl5pPr>
-            <a:lvl6pPr eaLnBrk="0" fontAlgn="base" hangingPunct="0">
-              <a:spcBef>
-                <a:spcPts val="500"/>
-              </a:spcBef>
-              <a:spcAft>
-                <a:spcPct val="0"/>
-              </a:spcAft>
-              <a:buClr>
-                <a:srgbClr val="000000"/>
-              </a:buClr>
-              <a:buSzPct val="100000"/>
-              <a:buFont typeface="Times New Roman" panose="02020603050405020304" pitchFamily="18" charset="0"/>
-              <a:defRPr sz="2000">
-                <a:solidFill>
-                  <a:srgbClr val="000000"/>
-                </a:solidFill>
-                <a:latin typeface="Arial" panose="020B0604020202020204" pitchFamily="34" charset="0"/>
-                <a:ea typeface="Osaka" charset="0"/>
-                <a:cs typeface="Osaka" charset="0"/>
-              </a:defRPr>
-            </a:lvl6pPr>
-            <a:lvl7pPr eaLnBrk="0" fontAlgn="base" hangingPunct="0">
-              <a:spcBef>
-                <a:spcPts val="500"/>
-              </a:spcBef>
-              <a:spcAft>
-                <a:spcPct val="0"/>
-              </a:spcAft>
-              <a:buClr>
-                <a:srgbClr val="000000"/>
-              </a:buClr>
-              <a:buSzPct val="100000"/>
-              <a:buFont typeface="Times New Roman" panose="02020603050405020304" pitchFamily="18" charset="0"/>
-              <a:defRPr sz="2000">
-                <a:solidFill>
-                  <a:srgbClr val="000000"/>
-                </a:solidFill>
-                <a:latin typeface="Arial" panose="020B0604020202020204" pitchFamily="34" charset="0"/>
-                <a:ea typeface="Osaka" charset="0"/>
-                <a:cs typeface="Osaka" charset="0"/>
-              </a:defRPr>
-            </a:lvl7pPr>
-            <a:lvl8pPr eaLnBrk="0" fontAlgn="base" hangingPunct="0">
-              <a:spcBef>
-                <a:spcPts val="500"/>
-              </a:spcBef>
-              <a:spcAft>
-                <a:spcPct val="0"/>
-              </a:spcAft>
-              <a:buClr>
-                <a:srgbClr val="000000"/>
-              </a:buClr>
-              <a:buSzPct val="100000"/>
-              <a:buFont typeface="Times New Roman" panose="02020603050405020304" pitchFamily="18" charset="0"/>
-              <a:defRPr sz="2000">
-                <a:solidFill>
-                  <a:srgbClr val="000000"/>
-                </a:solidFill>
-                <a:latin typeface="Arial" panose="020B0604020202020204" pitchFamily="34" charset="0"/>
-                <a:ea typeface="Osaka" charset="0"/>
-                <a:cs typeface="Osaka" charset="0"/>
-              </a:defRPr>
-            </a:lvl8pPr>
-            <a:lvl9pPr eaLnBrk="0" fontAlgn="base" hangingPunct="0">
-              <a:spcBef>
-                <a:spcPts val="500"/>
-              </a:spcBef>
-              <a:spcAft>
-                <a:spcPct val="0"/>
-              </a:spcAft>
-              <a:buClr>
-                <a:srgbClr val="000000"/>
-              </a:buClr>
-              <a:buSzPct val="100000"/>
-              <a:buFont typeface="Times New Roman" panose="02020603050405020304" pitchFamily="18" charset="0"/>
-              <a:defRPr sz="2000">
-                <a:solidFill>
-                  <a:srgbClr val="000000"/>
-                </a:solidFill>
-                <a:latin typeface="Arial" panose="020B0604020202020204" pitchFamily="34" charset="0"/>
-                <a:ea typeface="Osaka" charset="0"/>
-                <a:cs typeface="Osaka" charset="0"/>
-              </a:defRPr>
-            </a:lvl9pPr>
-          </a:lstStyle>
-          <a:p>
-            <a:pPr lvl="1" defTabSz="914400" eaLnBrk="1" hangingPunct="1">
-              <a:spcBef>
-                <a:spcPct val="20000"/>
-              </a:spcBef>
-              <a:buClr>
-                <a:srgbClr val="FF0000"/>
-              </a:buClr>
-              <a:buFont typeface="Wingdings" panose="05000000000000000000" pitchFamily="2" charset="2"/>
-              <a:buChar char="q"/>
-            </a:pPr>
-            <a:r>
-              <a:rPr lang="fr-FR" altLang="en-US" dirty="0" smtClean="0">
-                <a:solidFill>
-                  <a:schemeClr val="tx1"/>
-                </a:solidFill>
-              </a:rPr>
-              <a:t>Les Virus sont attaqués en premier par les tours ! </a:t>
-            </a:r>
-            <a:endParaRPr lang="fr-FR" altLang="en-US" dirty="0">
-              <a:solidFill>
-                <a:schemeClr val="tx1"/>
-              </a:solidFill>
-            </a:endParaRPr>
-          </a:p>
-        </p:txBody>
-      </p:sp>
-      <p:pic>
-        <p:nvPicPr>
-          <p:cNvPr id="2" name="Image 1"/>
-          <p:cNvPicPr>
-            <a:picLocks noChangeAspect="1"/>
-          </p:cNvPicPr>
-          <p:nvPr/>
-        </p:nvPicPr>
-        <p:blipFill>
-          <a:blip r:embed="rId3"/>
-          <a:stretch>
-            <a:fillRect/>
-          </a:stretch>
-        </p:blipFill>
-        <p:spPr>
-          <a:xfrm>
-            <a:off x="2699792" y="3140968"/>
-            <a:ext cx="4000500" cy="2828925"/>
-          </a:xfrm>
-          <a:prstGeom prst="rect">
-            <a:avLst/>
-          </a:prstGeom>
-        </p:spPr>
-      </p:pic>
-    </p:spTree>
-  </p:cSld>
-  <p:clrMapOvr>
-    <a:masterClrMapping/>
-  </p:clrMapOvr>
-  <p:transition spd="med">
-    <p:fade/>
-  </p:transition>
-  <p:timing>
-    <p:tnLst>
-      <p:par>
-        <p:cTn id="1" dur="indefinite" nodeType="tmRoot">
-          <p:childTnLst>
-            <p:seq concurrent="1" nextAc="seek">
-              <p:cTn id="2" dur="0" nodeType="mainSeq"/>
-              <p:prevCondLst>
-                <p:cond evt="onPrev" delay="0">
-                  <p:tgtEl>
-                    <p:sldTgt/>
-                  </p:tgtEl>
-                </p:cond>
-              </p:prevCondLst>
-              <p:nextCondLst>
-                <p:cond evt="onNext" delay="0">
-                  <p:tgtEl>
-                    <p:sldTgt/>
-                  </p:tgtEl>
-                </p:cond>
-              </p:nextCondLst>
-            </p:seq>
-          </p:childTnLst>
-        </p:cTn>
-      </p:par>
-    </p:tnLst>
-  </p:timing>
-</p:sld>
-</file>
-
-<file path=ppt/slides/slide22.xml><?xml version="1.0" encoding="utf-8"?>
-<p:sld xmlns:a="http://schemas.openxmlformats.org/drawingml/2006/main" xmlns:r="http://schemas.openxmlformats.org/officeDocument/2006/relationships" xmlns:p="http://schemas.openxmlformats.org/presentationml/2006/main">
-  <p:cSld>
-    <p:spTree>
-      <p:nvGrpSpPr>
-        <p:cNvPr id="1" name=""/>
-        <p:cNvGrpSpPr/>
-        <p:nvPr/>
-      </p:nvGrpSpPr>
-      <p:grpSpPr>
-        <a:xfrm>
-          <a:off x="0" y="0"/>
-          <a:ext cx="0" cy="0"/>
-          <a:chOff x="0" y="0"/>
-          <a:chExt cx="0" cy="0"/>
-        </a:xfrm>
-      </p:grpSpPr>
-      <p:sp>
-        <p:nvSpPr>
-          <p:cNvPr id="11265" name="Rectangle 1"/>
-          <p:cNvSpPr>
-            <a:spLocks noGrp="1" noChangeArrowheads="1"/>
-          </p:cNvSpPr>
-          <p:nvPr>
-            <p:ph type="title" idx="4294967295"/>
-          </p:nvPr>
-        </p:nvSpPr>
-        <p:spPr>
-          <a:xfrm>
-            <a:off x="685800" y="609600"/>
-            <a:ext cx="7772400" cy="1143000"/>
-          </a:xfrm>
-        </p:spPr>
-        <p:txBody>
-          <a:bodyPr/>
-          <a:lstStyle/>
-          <a:p>
-            <a:pPr eaLnBrk="1" hangingPunct="1">
-              <a:buClrTx/>
-              <a:buFontTx/>
-              <a:buNone/>
-              <a:tabLst>
-                <a:tab pos="0" algn="l"/>
-                <a:tab pos="914400" algn="l"/>
-                <a:tab pos="1828800" algn="l"/>
-                <a:tab pos="2743200" algn="l"/>
-                <a:tab pos="3657600" algn="l"/>
-                <a:tab pos="4572000" algn="l"/>
-                <a:tab pos="5486400" algn="l"/>
-                <a:tab pos="6400800" algn="l"/>
-                <a:tab pos="7315200" algn="l"/>
-                <a:tab pos="8229600" algn="l"/>
-                <a:tab pos="9144000" algn="l"/>
-                <a:tab pos="10058400" algn="l"/>
-              </a:tabLst>
-              <a:defRPr/>
-            </a:pPr>
-            <a:r>
-              <a:rPr lang="fr-FR" altLang="fr-FR" dirty="0" smtClean="0">
-                <a:effectLst>
-                  <a:outerShdw blurRad="38100" dist="38100" dir="2700000" algn="tl">
-                    <a:srgbClr val="C0C0C0"/>
-                  </a:outerShdw>
-                </a:effectLst>
-              </a:rPr>
               <a:t>C’est quand même facile.</a:t>
             </a:r>
             <a:endParaRPr lang="fr-FR" altLang="fr-FR" dirty="0" smtClean="0">
@@ -28358,7 +27584,7 @@
 </p:sld>
 </file>
 
-<file path=ppt/slides/slide23.xml><?xml version="1.0" encoding="utf-8"?>
+<file path=ppt/slides/slide22.xml><?xml version="1.0" encoding="utf-8"?>
 <p:sld xmlns:a="http://schemas.openxmlformats.org/drawingml/2006/main" xmlns:r="http://schemas.openxmlformats.org/officeDocument/2006/relationships" xmlns:p="http://schemas.openxmlformats.org/presentationml/2006/main">
   <p:cSld>
     <p:spTree>
@@ -28881,7 +28107,7 @@
 </p:sld>
 </file>
 
-<file path=ppt/slides/slide24.xml><?xml version="1.0" encoding="utf-8"?>
+<file path=ppt/slides/slide23.xml><?xml version="1.0" encoding="utf-8"?>
 <p:sld xmlns:a="http://schemas.openxmlformats.org/drawingml/2006/main" xmlns:r="http://schemas.openxmlformats.org/officeDocument/2006/relationships" xmlns:p="http://schemas.openxmlformats.org/presentationml/2006/main">
   <p:cSld>
     <p:spTree>
@@ -29369,7 +28595,7 @@
 </p:sld>
 </file>
 
-<file path=ppt/slides/slide25.xml><?xml version="1.0" encoding="utf-8"?>
+<file path=ppt/slides/slide24.xml><?xml version="1.0" encoding="utf-8"?>
 <p:sld xmlns:a="http://schemas.openxmlformats.org/drawingml/2006/main" xmlns:r="http://schemas.openxmlformats.org/officeDocument/2006/relationships" xmlns:p="http://schemas.openxmlformats.org/presentationml/2006/main">
   <p:cSld>
     <p:spTree>
@@ -29831,7 +29057,7 @@
 </p:sld>
 </file>
 
-<file path=ppt/slides/slide26.xml><?xml version="1.0" encoding="utf-8"?>
+<file path=ppt/slides/slide25.xml><?xml version="1.0" encoding="utf-8"?>
 <p:sld xmlns:a="http://schemas.openxmlformats.org/drawingml/2006/main" xmlns:r="http://schemas.openxmlformats.org/officeDocument/2006/relationships" xmlns:p="http://schemas.openxmlformats.org/presentationml/2006/main">
   <p:cSld>
     <p:spTree>
@@ -30233,7 +29459,7 @@
 </p:sld>
 </file>
 
-<file path=ppt/slides/slide27.xml><?xml version="1.0" encoding="utf-8"?>
+<file path=ppt/slides/slide26.xml><?xml version="1.0" encoding="utf-8"?>
 <p:sld xmlns:a="http://schemas.openxmlformats.org/drawingml/2006/main" xmlns:r="http://schemas.openxmlformats.org/officeDocument/2006/relationships" xmlns:p="http://schemas.openxmlformats.org/presentationml/2006/main">
   <p:cSld>
     <p:spTree>
@@ -30746,6 +29972,491 @@
 </p:sld>
 </file>
 
+<file path=ppt/slides/slide27.xml><?xml version="1.0" encoding="utf-8"?>
+<p:sld xmlns:a="http://schemas.openxmlformats.org/drawingml/2006/main" xmlns:r="http://schemas.openxmlformats.org/officeDocument/2006/relationships" xmlns:p="http://schemas.openxmlformats.org/presentationml/2006/main">
+  <p:cSld>
+    <p:spTree>
+      <p:nvGrpSpPr>
+        <p:cNvPr id="1" name=""/>
+        <p:cNvGrpSpPr/>
+        <p:nvPr/>
+      </p:nvGrpSpPr>
+      <p:grpSpPr>
+        <a:xfrm>
+          <a:off x="0" y="0"/>
+          <a:ext cx="0" cy="0"/>
+          <a:chOff x="0" y="0"/>
+          <a:chExt cx="0" cy="0"/>
+        </a:xfrm>
+      </p:grpSpPr>
+      <p:sp>
+        <p:nvSpPr>
+          <p:cNvPr id="11265" name="Rectangle 1"/>
+          <p:cNvSpPr>
+            <a:spLocks noGrp="1" noChangeArrowheads="1"/>
+          </p:cNvSpPr>
+          <p:nvPr>
+            <p:ph type="title" idx="4294967295"/>
+          </p:nvPr>
+        </p:nvSpPr>
+        <p:spPr>
+          <a:xfrm>
+            <a:off x="685800" y="609600"/>
+            <a:ext cx="7772400" cy="1143000"/>
+          </a:xfrm>
+        </p:spPr>
+        <p:txBody>
+          <a:bodyPr/>
+          <a:lstStyle/>
+          <a:p>
+            <a:pPr eaLnBrk="1" hangingPunct="1">
+              <a:buClrTx/>
+              <a:buFontTx/>
+              <a:buNone/>
+              <a:tabLst>
+                <a:tab pos="0" algn="l"/>
+                <a:tab pos="914400" algn="l"/>
+                <a:tab pos="1828800" algn="l"/>
+                <a:tab pos="2743200" algn="l"/>
+                <a:tab pos="3657600" algn="l"/>
+                <a:tab pos="4572000" algn="l"/>
+                <a:tab pos="5486400" algn="l"/>
+                <a:tab pos="6400800" algn="l"/>
+                <a:tab pos="7315200" algn="l"/>
+                <a:tab pos="8229600" algn="l"/>
+                <a:tab pos="9144000" algn="l"/>
+                <a:tab pos="10058400" algn="l"/>
+              </a:tabLst>
+              <a:defRPr/>
+            </a:pPr>
+            <a:r>
+              <a:rPr lang="fr-FR" altLang="fr-FR" dirty="0" smtClean="0">
+                <a:effectLst>
+                  <a:outerShdw blurRad="38100" dist="38100" dir="2700000" algn="tl">
+                    <a:srgbClr val="C0C0C0"/>
+                  </a:outerShdw>
+                </a:effectLst>
+              </a:rPr>
+              <a:t>Les entités - caractéristiques</a:t>
+            </a:r>
+            <a:endParaRPr lang="fr-FR" altLang="fr-FR" dirty="0" smtClean="0">
+              <a:effectLst>
+                <a:outerShdw blurRad="38100" dist="38100" dir="2700000" algn="tl">
+                  <a:srgbClr val="C0C0C0"/>
+                </a:outerShdw>
+              </a:effectLst>
+            </a:endParaRPr>
+          </a:p>
+        </p:txBody>
+      </p:sp>
+      <p:sp>
+        <p:nvSpPr>
+          <p:cNvPr id="40963" name="Espace réservé du contenu 1"/>
+          <p:cNvSpPr txBox="1">
+            <a:spLocks/>
+          </p:cNvSpPr>
+          <p:nvPr/>
+        </p:nvSpPr>
+        <p:spPr bwMode="auto">
+          <a:xfrm>
+            <a:off x="323850" y="2060575"/>
+            <a:ext cx="8443913" cy="4264025"/>
+          </a:xfrm>
+          <a:prstGeom prst="rect">
+            <a:avLst/>
+          </a:prstGeom>
+          <a:noFill/>
+          <a:ln>
+            <a:noFill/>
+          </a:ln>
+          <a:extLst>
+            <a:ext uri="{909E8E84-426E-40DD-AFC4-6F175D3DCCD1}">
+              <a14:hiddenFill xmlns:a14="http://schemas.microsoft.com/office/drawing/2010/main">
+                <a:solidFill>
+                  <a:srgbClr val="FFFFFF"/>
+                </a:solidFill>
+              </a14:hiddenFill>
+            </a:ext>
+            <a:ext uri="{91240B29-F687-4F45-9708-019B960494DF}">
+              <a14:hiddenLine xmlns:a14="http://schemas.microsoft.com/office/drawing/2010/main" w="9525">
+                <a:solidFill>
+                  <a:srgbClr val="000000"/>
+                </a:solidFill>
+                <a:miter lim="800000"/>
+                <a:headEnd/>
+                <a:tailEnd/>
+              </a14:hiddenLine>
+            </a:ext>
+          </a:extLst>
+        </p:spPr>
+        <p:txBody>
+          <a:bodyPr/>
+          <a:lstStyle>
+            <a:lvl1pPr>
+              <a:spcBef>
+                <a:spcPts val="800"/>
+              </a:spcBef>
+              <a:buClr>
+                <a:srgbClr val="000000"/>
+              </a:buClr>
+              <a:buSzPct val="100000"/>
+              <a:buFont typeface="Times New Roman" panose="02020603050405020304" pitchFamily="18" charset="0"/>
+              <a:defRPr sz="3200">
+                <a:solidFill>
+                  <a:srgbClr val="000000"/>
+                </a:solidFill>
+                <a:latin typeface="Arial" panose="020B0604020202020204" pitchFamily="34" charset="0"/>
+                <a:ea typeface="Osaka" charset="0"/>
+                <a:cs typeface="Osaka" charset="0"/>
+              </a:defRPr>
+            </a:lvl1pPr>
+            <a:lvl2pPr marL="914400" indent="-457200">
+              <a:spcBef>
+                <a:spcPts val="700"/>
+              </a:spcBef>
+              <a:buClr>
+                <a:srgbClr val="000000"/>
+              </a:buClr>
+              <a:buSzPct val="100000"/>
+              <a:buFont typeface="Times New Roman" panose="02020603050405020304" pitchFamily="18" charset="0"/>
+              <a:defRPr sz="2800">
+                <a:solidFill>
+                  <a:srgbClr val="000000"/>
+                </a:solidFill>
+                <a:latin typeface="Arial" panose="020B0604020202020204" pitchFamily="34" charset="0"/>
+                <a:ea typeface="Osaka" charset="0"/>
+                <a:cs typeface="Osaka" charset="0"/>
+              </a:defRPr>
+            </a:lvl2pPr>
+            <a:lvl3pPr marL="914400">
+              <a:spcBef>
+                <a:spcPts val="600"/>
+              </a:spcBef>
+              <a:buClr>
+                <a:srgbClr val="000000"/>
+              </a:buClr>
+              <a:buSzPct val="100000"/>
+              <a:buFont typeface="Times New Roman" panose="02020603050405020304" pitchFamily="18" charset="0"/>
+              <a:defRPr sz="2400">
+                <a:solidFill>
+                  <a:srgbClr val="000000"/>
+                </a:solidFill>
+                <a:latin typeface="Arial" panose="020B0604020202020204" pitchFamily="34" charset="0"/>
+                <a:ea typeface="Osaka" charset="0"/>
+                <a:cs typeface="Osaka" charset="0"/>
+              </a:defRPr>
+            </a:lvl3pPr>
+            <a:lvl4pPr marL="1371600">
+              <a:spcBef>
+                <a:spcPts val="500"/>
+              </a:spcBef>
+              <a:buClr>
+                <a:srgbClr val="000000"/>
+              </a:buClr>
+              <a:buSzPct val="100000"/>
+              <a:buFont typeface="Times New Roman" panose="02020603050405020304" pitchFamily="18" charset="0"/>
+              <a:defRPr sz="2000">
+                <a:solidFill>
+                  <a:srgbClr val="000000"/>
+                </a:solidFill>
+                <a:latin typeface="Arial" panose="020B0604020202020204" pitchFamily="34" charset="0"/>
+                <a:ea typeface="Osaka" charset="0"/>
+                <a:cs typeface="Osaka" charset="0"/>
+              </a:defRPr>
+            </a:lvl4pPr>
+            <a:lvl5pPr marL="1828800">
+              <a:spcBef>
+                <a:spcPts val="500"/>
+              </a:spcBef>
+              <a:buClr>
+                <a:srgbClr val="000000"/>
+              </a:buClr>
+              <a:buSzPct val="100000"/>
+              <a:buFont typeface="Times New Roman" panose="02020603050405020304" pitchFamily="18" charset="0"/>
+              <a:defRPr sz="2000">
+                <a:solidFill>
+                  <a:srgbClr val="000000"/>
+                </a:solidFill>
+                <a:latin typeface="Arial" panose="020B0604020202020204" pitchFamily="34" charset="0"/>
+                <a:ea typeface="Osaka" charset="0"/>
+                <a:cs typeface="Osaka" charset="0"/>
+              </a:defRPr>
+            </a:lvl5pPr>
+            <a:lvl6pPr eaLnBrk="0" fontAlgn="base" hangingPunct="0">
+              <a:spcBef>
+                <a:spcPts val="500"/>
+              </a:spcBef>
+              <a:spcAft>
+                <a:spcPct val="0"/>
+              </a:spcAft>
+              <a:buClr>
+                <a:srgbClr val="000000"/>
+              </a:buClr>
+              <a:buSzPct val="100000"/>
+              <a:buFont typeface="Times New Roman" panose="02020603050405020304" pitchFamily="18" charset="0"/>
+              <a:defRPr sz="2000">
+                <a:solidFill>
+                  <a:srgbClr val="000000"/>
+                </a:solidFill>
+                <a:latin typeface="Arial" panose="020B0604020202020204" pitchFamily="34" charset="0"/>
+                <a:ea typeface="Osaka" charset="0"/>
+                <a:cs typeface="Osaka" charset="0"/>
+              </a:defRPr>
+            </a:lvl6pPr>
+            <a:lvl7pPr eaLnBrk="0" fontAlgn="base" hangingPunct="0">
+              <a:spcBef>
+                <a:spcPts val="500"/>
+              </a:spcBef>
+              <a:spcAft>
+                <a:spcPct val="0"/>
+              </a:spcAft>
+              <a:buClr>
+                <a:srgbClr val="000000"/>
+              </a:buClr>
+              <a:buSzPct val="100000"/>
+              <a:buFont typeface="Times New Roman" panose="02020603050405020304" pitchFamily="18" charset="0"/>
+              <a:defRPr sz="2000">
+                <a:solidFill>
+                  <a:srgbClr val="000000"/>
+                </a:solidFill>
+                <a:latin typeface="Arial" panose="020B0604020202020204" pitchFamily="34" charset="0"/>
+                <a:ea typeface="Osaka" charset="0"/>
+                <a:cs typeface="Osaka" charset="0"/>
+              </a:defRPr>
+            </a:lvl7pPr>
+            <a:lvl8pPr eaLnBrk="0" fontAlgn="base" hangingPunct="0">
+              <a:spcBef>
+                <a:spcPts val="500"/>
+              </a:spcBef>
+              <a:spcAft>
+                <a:spcPct val="0"/>
+              </a:spcAft>
+              <a:buClr>
+                <a:srgbClr val="000000"/>
+              </a:buClr>
+              <a:buSzPct val="100000"/>
+              <a:buFont typeface="Times New Roman" panose="02020603050405020304" pitchFamily="18" charset="0"/>
+              <a:defRPr sz="2000">
+                <a:solidFill>
+                  <a:srgbClr val="000000"/>
+                </a:solidFill>
+                <a:latin typeface="Arial" panose="020B0604020202020204" pitchFamily="34" charset="0"/>
+                <a:ea typeface="Osaka" charset="0"/>
+                <a:cs typeface="Osaka" charset="0"/>
+              </a:defRPr>
+            </a:lvl8pPr>
+            <a:lvl9pPr eaLnBrk="0" fontAlgn="base" hangingPunct="0">
+              <a:spcBef>
+                <a:spcPts val="500"/>
+              </a:spcBef>
+              <a:spcAft>
+                <a:spcPct val="0"/>
+              </a:spcAft>
+              <a:buClr>
+                <a:srgbClr val="000000"/>
+              </a:buClr>
+              <a:buSzPct val="100000"/>
+              <a:buFont typeface="Times New Roman" panose="02020603050405020304" pitchFamily="18" charset="0"/>
+              <a:defRPr sz="2000">
+                <a:solidFill>
+                  <a:srgbClr val="000000"/>
+                </a:solidFill>
+                <a:latin typeface="Arial" panose="020B0604020202020204" pitchFamily="34" charset="0"/>
+                <a:ea typeface="Osaka" charset="0"/>
+                <a:cs typeface="Osaka" charset="0"/>
+              </a:defRPr>
+            </a:lvl9pPr>
+          </a:lstStyle>
+          <a:p>
+            <a:pPr lvl="1" defTabSz="914400" eaLnBrk="1" hangingPunct="1">
+              <a:spcBef>
+                <a:spcPct val="20000"/>
+              </a:spcBef>
+              <a:buClr>
+                <a:srgbClr val="FF0000"/>
+              </a:buClr>
+              <a:buFont typeface="Wingdings" panose="05000000000000000000" pitchFamily="2" charset="2"/>
+              <a:buChar char="q"/>
+            </a:pPr>
+            <a:r>
+              <a:rPr lang="fr-FR" altLang="en-US" dirty="0" smtClean="0">
+                <a:solidFill>
+                  <a:schemeClr val="tx1"/>
+                </a:solidFill>
+              </a:rPr>
+              <a:t>HP / HP Max</a:t>
+            </a:r>
+          </a:p>
+          <a:p>
+            <a:pPr lvl="1" defTabSz="914400" eaLnBrk="1" hangingPunct="1">
+              <a:spcBef>
+                <a:spcPct val="20000"/>
+              </a:spcBef>
+              <a:buClr>
+                <a:srgbClr val="FF0000"/>
+              </a:buClr>
+              <a:buFont typeface="Wingdings" panose="05000000000000000000" pitchFamily="2" charset="2"/>
+              <a:buChar char="q"/>
+            </a:pPr>
+            <a:r>
+              <a:rPr lang="fr-FR" altLang="en-US" dirty="0" smtClean="0">
+                <a:solidFill>
+                  <a:schemeClr val="tx1"/>
+                </a:solidFill>
+              </a:rPr>
+              <a:t>Armure / Résistance magique</a:t>
+            </a:r>
+          </a:p>
+          <a:p>
+            <a:pPr lvl="1" defTabSz="914400" eaLnBrk="1" hangingPunct="1">
+              <a:spcBef>
+                <a:spcPct val="20000"/>
+              </a:spcBef>
+              <a:buClr>
+                <a:srgbClr val="FF0000"/>
+              </a:buClr>
+              <a:buFont typeface="Wingdings" panose="05000000000000000000" pitchFamily="2" charset="2"/>
+              <a:buChar char="q"/>
+            </a:pPr>
+            <a:r>
+              <a:rPr lang="fr-FR" altLang="en-US" dirty="0" smtClean="0">
+                <a:solidFill>
+                  <a:schemeClr val="tx1"/>
+                </a:solidFill>
+              </a:rPr>
+              <a:t>Dégâts d’attaque / Pouvoir</a:t>
+            </a:r>
+          </a:p>
+          <a:p>
+            <a:pPr lvl="1" defTabSz="914400" eaLnBrk="1" hangingPunct="1">
+              <a:spcBef>
+                <a:spcPct val="20000"/>
+              </a:spcBef>
+              <a:buClr>
+                <a:srgbClr val="FF0000"/>
+              </a:buClr>
+              <a:buFont typeface="Wingdings" panose="05000000000000000000" pitchFamily="2" charset="2"/>
+              <a:buChar char="q"/>
+            </a:pPr>
+            <a:r>
+              <a:rPr lang="fr-FR" altLang="en-US" dirty="0" smtClean="0">
+                <a:solidFill>
+                  <a:schemeClr val="tx1"/>
+                </a:solidFill>
+              </a:rPr>
+              <a:t>Vitesse de déplacement</a:t>
+            </a:r>
+          </a:p>
+          <a:p>
+            <a:pPr lvl="1" defTabSz="914400" eaLnBrk="1" hangingPunct="1">
+              <a:spcBef>
+                <a:spcPct val="20000"/>
+              </a:spcBef>
+              <a:buClr>
+                <a:srgbClr val="FF0000"/>
+              </a:buClr>
+              <a:buFont typeface="Wingdings" panose="05000000000000000000" pitchFamily="2" charset="2"/>
+              <a:buChar char="q"/>
+            </a:pPr>
+            <a:r>
+              <a:rPr lang="fr-FR" altLang="en-US" dirty="0" smtClean="0">
+                <a:solidFill>
+                  <a:schemeClr val="tx1"/>
+                </a:solidFill>
+              </a:rPr>
+              <a:t>Vitesse d’attaque</a:t>
+            </a:r>
+          </a:p>
+          <a:p>
+            <a:pPr lvl="1" defTabSz="914400" eaLnBrk="1" hangingPunct="1">
+              <a:spcBef>
+                <a:spcPct val="20000"/>
+              </a:spcBef>
+              <a:buClr>
+                <a:srgbClr val="FF0000"/>
+              </a:buClr>
+              <a:buFont typeface="Wingdings" panose="05000000000000000000" pitchFamily="2" charset="2"/>
+              <a:buChar char="q"/>
+            </a:pPr>
+            <a:r>
+              <a:rPr lang="fr-FR" altLang="en-US" dirty="0" smtClean="0">
+                <a:solidFill>
+                  <a:schemeClr val="tx1"/>
+                </a:solidFill>
+              </a:rPr>
+              <a:t>Réduction de délais de récupération (CDR)</a:t>
+            </a:r>
+          </a:p>
+          <a:p>
+            <a:pPr lvl="1" defTabSz="914400" eaLnBrk="1" hangingPunct="1">
+              <a:spcBef>
+                <a:spcPct val="20000"/>
+              </a:spcBef>
+              <a:buClr>
+                <a:srgbClr val="FF0000"/>
+              </a:buClr>
+              <a:buFont typeface="Wingdings" panose="05000000000000000000" pitchFamily="2" charset="2"/>
+              <a:buChar char="q"/>
+            </a:pPr>
+            <a:r>
+              <a:rPr lang="fr-FR" altLang="en-US" dirty="0" smtClean="0">
+                <a:solidFill>
+                  <a:schemeClr val="tx1"/>
+                </a:solidFill>
+              </a:rPr>
+              <a:t>Régénération de HP</a:t>
+            </a:r>
+            <a:endParaRPr lang="fr-FR" altLang="en-US" dirty="0">
+              <a:solidFill>
+                <a:schemeClr val="tx1"/>
+              </a:solidFill>
+            </a:endParaRPr>
+          </a:p>
+        </p:txBody>
+      </p:sp>
+    </p:spTree>
+    <p:extLst>
+      <p:ext uri="{BB962C8B-B14F-4D97-AF65-F5344CB8AC3E}">
+        <p14:creationId xmlns:p14="http://schemas.microsoft.com/office/powerpoint/2010/main" val="27512541"/>
+      </p:ext>
+    </p:extLst>
+  </p:cSld>
+  <p:clrMapOvr>
+    <a:masterClrMapping/>
+  </p:clrMapOvr>
+  <p:transition spd="med">
+    <p:fade/>
+  </p:transition>
+  <p:timing>
+    <p:tnLst>
+      <p:par>
+        <p:cTn id="1" dur="indefinite" nodeType="tmRoot">
+          <p:childTnLst>
+            <p:seq concurrent="1" nextAc="seek">
+              <p:cTn id="2" dur="0" nodeType="mainSeq"/>
+              <p:prevCondLst>
+                <p:cond evt="onPrev" delay="0">
+                  <p:tgtEl>
+                    <p:sldTgt/>
+                  </p:tgtEl>
+                </p:cond>
+              </p:prevCondLst>
+              <p:nextCondLst>
+                <p:cond evt="onNext" delay="0">
+                  <p:tgtEl>
+                    <p:sldTgt/>
+                  </p:tgtEl>
+                </p:cond>
+              </p:nextCondLst>
+            </p:seq>
+          </p:childTnLst>
+        </p:cTn>
+      </p:par>
+    </p:tnLst>
+  </p:timing>
+</p:sld>
+</file>
+
 <file path=ppt/slides/slide28.xml><?xml version="1.0" encoding="utf-8"?>
 <p:sld xmlns:a="http://schemas.openxmlformats.org/drawingml/2006/main" xmlns:r="http://schemas.openxmlformats.org/officeDocument/2006/relationships" xmlns:p="http://schemas.openxmlformats.org/presentationml/2006/main">
   <p:cSld>
@@ -30811,7 +30522,17 @@
                   </a:outerShdw>
                 </a:effectLst>
               </a:rPr>
-              <a:t>Les entités - caractéristiques</a:t>
+              <a:t>Les héros - </a:t>
+            </a:r>
+            <a:r>
+              <a:rPr lang="fr-FR" altLang="fr-FR" dirty="0" err="1" smtClean="0">
+                <a:effectLst>
+                  <a:outerShdw blurRad="38100" dist="38100" dir="2700000" algn="tl">
+                    <a:srgbClr val="C0C0C0"/>
+                  </a:outerShdw>
+                </a:effectLst>
+              </a:rPr>
+              <a:t>Roles</a:t>
             </a:r>
             <a:endParaRPr lang="fr-FR" altLang="fr-FR" dirty="0" smtClean="0">
               <a:effectLst>
@@ -31058,8 +30779,86 @@
                   <a:schemeClr val="tx1"/>
                 </a:solidFill>
               </a:rPr>
-              <a:t>HP / HP Max</a:t>
+              <a:t>Mage : + de soins, + de </a:t>
             </a:r>
+            <a:r>
+              <a:rPr lang="fr-FR" altLang="en-US" dirty="0" err="1" smtClean="0">
+                <a:solidFill>
+                  <a:schemeClr val="tx1"/>
+                </a:solidFill>
+              </a:rPr>
+              <a:t>shields</a:t>
+            </a:r>
+            <a:r>
+              <a:rPr lang="fr-FR" altLang="en-US" dirty="0" smtClean="0">
+                <a:solidFill>
+                  <a:schemeClr val="tx1"/>
+                </a:solidFill>
+              </a:rPr>
+              <a:t>, + de contrôles</a:t>
+            </a:r>
+          </a:p>
+          <a:p>
+            <a:pPr lvl="1" defTabSz="914400" eaLnBrk="1" hangingPunct="1">
+              <a:spcBef>
+                <a:spcPct val="20000"/>
+              </a:spcBef>
+              <a:buClr>
+                <a:srgbClr val="FF0000"/>
+              </a:buClr>
+              <a:buFont typeface="Wingdings" panose="05000000000000000000" pitchFamily="2" charset="2"/>
+              <a:buChar char="q"/>
+            </a:pPr>
+            <a:endParaRPr lang="fr-FR" altLang="en-US" dirty="0" smtClean="0">
+              <a:solidFill>
+                <a:schemeClr val="tx1"/>
+              </a:solidFill>
+            </a:endParaRPr>
+          </a:p>
+          <a:p>
+            <a:pPr lvl="1" defTabSz="914400" eaLnBrk="1" hangingPunct="1">
+              <a:spcBef>
+                <a:spcPct val="20000"/>
+              </a:spcBef>
+              <a:buClr>
+                <a:srgbClr val="FF0000"/>
+              </a:buClr>
+              <a:buFont typeface="Wingdings" panose="05000000000000000000" pitchFamily="2" charset="2"/>
+              <a:buChar char="q"/>
+            </a:pPr>
+            <a:r>
+              <a:rPr lang="fr-FR" altLang="en-US" dirty="0" err="1" smtClean="0">
+                <a:solidFill>
+                  <a:schemeClr val="tx1"/>
+                </a:solidFill>
+              </a:rPr>
+              <a:t>Fighter</a:t>
+            </a:r>
+            <a:r>
+              <a:rPr lang="fr-FR" altLang="en-US" dirty="0" smtClean="0">
+                <a:solidFill>
+                  <a:schemeClr val="tx1"/>
+                </a:solidFill>
+              </a:rPr>
+              <a:t>: + de DEGAAATS. Durée d’invisibilité + grande.</a:t>
+            </a:r>
+          </a:p>
+          <a:p>
+            <a:pPr lvl="1" defTabSz="914400" eaLnBrk="1" hangingPunct="1">
+              <a:spcBef>
+                <a:spcPct val="20000"/>
+              </a:spcBef>
+              <a:buClr>
+                <a:srgbClr val="FF0000"/>
+              </a:buClr>
+              <a:buFont typeface="Wingdings" panose="05000000000000000000" pitchFamily="2" charset="2"/>
+              <a:buChar char="q"/>
+            </a:pPr>
+            <a:endParaRPr lang="fr-FR" altLang="en-US" dirty="0" smtClean="0">
+              <a:solidFill>
+                <a:schemeClr val="tx1"/>
+              </a:solidFill>
+            </a:endParaRPr>
           </a:p>
           <a:p>
             <a:pPr lvl="1" defTabSz="914400" eaLnBrk="1" hangingPunct="1">
@@ -31078,107 +30877,7 @@
                   <a:schemeClr val="tx1"/>
                 </a:solidFill>
               </a:rPr>
-              <a:t>Armure / Résistance magique</a:t>
-            </a:r>
-          </a:p>
-          <a:p>
-            <a:pPr lvl="1" defTabSz="914400" eaLnBrk="1" hangingPunct="1">
-              <a:spcBef>
-                <a:spcPct val="20000"/>
-              </a:spcBef>
-              <a:buClr>
-                <a:srgbClr val="FF0000"/>
-              </a:buClr>
-              <a:buFont typeface="Wingdings" panose="05000000000000000000" pitchFamily="2" charset="2"/>
-              <a:buChar char="q"/>
-            </a:pPr>
-            <a:r>
-              <a:rPr lang="fr-FR" altLang="en-US" dirty="0" smtClean="0">
-                <a:solidFill>
-                  <a:schemeClr val="tx1"/>
-                </a:solidFill>
-              </a:rPr>
-              <a:t>Dégâts d’attaque / Pouvoir</a:t>
-            </a:r>
-          </a:p>
-          <a:p>
-            <a:pPr lvl="1" defTabSz="914400" eaLnBrk="1" hangingPunct="1">
-              <a:spcBef>
-                <a:spcPct val="20000"/>
-              </a:spcBef>
-              <a:buClr>
-                <a:srgbClr val="FF0000"/>
-              </a:buClr>
-              <a:buFont typeface="Wingdings" panose="05000000000000000000" pitchFamily="2" charset="2"/>
-              <a:buChar char="q"/>
-            </a:pPr>
-            <a:r>
-              <a:rPr lang="fr-FR" altLang="en-US" dirty="0" smtClean="0">
-                <a:solidFill>
-                  <a:schemeClr val="tx1"/>
-                </a:solidFill>
-              </a:rPr>
-              <a:t>Vitesse de déplacement</a:t>
-            </a:r>
-          </a:p>
-          <a:p>
-            <a:pPr lvl="1" defTabSz="914400" eaLnBrk="1" hangingPunct="1">
-              <a:spcBef>
-                <a:spcPct val="20000"/>
-              </a:spcBef>
-              <a:buClr>
-                <a:srgbClr val="FF0000"/>
-              </a:buClr>
-              <a:buFont typeface="Wingdings" panose="05000000000000000000" pitchFamily="2" charset="2"/>
-              <a:buChar char="q"/>
-            </a:pPr>
-            <a:r>
-              <a:rPr lang="fr-FR" altLang="en-US" dirty="0" smtClean="0">
-                <a:solidFill>
-                  <a:schemeClr val="tx1"/>
-                </a:solidFill>
-              </a:rPr>
-              <a:t>Vitesse d’attaque</a:t>
-            </a:r>
-          </a:p>
-          <a:p>
-            <a:pPr lvl="1" defTabSz="914400" eaLnBrk="1" hangingPunct="1">
-              <a:spcBef>
-                <a:spcPct val="20000"/>
-              </a:spcBef>
-              <a:buClr>
-                <a:srgbClr val="FF0000"/>
-              </a:buClr>
-              <a:buFont typeface="Wingdings" panose="05000000000000000000" pitchFamily="2" charset="2"/>
-              <a:buChar char="q"/>
-            </a:pPr>
-            <a:r>
-              <a:rPr lang="fr-FR" altLang="en-US" dirty="0" smtClean="0">
-                <a:solidFill>
-                  <a:schemeClr val="tx1"/>
-                </a:solidFill>
-              </a:rPr>
-              <a:t>Réduction de délais de récupération (CDR)</a:t>
-            </a:r>
-          </a:p>
-          <a:p>
-            <a:pPr lvl="1" defTabSz="914400" eaLnBrk="1" hangingPunct="1">
-              <a:spcBef>
-                <a:spcPct val="20000"/>
-              </a:spcBef>
-              <a:buClr>
-                <a:srgbClr val="FF0000"/>
-              </a:buClr>
-              <a:buFont typeface="Wingdings" panose="05000000000000000000" pitchFamily="2" charset="2"/>
-              <a:buChar char="q"/>
-            </a:pPr>
-            <a:r>
-              <a:rPr lang="fr-FR" altLang="en-US" dirty="0" smtClean="0">
-                <a:solidFill>
-                  <a:schemeClr val="tx1"/>
-                </a:solidFill>
-              </a:rPr>
-              <a:t>Régénération de HP</a:t>
+              <a:t>Tank : + de résistance, + de résistance aux contrôles.</a:t>
             </a:r>
             <a:endParaRPr lang="fr-FR" altLang="en-US" dirty="0">
               <a:solidFill>
@@ -31191,7 +30890,7 @@
     </p:spTree>
     <p:extLst>
       <p:ext uri="{BB962C8B-B14F-4D97-AF65-F5344CB8AC3E}">
-        <p14:creationId xmlns:p14="http://schemas.microsoft.com/office/powerpoint/2010/main" val="27512541"/>
+        <p14:creationId xmlns:p14="http://schemas.microsoft.com/office/powerpoint/2010/main" val="1645621720"/>
       </p:ext>
     </p:extLst>
   </p:cSld>
@@ -31296,17 +30995,28 @@
                   </a:outerShdw>
                 </a:effectLst>
               </a:rPr>
-              <a:t>Les héros - </a:t>
+              <a:t>Les altérations d’états</a:t>
             </a:r>
-            <a:r>
-              <a:rPr lang="fr-FR" altLang="fr-FR" dirty="0" err="1" smtClean="0">
+            <a:br>
+              <a:rPr lang="fr-FR" altLang="fr-FR" dirty="0" smtClean="0">
                 <a:effectLst>
                   <a:outerShdw blurRad="38100" dist="38100" dir="2700000" algn="tl">
                     <a:srgbClr val="C0C0C0"/>
                   </a:outerShdw>
                 </a:effectLst>
               </a:rPr>
-              <a:t>Roles</a:t>
+            </a:br>
+            <a:r>
+              <a:rPr lang="fr-FR" dirty="0" err="1">
+                <a:solidFill>
+                  <a:srgbClr val="2B91AF"/>
+                </a:solidFill>
+                <a:highlight>
+                  <a:srgbClr val="FFFFFF"/>
+                </a:highlight>
+                <a:latin typeface="Consolas" panose="020B0609020204030204" pitchFamily="49" charset="0"/>
+              </a:rPr>
+              <a:t>StateAlterationModelView</a:t>
             </a:r>
             <a:endParaRPr lang="fr-FR" altLang="fr-FR" dirty="0" smtClean="0">
               <a:effectLst>
@@ -31553,86 +31263,8 @@
                   <a:schemeClr val="tx1"/>
                 </a:solidFill>
               </a:rPr>
-              <a:t>Mage : + de soins, + de </a:t>
+              <a:t>Elles décrivent les effets des sorts, et des attaques.</a:t>
             </a:r>
-            <a:r>
-              <a:rPr lang="fr-FR" altLang="en-US" dirty="0" err="1" smtClean="0">
-                <a:solidFill>
-                  <a:schemeClr val="tx1"/>
-                </a:solidFill>
-              </a:rPr>
-              <a:t>shields</a:t>
-            </a:r>
-            <a:r>
-              <a:rPr lang="fr-FR" altLang="en-US" dirty="0" smtClean="0">
-                <a:solidFill>
-                  <a:schemeClr val="tx1"/>
-                </a:solidFill>
-              </a:rPr>
-              <a:t>, + de contrôles</a:t>
-            </a:r>
-          </a:p>
-          <a:p>
-            <a:pPr lvl="1" defTabSz="914400" eaLnBrk="1" hangingPunct="1">
-              <a:spcBef>
-                <a:spcPct val="20000"/>
-              </a:spcBef>
-              <a:buClr>
-                <a:srgbClr val="FF0000"/>
-              </a:buClr>
-              <a:buFont typeface="Wingdings" panose="05000000000000000000" pitchFamily="2" charset="2"/>
-              <a:buChar char="q"/>
-            </a:pPr>
-            <a:endParaRPr lang="fr-FR" altLang="en-US" dirty="0" smtClean="0">
-              <a:solidFill>
-                <a:schemeClr val="tx1"/>
-              </a:solidFill>
-            </a:endParaRPr>
-          </a:p>
-          <a:p>
-            <a:pPr lvl="1" defTabSz="914400" eaLnBrk="1" hangingPunct="1">
-              <a:spcBef>
-                <a:spcPct val="20000"/>
-              </a:spcBef>
-              <a:buClr>
-                <a:srgbClr val="FF0000"/>
-              </a:buClr>
-              <a:buFont typeface="Wingdings" panose="05000000000000000000" pitchFamily="2" charset="2"/>
-              <a:buChar char="q"/>
-            </a:pPr>
-            <a:r>
-              <a:rPr lang="fr-FR" altLang="en-US" dirty="0" err="1" smtClean="0">
-                <a:solidFill>
-                  <a:schemeClr val="tx1"/>
-                </a:solidFill>
-              </a:rPr>
-              <a:t>Fighter</a:t>
-            </a:r>
-            <a:r>
-              <a:rPr lang="fr-FR" altLang="en-US" dirty="0" smtClean="0">
-                <a:solidFill>
-                  <a:schemeClr val="tx1"/>
-                </a:solidFill>
-              </a:rPr>
-              <a:t>: + de DEGAAATS. Durée d’invisibilité + grande.</a:t>
-            </a:r>
-          </a:p>
-          <a:p>
-            <a:pPr lvl="1" defTabSz="914400" eaLnBrk="1" hangingPunct="1">
-              <a:spcBef>
-                <a:spcPct val="20000"/>
-              </a:spcBef>
-              <a:buClr>
-                <a:srgbClr val="FF0000"/>
-              </a:buClr>
-              <a:buFont typeface="Wingdings" panose="05000000000000000000" pitchFamily="2" charset="2"/>
-              <a:buChar char="q"/>
-            </a:pPr>
-            <a:endParaRPr lang="fr-FR" altLang="en-US" dirty="0" smtClean="0">
-              <a:solidFill>
-                <a:schemeClr val="tx1"/>
-              </a:solidFill>
-            </a:endParaRPr>
           </a:p>
           <a:p>
             <a:pPr lvl="1" defTabSz="914400" eaLnBrk="1" hangingPunct="1">
@@ -31651,7 +31283,79 @@
                   <a:schemeClr val="tx1"/>
                 </a:solidFill>
               </a:rPr>
-              <a:t>Tank : + de résistance, + de résistance aux contrôles.</a:t>
+              <a:t>Caractérisées par un type (Dégâts, bonus de caractéristiques etc… (</a:t>
+            </a:r>
+            <a:r>
+              <a:rPr lang="fr-FR" altLang="en-US" dirty="0" err="1" smtClean="0">
+                <a:solidFill>
+                  <a:schemeClr val="tx1"/>
+                </a:solidFill>
+              </a:rPr>
+              <a:t>cf</a:t>
+            </a:r>
+            <a:r>
+              <a:rPr lang="fr-FR" altLang="en-US" dirty="0" smtClean="0">
+                <a:solidFill>
+                  <a:schemeClr val="tx1"/>
+                </a:solidFill>
+              </a:rPr>
+              <a:t> la doc))</a:t>
+            </a:r>
+          </a:p>
+          <a:p>
+            <a:pPr lvl="1" defTabSz="914400" eaLnBrk="1" hangingPunct="1">
+              <a:spcBef>
+                <a:spcPct val="20000"/>
+              </a:spcBef>
+              <a:buClr>
+                <a:srgbClr val="FF0000"/>
+              </a:buClr>
+              <a:buFont typeface="Wingdings" panose="05000000000000000000" pitchFamily="2" charset="2"/>
+              <a:buChar char="q"/>
+            </a:pPr>
+            <a:r>
+              <a:rPr lang="fr-FR" altLang="en-US" dirty="0" smtClean="0">
+                <a:solidFill>
+                  <a:schemeClr val="tx1"/>
+                </a:solidFill>
+              </a:rPr>
+              <a:t>Une durée (sauf pour les dégâts =&gt; durée = 0)</a:t>
+            </a:r>
+          </a:p>
+          <a:p>
+            <a:pPr lvl="1" defTabSz="914400" eaLnBrk="1" hangingPunct="1">
+              <a:spcBef>
+                <a:spcPct val="20000"/>
+              </a:spcBef>
+              <a:buClr>
+                <a:srgbClr val="FF0000"/>
+              </a:buClr>
+              <a:buFont typeface="Wingdings" panose="05000000000000000000" pitchFamily="2" charset="2"/>
+              <a:buChar char="q"/>
+            </a:pPr>
+            <a:r>
+              <a:rPr lang="fr-FR" altLang="en-US" dirty="0" smtClean="0">
+                <a:solidFill>
+                  <a:schemeClr val="tx1"/>
+                </a:solidFill>
+              </a:rPr>
+              <a:t>Une valeur : une composante « flat », et des composantes de « </a:t>
+            </a:r>
+            <a:r>
+              <a:rPr lang="fr-FR" altLang="en-US" dirty="0" err="1" smtClean="0">
+                <a:solidFill>
+                  <a:schemeClr val="tx1"/>
+                </a:solidFill>
+              </a:rPr>
+              <a:t>scaling</a:t>
+            </a:r>
+            <a:r>
+              <a:rPr lang="fr-FR" altLang="en-US" dirty="0" smtClean="0">
+                <a:solidFill>
+                  <a:schemeClr val="tx1"/>
+                </a:solidFill>
+              </a:rPr>
+              <a:t> ».</a:t>
             </a:r>
             <a:endParaRPr lang="fr-FR" altLang="en-US" dirty="0">
               <a:solidFill>
@@ -31664,7 +31368,7 @@
     </p:spTree>
     <p:extLst>
       <p:ext uri="{BB962C8B-B14F-4D97-AF65-F5344CB8AC3E}">
-        <p14:creationId xmlns:p14="http://schemas.microsoft.com/office/powerpoint/2010/main" val="1645621720"/>
+        <p14:creationId xmlns:p14="http://schemas.microsoft.com/office/powerpoint/2010/main" val="2305851052"/>
       </p:ext>
     </p:extLst>
   </p:cSld>
@@ -31885,7 +31589,7 @@
                   </a:outerShdw>
                 </a:effectLst>
               </a:rPr>
-              <a:t>Les altérations d’états</a:t>
+              <a:t>Comprendre les armes</a:t>
             </a:r>
             <a:br>
               <a:rPr lang="fr-FR" altLang="fr-FR" dirty="0" smtClean="0">
@@ -31897,7 +31601,7 @@
               </a:rPr>
             </a:br>
             <a:r>
-              <a:rPr lang="fr-FR" dirty="0" err="1">
+              <a:rPr lang="fr-FR" dirty="0" err="1" smtClean="0">
                 <a:solidFill>
                   <a:srgbClr val="2B91AF"/>
                 </a:solidFill>
@@ -31906,7 +31610,7 @@
                 </a:highlight>
                 <a:latin typeface="Consolas" panose="020B0609020204030204" pitchFamily="49" charset="0"/>
               </a:rPr>
-              <a:t>StateAlterationModelView</a:t>
+              <a:t>WeaponModelView</a:t>
             </a:r>
             <a:endParaRPr lang="fr-FR" altLang="fr-FR" dirty="0" smtClean="0">
               <a:effectLst>
@@ -32153,8 +31857,27 @@
                   <a:schemeClr val="tx1"/>
                 </a:solidFill>
               </a:rPr>
-              <a:t>Elles décrivent les effets des sorts, et des attaques.</a:t>
+              <a:t>Les armes sont améliorables plusieurs fois.</a:t>
             </a:r>
+          </a:p>
+          <a:p>
+            <a:pPr marL="457200" lvl="1" indent="0" defTabSz="914400" eaLnBrk="1" hangingPunct="1">
+              <a:spcBef>
+                <a:spcPct val="20000"/>
+              </a:spcBef>
+              <a:buClr>
+                <a:srgbClr val="FF0000"/>
+              </a:buClr>
+            </a:pPr>
+            <a:endParaRPr lang="fr-FR" altLang="en-US" dirty="0">
+              <a:solidFill>
+                <a:srgbClr val="2B91AF"/>
+              </a:solidFill>
+              <a:highlight>
+                <a:srgbClr val="FFFFFF"/>
+              </a:highlight>
+              <a:latin typeface="Consolas" panose="020B0609020204030204" pitchFamily="49" charset="0"/>
+            </a:endParaRPr>
           </a:p>
           <a:p>
             <a:pPr lvl="1" defTabSz="914400" eaLnBrk="1" hangingPunct="1">
@@ -32173,23 +31896,7 @@
                   <a:schemeClr val="tx1"/>
                 </a:solidFill>
               </a:rPr>
-              <a:t>Caractérisées par un type (Dégâts, bonus de caractéristiques etc… (</a:t>
-            </a:r>
-            <a:r>
-              <a:rPr lang="fr-FR" altLang="en-US" dirty="0" err="1" smtClean="0">
-                <a:solidFill>
-                  <a:schemeClr val="tx1"/>
-                </a:solidFill>
-              </a:rPr>
-              <a:t>cf</a:t>
-            </a:r>
-            <a:r>
-              <a:rPr lang="fr-FR" altLang="en-US" dirty="0" smtClean="0">
-                <a:solidFill>
-                  <a:schemeClr val="tx1"/>
-                </a:solidFill>
-              </a:rPr>
-              <a:t> la doc))</a:t>
+              <a:t>Le modèle encapsule les modèles des upgrades </a:t>
             </a:r>
           </a:p>
           <a:p>
@@ -32203,49 +31910,71 @@
               <a:buFont typeface="Wingdings" panose="05000000000000000000" pitchFamily="2" charset="2"/>
               <a:buChar char="q"/>
             </a:pPr>
-            <a:r>
-              <a:rPr lang="fr-FR" altLang="en-US" dirty="0" smtClean="0">
-                <a:solidFill>
-                  <a:schemeClr val="tx1"/>
-                </a:solidFill>
-              </a:rPr>
-              <a:t>Une durée (sauf pour les dégâts =&gt; durée = 0)</a:t>
-            </a:r>
-          </a:p>
-          <a:p>
-            <a:pPr lvl="1" defTabSz="914400" eaLnBrk="1" hangingPunct="1">
+            <a:endParaRPr lang="fr-FR" altLang="en-US" dirty="0" smtClean="0">
+              <a:solidFill>
+                <a:schemeClr val="tx1"/>
+              </a:solidFill>
+            </a:endParaRPr>
+          </a:p>
+          <a:p>
+            <a:pPr marL="457200" lvl="1" indent="0" defTabSz="914400" eaLnBrk="1" hangingPunct="1">
               <a:spcBef>
                 <a:spcPct val="20000"/>
               </a:spcBef>
               <a:buClr>
                 <a:srgbClr val="FF0000"/>
               </a:buClr>
-              <a:buFont typeface="Wingdings" panose="05000000000000000000" pitchFamily="2" charset="2"/>
-              <a:buChar char="q"/>
             </a:pPr>
             <a:r>
-              <a:rPr lang="fr-FR" altLang="en-US" dirty="0" smtClean="0">
-                <a:solidFill>
-                  <a:schemeClr val="tx1"/>
-                </a:solidFill>
+              <a:rPr lang="fr-FR" dirty="0" smtClean="0">
+                <a:solidFill>
+                  <a:srgbClr val="2B91AF"/>
+                </a:solidFill>
+                <a:highlight>
+                  <a:srgbClr val="FFFFFF"/>
+                </a:highlight>
+                <a:latin typeface="Consolas" panose="020B0609020204030204" pitchFamily="49" charset="0"/>
               </a:rPr>
-              <a:t>Une valeur : une composante « flat », et des composantes de « </a:t>
+              <a:t>List</a:t>
             </a:r>
             <a:r>
-              <a:rPr lang="fr-FR" altLang="en-US" dirty="0" err="1" smtClean="0">
-                <a:solidFill>
-                  <a:schemeClr val="tx1"/>
-                </a:solidFill>
+              <a:rPr lang="fr-FR" dirty="0">
+                <a:highlight>
+                  <a:srgbClr val="FFFFFF"/>
+                </a:highlight>
+                <a:latin typeface="Consolas" panose="020B0609020204030204" pitchFamily="49" charset="0"/>
               </a:rPr>
-              <a:t>scaling</a:t>
+              <a:t>&lt;</a:t>
             </a:r>
             <a:r>
-              <a:rPr lang="fr-FR" altLang="en-US" dirty="0" smtClean="0">
-                <a:solidFill>
-                  <a:schemeClr val="tx1"/>
-                </a:solidFill>
+              <a:rPr lang="fr-FR" dirty="0" err="1" smtClean="0">
+                <a:solidFill>
+                  <a:srgbClr val="2B91AF"/>
+                </a:solidFill>
+                <a:highlight>
+                  <a:srgbClr val="FFFFFF"/>
+                </a:highlight>
+                <a:latin typeface="Consolas" panose="020B0609020204030204" pitchFamily="49" charset="0"/>
               </a:rPr>
-              <a:t> ».</a:t>
+              <a:t>WeaponUpgradeModelView</a:t>
+            </a:r>
+            <a:r>
+              <a:rPr lang="fr-FR" dirty="0">
+                <a:highlight>
+                  <a:srgbClr val="FFFFFF"/>
+                </a:highlight>
+                <a:latin typeface="Consolas" panose="020B0609020204030204" pitchFamily="49" charset="0"/>
+              </a:rPr>
+              <a:t>&gt; </a:t>
+            </a:r>
+            <a:r>
+              <a:rPr lang="fr-FR" dirty="0" smtClean="0">
+                <a:highlight>
+                  <a:srgbClr val="FFFFFF"/>
+                </a:highlight>
+                <a:latin typeface="Consolas" panose="020B0609020204030204" pitchFamily="49" charset="0"/>
+              </a:rPr>
+              <a:t>Upgrades</a:t>
             </a:r>
             <a:endParaRPr lang="fr-FR" altLang="en-US" dirty="0">
               <a:solidFill>
@@ -32258,7 +31987,7 @@
     </p:spTree>
     <p:extLst>
       <p:ext uri="{BB962C8B-B14F-4D97-AF65-F5344CB8AC3E}">
-        <p14:creationId xmlns:p14="http://schemas.microsoft.com/office/powerpoint/2010/main" val="2305851052"/>
+        <p14:creationId xmlns:p14="http://schemas.microsoft.com/office/powerpoint/2010/main" val="3584059400"/>
       </p:ext>
     </p:extLst>
   </p:cSld>
@@ -32356,25 +32085,6 @@
               <a:defRPr/>
             </a:pPr>
             <a:r>
-              <a:rPr lang="fr-FR" altLang="fr-FR" dirty="0" smtClean="0">
-                <a:effectLst>
-                  <a:outerShdw blurRad="38100" dist="38100" dir="2700000" algn="tl">
-                    <a:srgbClr val="C0C0C0"/>
-                  </a:outerShdw>
-                </a:effectLst>
-              </a:rPr>
-              <a:t>Comprendre les armes</a:t>
-            </a:r>
-            <a:br>
-              <a:rPr lang="fr-FR" altLang="fr-FR" dirty="0" smtClean="0">
-                <a:effectLst>
-                  <a:outerShdw blurRad="38100" dist="38100" dir="2700000" algn="tl">
-                    <a:srgbClr val="C0C0C0"/>
-                  </a:outerShdw>
-                </a:effectLst>
-              </a:rPr>
-            </a:br>
-            <a:r>
               <a:rPr lang="fr-FR" dirty="0" err="1" smtClean="0">
                 <a:solidFill>
                   <a:srgbClr val="2B91AF"/>
@@ -32384,7 +32094,7 @@
                 </a:highlight>
                 <a:latin typeface="Consolas" panose="020B0609020204030204" pitchFamily="49" charset="0"/>
               </a:rPr>
-              <a:t>WeaponModelView</a:t>
+              <a:t>WeaponUpgradeModelView</a:t>
             </a:r>
             <a:endParaRPr lang="fr-FR" altLang="fr-FR" dirty="0" smtClean="0">
               <a:effectLst>
@@ -32631,7 +32341,7 @@
                   <a:schemeClr val="tx1"/>
                 </a:solidFill>
               </a:rPr>
-              <a:t>Les armes sont améliorables plusieurs fois.</a:t>
+              <a:t>Le modèle d’attaque de l’arme est identique à celui d’un sort : </a:t>
             </a:r>
           </a:p>
           <a:p>
@@ -32642,15 +32352,61 @@
               <a:buClr>
                 <a:srgbClr val="FF0000"/>
               </a:buClr>
+            </a:pPr>
+            <a:r>
+              <a:rPr lang="fr-FR" sz="2000" dirty="0" err="1" smtClean="0">
+                <a:solidFill>
+                  <a:srgbClr val="2B91AF"/>
+                </a:solidFill>
+                <a:highlight>
+                  <a:srgbClr val="FFFFFF"/>
+                </a:highlight>
+                <a:latin typeface="Consolas" panose="020B0609020204030204" pitchFamily="49" charset="0"/>
+              </a:rPr>
+              <a:t>SpellLevelDescriptionView</a:t>
+            </a:r>
+            <a:r>
+              <a:rPr lang="fr-FR" sz="2000" dirty="0" smtClean="0">
+                <a:solidFill>
+                  <a:srgbClr val="2B91AF"/>
+                </a:solidFill>
+                <a:highlight>
+                  <a:srgbClr val="FFFFFF"/>
+                </a:highlight>
+                <a:latin typeface="Consolas" panose="020B0609020204030204" pitchFamily="49" charset="0"/>
+              </a:rPr>
+              <a:t> </a:t>
+            </a:r>
+            <a:r>
+              <a:rPr lang="fr-FR" sz="2000" dirty="0">
+                <a:highlight>
+                  <a:srgbClr val="FFFFFF"/>
+                </a:highlight>
+                <a:latin typeface="Consolas" panose="020B0609020204030204" pitchFamily="49" charset="0"/>
+              </a:rPr>
+              <a:t>Description</a:t>
+            </a:r>
+            <a:endParaRPr lang="fr-FR" altLang="en-US" sz="2000" dirty="0" smtClean="0">
+              <a:solidFill>
+                <a:schemeClr val="tx1"/>
+              </a:solidFill>
+            </a:endParaRPr>
+          </a:p>
+          <a:p>
+            <a:pPr lvl="1" defTabSz="914400" eaLnBrk="1" hangingPunct="1">
+              <a:spcBef>
+                <a:spcPct val="20000"/>
+              </a:spcBef>
+              <a:buClr>
+                <a:srgbClr val="FF0000"/>
+              </a:buClr>
+              <a:buFont typeface="Wingdings" panose="05000000000000000000" pitchFamily="2" charset="2"/>
+              <a:buChar char="q"/>
             </a:pPr>
             <a:endParaRPr lang="fr-FR" altLang="en-US" dirty="0">
               <a:solidFill>
-                <a:srgbClr val="2B91AF"/>
+                <a:schemeClr val="tx1"/>
               </a:solidFill>
-              <a:highlight>
-                <a:srgbClr val="FFFFFF"/>
-              </a:highlight>
-              <a:latin typeface="Consolas" panose="020B0609020204030204" pitchFamily="49" charset="0"/>
             </a:endParaRPr>
           </a:p>
           <a:p>
@@ -32670,25 +32426,8 @@
                   <a:schemeClr val="tx1"/>
                 </a:solidFill>
               </a:rPr>
-              <a:t>Le modèle encapsule les modèles des upgrades </a:t>
+              <a:t>Les armes ont en plus une liste d’altérations appliquées passivement au porteur :</a:t>
             </a:r>
-          </a:p>
-          <a:p>
-            <a:pPr lvl="1" defTabSz="914400" eaLnBrk="1" hangingPunct="1">
-              <a:spcBef>
-                <a:spcPct val="20000"/>
-              </a:spcBef>
-              <a:buClr>
-                <a:srgbClr val="FF0000"/>
-              </a:buClr>
-              <a:buFont typeface="Wingdings" panose="05000000000000000000" pitchFamily="2" charset="2"/>
-              <a:buChar char="q"/>
-            </a:pPr>
-            <a:endParaRPr lang="fr-FR" altLang="en-US" dirty="0" smtClean="0">
-              <a:solidFill>
-                <a:schemeClr val="tx1"/>
-              </a:solidFill>
-            </a:endParaRPr>
           </a:p>
           <a:p>
             <a:pPr marL="457200" lvl="1" indent="0" defTabSz="914400" eaLnBrk="1" hangingPunct="1">
@@ -32700,7 +32439,7 @@
               </a:buClr>
             </a:pPr>
             <a:r>
-              <a:rPr lang="fr-FR" dirty="0" smtClean="0">
+              <a:rPr lang="fr-FR" sz="2000" dirty="0" smtClean="0">
                 <a:solidFill>
                   <a:srgbClr val="2B91AF"/>
                 </a:solidFill>
@@ -32712,7 +32451,7 @@
               <a:t>List</a:t>
             </a:r>
             <a:r>
-              <a:rPr lang="fr-FR" dirty="0">
+              <a:rPr lang="fr-FR" sz="2000" dirty="0" smtClean="0">
                 <a:highlight>
                   <a:srgbClr val="FFFFFF"/>
                 </a:highlight>
@@ -32721,7 +32460,7 @@
               <a:t>&lt;</a:t>
             </a:r>
             <a:r>
-              <a:rPr lang="fr-FR" dirty="0" err="1" smtClean="0">
+              <a:rPr lang="fr-FR" sz="2000" dirty="0" err="1" smtClean="0">
                 <a:solidFill>
                   <a:srgbClr val="2B91AF"/>
                 </a:solidFill>
@@ -32730,10 +32469,10 @@
                 </a:highlight>
                 <a:latin typeface="Consolas" panose="020B0609020204030204" pitchFamily="49" charset="0"/>
               </a:rPr>
-              <a:t>WeaponUpgradeModelView</a:t>
+              <a:t>StateAlterationModelView</a:t>
             </a:r>
             <a:r>
-              <a:rPr lang="fr-FR" dirty="0">
+              <a:rPr lang="fr-FR" sz="2000" dirty="0" smtClean="0">
                 <a:highlight>
                   <a:srgbClr val="FFFFFF"/>
                 </a:highlight>
@@ -32742,15 +32481,59 @@
               <a:t>&gt; </a:t>
             </a:r>
             <a:r>
-              <a:rPr lang="fr-FR" dirty="0" smtClean="0">
+              <a:rPr lang="fr-FR" sz="2000" dirty="0" err="1" smtClean="0">
                 <a:highlight>
                   <a:srgbClr val="FFFFFF"/>
                 </a:highlight>
                 <a:latin typeface="Consolas" panose="020B0609020204030204" pitchFamily="49" charset="0"/>
               </a:rPr>
-              <a:t>Upgrades</a:t>
+              <a:t>PassiveAlterations</a:t>
             </a:r>
-            <a:endParaRPr lang="fr-FR" altLang="en-US" dirty="0">
+            <a:endParaRPr lang="fr-FR" sz="2000" dirty="0" smtClean="0">
+              <a:highlight>
+                <a:srgbClr val="FFFFFF"/>
+              </a:highlight>
+              <a:latin typeface="Consolas" panose="020B0609020204030204" pitchFamily="49" charset="0"/>
+            </a:endParaRPr>
+          </a:p>
+          <a:p>
+            <a:pPr marL="457200" lvl="1" indent="0" defTabSz="914400" eaLnBrk="1" hangingPunct="1">
+              <a:spcBef>
+                <a:spcPct val="20000"/>
+              </a:spcBef>
+              <a:buClr>
+                <a:srgbClr val="FF0000"/>
+              </a:buClr>
+            </a:pPr>
+            <a:endParaRPr lang="fr-FR" altLang="en-US" sz="2000" dirty="0" smtClean="0">
+              <a:solidFill>
+                <a:schemeClr val="tx1"/>
+              </a:solidFill>
+            </a:endParaRPr>
+          </a:p>
+          <a:p>
+            <a:pPr lvl="1" defTabSz="914400" eaLnBrk="1" hangingPunct="1">
+              <a:spcBef>
+                <a:spcPct val="20000"/>
+              </a:spcBef>
+              <a:buClr>
+                <a:srgbClr val="FF0000"/>
+              </a:buClr>
+              <a:buFont typeface="Wingdings" panose="05000000000000000000" pitchFamily="2" charset="2"/>
+              <a:buChar char="q"/>
+            </a:pPr>
+            <a:r>
+              <a:rPr lang="fr-FR" dirty="0" smtClean="0">
+                <a:solidFill>
+                  <a:schemeClr val="tx1"/>
+                </a:solidFill>
+                <a:highlight>
+                  <a:srgbClr val="FFFFFF"/>
+                </a:highlight>
+              </a:rPr>
+              <a:t>Elles ont un prix aussi ! </a:t>
+            </a:r>
+            <a:endParaRPr lang="fr-FR" altLang="en-US" sz="2400" dirty="0">
               <a:solidFill>
                 <a:schemeClr val="tx1"/>
               </a:solidFill>
@@ -32761,7 +32544,7 @@
     </p:spTree>
     <p:extLst>
       <p:ext uri="{BB962C8B-B14F-4D97-AF65-F5344CB8AC3E}">
-        <p14:creationId xmlns:p14="http://schemas.microsoft.com/office/powerpoint/2010/main" val="3584059400"/>
+        <p14:creationId xmlns:p14="http://schemas.microsoft.com/office/powerpoint/2010/main" val="762762473"/>
       </p:ext>
     </p:extLst>
   </p:cSld>
@@ -32859,7 +32642,17 @@
               <a:defRPr/>
             </a:pPr>
             <a:r>
-              <a:rPr lang="fr-FR" dirty="0" err="1" smtClean="0">
+              <a:rPr lang="fr-FR" altLang="fr-FR" dirty="0" smtClean="0">
+                <a:effectLst>
+                  <a:outerShdw blurRad="38100" dist="38100" dir="2700000" algn="tl">
+                    <a:srgbClr val="C0C0C0"/>
+                  </a:outerShdw>
+                </a:effectLst>
+              </a:rPr>
+              <a:t>Comprendre les sorts </a:t>
+            </a:r>
+            <a:r>
+              <a:rPr lang="fr-FR" dirty="0" err="1">
                 <a:solidFill>
                   <a:srgbClr val="2B91AF"/>
                 </a:solidFill>
@@ -32868,7 +32661,7 @@
                 </a:highlight>
                 <a:latin typeface="Consolas" panose="020B0609020204030204" pitchFamily="49" charset="0"/>
               </a:rPr>
-              <a:t>WeaponUpgradeModelView</a:t>
+              <a:t>SpellModelView</a:t>
             </a:r>
             <a:endParaRPr lang="fr-FR" altLang="fr-FR" dirty="0" smtClean="0">
               <a:effectLst>
@@ -33115,20 +32908,81 @@
                   <a:schemeClr val="tx1"/>
                 </a:solidFill>
               </a:rPr>
-              <a:t>Le modèle d’attaque de l’arme est identique à celui d’un sort : </a:t>
+              <a:t>Les sorts sont améliorables plusieurs fois.</a:t>
             </a:r>
           </a:p>
           <a:p>
-            <a:pPr marL="457200" lvl="1" indent="0" defTabSz="914400" eaLnBrk="1" hangingPunct="1">
+            <a:pPr lvl="1" defTabSz="914400" eaLnBrk="1" hangingPunct="1">
               <a:spcBef>
                 <a:spcPct val="20000"/>
               </a:spcBef>
               <a:buClr>
                 <a:srgbClr val="FF0000"/>
               </a:buClr>
+              <a:buFont typeface="Wingdings" panose="05000000000000000000" pitchFamily="2" charset="2"/>
+              <a:buChar char="q"/>
             </a:pPr>
             <a:r>
-              <a:rPr lang="fr-FR" sz="2000" dirty="0" err="1" smtClean="0">
+              <a:rPr lang="fr-FR" altLang="en-US" dirty="0" smtClean="0">
+                <a:solidFill>
+                  <a:schemeClr val="tx1"/>
+                </a:solidFill>
+              </a:rPr>
+              <a:t>Ils sont identifiés par un ID unique !</a:t>
+            </a:r>
+          </a:p>
+          <a:p>
+            <a:pPr lvl="1" defTabSz="914400" eaLnBrk="1" hangingPunct="1">
+              <a:spcBef>
+                <a:spcPct val="20000"/>
+              </a:spcBef>
+              <a:buClr>
+                <a:srgbClr val="FF0000"/>
+              </a:buClr>
+              <a:buFont typeface="Wingdings" panose="05000000000000000000" pitchFamily="2" charset="2"/>
+              <a:buChar char="q"/>
+            </a:pPr>
+            <a:r>
+              <a:rPr lang="fr-FR" altLang="en-US" dirty="0" smtClean="0">
+                <a:solidFill>
+                  <a:schemeClr val="tx1"/>
+                </a:solidFill>
+              </a:rPr>
+              <a:t>Ils encapsulent leur description pour chaque niveau dans une liste :</a:t>
+            </a:r>
+          </a:p>
+          <a:p>
+            <a:pPr marL="457200" lvl="1" indent="0" defTabSz="914400" eaLnBrk="1" hangingPunct="1">
+              <a:spcBef>
+                <a:spcPct val="20000"/>
+              </a:spcBef>
+              <a:buClr>
+                <a:srgbClr val="FF0000"/>
+              </a:buClr>
+            </a:pPr>
+            <a:r>
+              <a:rPr lang="fr-FR" dirty="0" smtClean="0">
+                <a:solidFill>
+                  <a:srgbClr val="2B91AF"/>
+                </a:solidFill>
+                <a:highlight>
+                  <a:srgbClr val="FFFFFF"/>
+                </a:highlight>
+                <a:latin typeface="Consolas" panose="020B0609020204030204" pitchFamily="49" charset="0"/>
+              </a:rPr>
+              <a:t>List</a:t>
+            </a:r>
+            <a:r>
+              <a:rPr lang="fr-FR" dirty="0">
+                <a:highlight>
+                  <a:srgbClr val="FFFFFF"/>
+                </a:highlight>
+                <a:latin typeface="Consolas" panose="020B0609020204030204" pitchFamily="49" charset="0"/>
+              </a:rPr>
+              <a:t>&lt;</a:t>
+            </a:r>
+            <a:r>
+              <a:rPr lang="fr-FR" dirty="0" err="1" smtClean="0">
                 <a:solidFill>
                   <a:srgbClr val="2B91AF"/>
                 </a:solidFill>
@@ -33140,113 +32994,7 @@
               <a:t>SpellLevelDescriptionView</a:t>
             </a:r>
             <a:r>
-              <a:rPr lang="fr-FR" sz="2000" dirty="0" smtClean="0">
-                <a:solidFill>
-                  <a:srgbClr val="2B91AF"/>
-                </a:solidFill>
-                <a:highlight>
-                  <a:srgbClr val="FFFFFF"/>
-                </a:highlight>
-                <a:latin typeface="Consolas" panose="020B0609020204030204" pitchFamily="49" charset="0"/>
-              </a:rPr>
-              <a:t> </a:t>
-            </a:r>
-            <a:r>
-              <a:rPr lang="fr-FR" sz="2000" dirty="0">
-                <a:highlight>
-                  <a:srgbClr val="FFFFFF"/>
-                </a:highlight>
-                <a:latin typeface="Consolas" panose="020B0609020204030204" pitchFamily="49" charset="0"/>
-              </a:rPr>
-              <a:t>Description</a:t>
-            </a:r>
-            <a:endParaRPr lang="fr-FR" altLang="en-US" sz="2000" dirty="0" smtClean="0">
-              <a:solidFill>
-                <a:schemeClr val="tx1"/>
-              </a:solidFill>
-            </a:endParaRPr>
-          </a:p>
-          <a:p>
-            <a:pPr lvl="1" defTabSz="914400" eaLnBrk="1" hangingPunct="1">
-              <a:spcBef>
-                <a:spcPct val="20000"/>
-              </a:spcBef>
-              <a:buClr>
-                <a:srgbClr val="FF0000"/>
-              </a:buClr>
-              <a:buFont typeface="Wingdings" panose="05000000000000000000" pitchFamily="2" charset="2"/>
-              <a:buChar char="q"/>
-            </a:pPr>
-            <a:endParaRPr lang="fr-FR" altLang="en-US" dirty="0">
-              <a:solidFill>
-                <a:schemeClr val="tx1"/>
-              </a:solidFill>
-            </a:endParaRPr>
-          </a:p>
-          <a:p>
-            <a:pPr lvl="1" defTabSz="914400" eaLnBrk="1" hangingPunct="1">
-              <a:spcBef>
-                <a:spcPct val="20000"/>
-              </a:spcBef>
-              <a:buClr>
-                <a:srgbClr val="FF0000"/>
-              </a:buClr>
-              <a:buFont typeface="Wingdings" panose="05000000000000000000" pitchFamily="2" charset="2"/>
-              <a:buChar char="q"/>
-            </a:pPr>
-            <a:r>
-              <a:rPr lang="fr-FR" altLang="en-US" dirty="0" smtClean="0">
-                <a:solidFill>
-                  <a:schemeClr val="tx1"/>
-                </a:solidFill>
-              </a:rPr>
-              <a:t>Les armes ont en plus une liste d’altérations appliquées passivement au porteur :</a:t>
-            </a:r>
-          </a:p>
-          <a:p>
-            <a:pPr marL="457200" lvl="1" indent="0" defTabSz="914400" eaLnBrk="1" hangingPunct="1">
-              <a:spcBef>
-                <a:spcPct val="20000"/>
-              </a:spcBef>
-              <a:buClr>
-                <a:srgbClr val="FF0000"/>
-              </a:buClr>
-            </a:pPr>
-            <a:r>
-              <a:rPr lang="fr-FR" sz="2000" dirty="0" smtClean="0">
-                <a:solidFill>
-                  <a:srgbClr val="2B91AF"/>
-                </a:solidFill>
-                <a:highlight>
-                  <a:srgbClr val="FFFFFF"/>
-                </a:highlight>
-                <a:latin typeface="Consolas" panose="020B0609020204030204" pitchFamily="49" charset="0"/>
-              </a:rPr>
-              <a:t>List</a:t>
-            </a:r>
-            <a:r>
-              <a:rPr lang="fr-FR" sz="2000" dirty="0" smtClean="0">
-                <a:highlight>
-                  <a:srgbClr val="FFFFFF"/>
-                </a:highlight>
-                <a:latin typeface="Consolas" panose="020B0609020204030204" pitchFamily="49" charset="0"/>
-              </a:rPr>
-              <a:t>&lt;</a:t>
-            </a:r>
-            <a:r>
-              <a:rPr lang="fr-FR" sz="2000" dirty="0" err="1" smtClean="0">
-                <a:solidFill>
-                  <a:srgbClr val="2B91AF"/>
-                </a:solidFill>
-                <a:highlight>
-                  <a:srgbClr val="FFFFFF"/>
-                </a:highlight>
-                <a:latin typeface="Consolas" panose="020B0609020204030204" pitchFamily="49" charset="0"/>
-              </a:rPr>
-              <a:t>StateAlterationModelView</a:t>
-            </a:r>
-            <a:r>
-              <a:rPr lang="fr-FR" sz="2000" dirty="0" smtClean="0">
+              <a:rPr lang="fr-FR" dirty="0">
                 <a:highlight>
                   <a:srgbClr val="FFFFFF"/>
                 </a:highlight>
@@ -33255,15 +33003,15 @@
               <a:t>&gt; </a:t>
             </a:r>
             <a:r>
-              <a:rPr lang="fr-FR" sz="2000" dirty="0" err="1" smtClean="0">
+              <a:rPr lang="fr-FR" dirty="0" err="1" smtClean="0">
                 <a:highlight>
                   <a:srgbClr val="FFFFFF"/>
                 </a:highlight>
                 <a:latin typeface="Consolas" panose="020B0609020204030204" pitchFamily="49" charset="0"/>
               </a:rPr>
-              <a:t>PassiveAlterations</a:t>
+              <a:t>Levels</a:t>
             </a:r>
-            <a:endParaRPr lang="fr-FR" sz="2000" dirty="0" smtClean="0">
+            <a:endParaRPr lang="fr-FR" dirty="0" smtClean="0">
               <a:highlight>
                 <a:srgbClr val="FFFFFF"/>
               </a:highlight>
@@ -33279,35 +33027,7 @@
                 <a:srgbClr val="FF0000"/>
               </a:buClr>
             </a:pPr>
-            <a:endParaRPr lang="fr-FR" altLang="en-US" sz="2000" dirty="0" smtClean="0">
-              <a:solidFill>
-                <a:schemeClr val="tx1"/>
-              </a:solidFill>
-            </a:endParaRPr>
-          </a:p>
-          <a:p>
-            <a:pPr lvl="1" defTabSz="914400" eaLnBrk="1" hangingPunct="1">
-              <a:spcBef>
-                <a:spcPct val="20000"/>
-              </a:spcBef>
-              <a:buClr>
-                <a:srgbClr val="FF0000"/>
-              </a:buClr>
-              <a:buFont typeface="Wingdings" panose="05000000000000000000" pitchFamily="2" charset="2"/>
-              <a:buChar char="q"/>
-            </a:pPr>
-            <a:r>
-              <a:rPr lang="fr-FR" dirty="0" smtClean="0">
-                <a:solidFill>
-                  <a:schemeClr val="tx1"/>
-                </a:solidFill>
-                <a:highlight>
-                  <a:srgbClr val="FFFFFF"/>
-                </a:highlight>
-              </a:rPr>
-              <a:t>Elles ont un prix aussi ! </a:t>
-            </a:r>
-            <a:endParaRPr lang="fr-FR" altLang="en-US" sz="2400" dirty="0">
+            <a:endParaRPr lang="fr-FR" altLang="en-US" dirty="0">
               <a:solidFill>
                 <a:schemeClr val="tx1"/>
               </a:solidFill>
@@ -33318,7 +33038,7 @@
     </p:spTree>
     <p:extLst>
       <p:ext uri="{BB962C8B-B14F-4D97-AF65-F5344CB8AC3E}">
-        <p14:creationId xmlns:p14="http://schemas.microsoft.com/office/powerpoint/2010/main" val="762762473"/>
+        <p14:creationId xmlns:p14="http://schemas.microsoft.com/office/powerpoint/2010/main" val="1824362935"/>
       </p:ext>
     </p:extLst>
   </p:cSld>
@@ -33387,8 +33107,8 @@
         </p:nvSpPr>
         <p:spPr>
           <a:xfrm>
-            <a:off x="685800" y="609600"/>
-            <a:ext cx="7772400" cy="1143000"/>
+            <a:off x="586482" y="548680"/>
+            <a:ext cx="7918648" cy="1143000"/>
           </a:xfrm>
         </p:spPr>
         <p:txBody>
@@ -33435,7 +33155,7 @@
                 </a:highlight>
                 <a:latin typeface="Consolas" panose="020B0609020204030204" pitchFamily="49" charset="0"/>
               </a:rPr>
-              <a:t>SpellModelView</a:t>
+              <a:t>SpellLevelDescriptionView</a:t>
             </a:r>
             <a:endParaRPr lang="fr-FR" altLang="fr-FR" dirty="0" smtClean="0">
               <a:effectLst>
@@ -33682,8 +33402,69 @@
                   <a:schemeClr val="tx1"/>
                 </a:solidFill>
               </a:rPr>
-              <a:t>Les sorts sont améliorables plusieurs fois.</a:t>
+              <a:t>Un </a:t>
             </a:r>
+            <a:r>
+              <a:rPr lang="fr-FR" altLang="en-US" dirty="0" err="1" smtClean="0">
+                <a:solidFill>
+                  <a:schemeClr val="tx1"/>
+                </a:solidFill>
+              </a:rPr>
+              <a:t>cooldown</a:t>
+            </a:r>
+            <a:r>
+              <a:rPr lang="fr-FR" altLang="en-US" dirty="0" smtClean="0">
+                <a:solidFill>
+                  <a:schemeClr val="tx1"/>
+                </a:solidFill>
+              </a:rPr>
+              <a:t> de base</a:t>
+            </a:r>
+          </a:p>
+          <a:p>
+            <a:pPr marL="457200" lvl="1" indent="0" defTabSz="914400" eaLnBrk="1" hangingPunct="1">
+              <a:spcBef>
+                <a:spcPct val="20000"/>
+              </a:spcBef>
+              <a:buClr>
+                <a:srgbClr val="FF0000"/>
+              </a:buClr>
+            </a:pPr>
+            <a:r>
+              <a:rPr lang="fr-FR" sz="2000" dirty="0" err="1" smtClean="0">
+                <a:solidFill>
+                  <a:srgbClr val="0000FF"/>
+                </a:solidFill>
+                <a:highlight>
+                  <a:srgbClr val="FFFFFF"/>
+                </a:highlight>
+                <a:latin typeface="Consolas" panose="020B0609020204030204" pitchFamily="49" charset="0"/>
+              </a:rPr>
+              <a:t>float</a:t>
+            </a:r>
+            <a:r>
+              <a:rPr lang="fr-FR" sz="2000" dirty="0">
+                <a:highlight>
+                  <a:srgbClr val="FFFFFF"/>
+                </a:highlight>
+                <a:latin typeface="Consolas" panose="020B0609020204030204" pitchFamily="49" charset="0"/>
+              </a:rPr>
+              <a:t> </a:t>
+            </a:r>
+            <a:r>
+              <a:rPr lang="fr-FR" sz="2000" dirty="0" err="1">
+                <a:highlight>
+                  <a:srgbClr val="FFFFFF"/>
+                </a:highlight>
+                <a:latin typeface="Consolas" panose="020B0609020204030204" pitchFamily="49" charset="0"/>
+              </a:rPr>
+              <a:t>BaseCooldown</a:t>
+            </a:r>
+            <a:endParaRPr lang="fr-FR" altLang="en-US" sz="2000" dirty="0" smtClean="0">
+              <a:solidFill>
+                <a:schemeClr val="tx1"/>
+              </a:solidFill>
+            </a:endParaRPr>
           </a:p>
           <a:p>
             <a:pPr lvl="1" defTabSz="914400" eaLnBrk="1" hangingPunct="1">
@@ -33702,40 +33483,20 @@
                   <a:schemeClr val="tx1"/>
                 </a:solidFill>
               </a:rPr>
-              <a:t>Ils sont identifiés par un ID unique !</a:t>
+              <a:t>Une liste d’altérations appliquées au lanceur du sort</a:t>
             </a:r>
           </a:p>
           <a:p>
-            <a:pPr lvl="1" defTabSz="914400" eaLnBrk="1" hangingPunct="1">
+            <a:pPr marL="457200" lvl="1" indent="0" defTabSz="914400" eaLnBrk="1" hangingPunct="1">
               <a:spcBef>
                 <a:spcPct val="20000"/>
               </a:spcBef>
               <a:buClr>
                 <a:srgbClr val="FF0000"/>
               </a:buClr>
-              <a:buFont typeface="Wingdings" panose="05000000000000000000" pitchFamily="2" charset="2"/>
-              <a:buChar char="q"/>
             </a:pPr>
             <a:r>
-              <a:rPr lang="fr-FR" altLang="en-US" dirty="0" smtClean="0">
-                <a:solidFill>
-                  <a:schemeClr val="tx1"/>
-                </a:solidFill>
-              </a:rPr>
-              <a:t>Ils encapsulent leur description pour chaque niveau dans une liste :</a:t>
-            </a:r>
-          </a:p>
-          <a:p>
-            <a:pPr marL="457200" lvl="1" indent="0" defTabSz="914400" eaLnBrk="1" hangingPunct="1">
-              <a:spcBef>
-                <a:spcPct val="20000"/>
-              </a:spcBef>
-              <a:buClr>
-                <a:srgbClr val="FF0000"/>
-              </a:buClr>
-            </a:pPr>
-            <a:r>
-              <a:rPr lang="fr-FR" dirty="0" smtClean="0">
+              <a:rPr lang="fr-FR" sz="2000" dirty="0" smtClean="0">
                 <a:solidFill>
                   <a:srgbClr val="2B91AF"/>
                 </a:solidFill>
@@ -33747,7 +33508,7 @@
               <a:t>List</a:t>
             </a:r>
             <a:r>
-              <a:rPr lang="fr-FR" dirty="0">
+              <a:rPr lang="fr-FR" sz="2000" dirty="0">
                 <a:highlight>
                   <a:srgbClr val="FFFFFF"/>
                 </a:highlight>
@@ -33756,7 +33517,7 @@
               <a:t>&lt;</a:t>
             </a:r>
             <a:r>
-              <a:rPr lang="fr-FR" dirty="0" err="1" smtClean="0">
+              <a:rPr lang="fr-FR" sz="2000" dirty="0" err="1" smtClean="0">
                 <a:solidFill>
                   <a:srgbClr val="2B91AF"/>
                 </a:solidFill>
@@ -33765,10 +33526,10 @@
                 </a:highlight>
                 <a:latin typeface="Consolas" panose="020B0609020204030204" pitchFamily="49" charset="0"/>
               </a:rPr>
-              <a:t>SpellLevelDescriptionView</a:t>
+              <a:t>StateAlterationModelView</a:t>
             </a:r>
             <a:r>
-              <a:rPr lang="fr-FR" dirty="0">
+              <a:rPr lang="fr-FR" sz="2000" dirty="0">
                 <a:highlight>
                   <a:srgbClr val="FFFFFF"/>
                 </a:highlight>
@@ -33777,22 +33538,50 @@
               <a:t>&gt; </a:t>
             </a:r>
             <a:r>
-              <a:rPr lang="fr-FR" dirty="0" err="1" smtClean="0">
+              <a:rPr lang="fr-FR" sz="2000" dirty="0" err="1">
                 <a:highlight>
                   <a:srgbClr val="FFFFFF"/>
                 </a:highlight>
                 <a:latin typeface="Consolas" panose="020B0609020204030204" pitchFamily="49" charset="0"/>
               </a:rPr>
-              <a:t>Levels</a:t>
+              <a:t>CastingTimeAlterations</a:t>
             </a:r>
-            <a:endParaRPr lang="fr-FR" dirty="0" smtClean="0">
-              <a:highlight>
-                <a:srgbClr val="FFFFFF"/>
-              </a:highlight>
-              <a:latin typeface="Consolas" panose="020B0609020204030204" pitchFamily="49" charset="0"/>
+            <a:r>
+              <a:rPr lang="fr-FR" sz="2000" dirty="0">
+                <a:highlight>
+                  <a:srgbClr val="FFFFFF"/>
+                </a:highlight>
+                <a:latin typeface="Consolas" panose="020B0609020204030204" pitchFamily="49" charset="0"/>
+              </a:rPr>
+              <a:t>;</a:t>
+            </a:r>
+            <a:endParaRPr lang="fr-FR" altLang="en-US" sz="2000" dirty="0" smtClean="0">
+              <a:solidFill>
+                <a:schemeClr val="tx1"/>
+              </a:solidFill>
             </a:endParaRPr>
           </a:p>
           <a:p>
+            <a:pPr lvl="1" defTabSz="914400" eaLnBrk="1" hangingPunct="1">
+              <a:spcBef>
+                <a:spcPct val="20000"/>
+              </a:spcBef>
+              <a:buClr>
+                <a:srgbClr val="FF0000"/>
+              </a:buClr>
+              <a:buFont typeface="Wingdings" panose="05000000000000000000" pitchFamily="2" charset="2"/>
+              <a:buChar char="q"/>
+            </a:pPr>
+            <a:r>
+              <a:rPr lang="fr-FR" altLang="en-US" dirty="0" smtClean="0">
+                <a:solidFill>
+                  <a:schemeClr val="tx1"/>
+                </a:solidFill>
+              </a:rPr>
+              <a:t>Des effets à l’impact sur la cible.</a:t>
+            </a:r>
+          </a:p>
+          <a:p>
             <a:pPr marL="457200" lvl="1" indent="0" defTabSz="914400" eaLnBrk="1" hangingPunct="1">
               <a:spcBef>
                 <a:spcPct val="20000"/>
@@ -33801,7 +33590,67 @@
                 <a:srgbClr val="FF0000"/>
               </a:buClr>
             </a:pPr>
-            <a:endParaRPr lang="fr-FR" altLang="en-US" dirty="0">
+            <a:r>
+              <a:rPr lang="fr-FR" sz="2000" dirty="0" smtClean="0">
+                <a:solidFill>
+                  <a:srgbClr val="2B91AF"/>
+                </a:solidFill>
+                <a:highlight>
+                  <a:srgbClr val="FFFFFF"/>
+                </a:highlight>
+                <a:latin typeface="Consolas" panose="020B0609020204030204" pitchFamily="49" charset="0"/>
+              </a:rPr>
+              <a:t>List</a:t>
+            </a:r>
+            <a:r>
+              <a:rPr lang="fr-FR" sz="2000" dirty="0">
+                <a:highlight>
+                  <a:srgbClr val="FFFFFF"/>
+                </a:highlight>
+                <a:latin typeface="Consolas" panose="020B0609020204030204" pitchFamily="49" charset="0"/>
+              </a:rPr>
+              <a:t>&lt;</a:t>
+            </a:r>
+            <a:r>
+              <a:rPr lang="fr-FR" sz="2000" dirty="0" err="1" smtClean="0">
+                <a:solidFill>
+                  <a:srgbClr val="2B91AF"/>
+                </a:solidFill>
+                <a:highlight>
+                  <a:srgbClr val="FFFFFF"/>
+                </a:highlight>
+                <a:latin typeface="Consolas" panose="020B0609020204030204" pitchFamily="49" charset="0"/>
+              </a:rPr>
+              <a:t>StateAlterationModelView</a:t>
+            </a:r>
+            <a:r>
+              <a:rPr lang="fr-FR" sz="2000" dirty="0">
+                <a:highlight>
+                  <a:srgbClr val="FFFFFF"/>
+                </a:highlight>
+                <a:latin typeface="Consolas" panose="020B0609020204030204" pitchFamily="49" charset="0"/>
+              </a:rPr>
+              <a:t>&gt; </a:t>
+            </a:r>
+            <a:r>
+              <a:rPr lang="fr-FR" sz="2000" dirty="0" err="1">
+                <a:highlight>
+                  <a:srgbClr val="FFFFFF"/>
+                </a:highlight>
+                <a:latin typeface="Consolas" panose="020B0609020204030204" pitchFamily="49" charset="0"/>
+              </a:rPr>
+              <a:t>OnHitEffects</a:t>
+            </a:r>
+            <a:r>
+              <a:rPr lang="fr-FR" sz="2000" dirty="0">
+                <a:highlight>
+                  <a:srgbClr val="FFFFFF"/>
+                </a:highlight>
+                <a:latin typeface="Consolas" panose="020B0609020204030204" pitchFamily="49" charset="0"/>
+              </a:rPr>
+              <a:t>;</a:t>
+            </a:r>
+            <a:endParaRPr lang="fr-FR" altLang="en-US" sz="2000" dirty="0">
               <a:solidFill>
                 <a:schemeClr val="tx1"/>
               </a:solidFill>
@@ -33812,7 +33661,7 @@
     </p:spTree>
     <p:extLst>
       <p:ext uri="{BB962C8B-B14F-4D97-AF65-F5344CB8AC3E}">
-        <p14:creationId xmlns:p14="http://schemas.microsoft.com/office/powerpoint/2010/main" val="1824362935"/>
+        <p14:creationId xmlns:p14="http://schemas.microsoft.com/office/powerpoint/2010/main" val="3331209092"/>
       </p:ext>
     </p:extLst>
   </p:cSld>
@@ -33917,10 +33766,39 @@
                   </a:outerShdw>
                 </a:effectLst>
               </a:rPr>
-              <a:t>Comprendre les sorts </a:t>
+              <a:t>Comprendre la </a:t>
             </a:r>
             <a:r>
-              <a:rPr lang="fr-FR" dirty="0" err="1">
+              <a:rPr lang="fr-FR" altLang="fr-FR" dirty="0" err="1" smtClean="0">
+                <a:effectLst>
+                  <a:outerShdw blurRad="38100" dist="38100" dir="2700000" algn="tl">
+                    <a:srgbClr val="C0C0C0"/>
+                  </a:outerShdw>
+                </a:effectLst>
+              </a:rPr>
+              <a:t>map</a:t>
+            </a:r>
+            <a:r>
+              <a:rPr lang="fr-FR" altLang="fr-FR" dirty="0" smtClean="0">
+                <a:effectLst>
+                  <a:outerShdw blurRad="38100" dist="38100" dir="2700000" algn="tl">
+                    <a:srgbClr val="C0C0C0"/>
+                  </a:outerShdw>
+                </a:effectLst>
+              </a:rPr>
+              <a:t> </a:t>
+            </a:r>
+            <a:br>
+              <a:rPr lang="fr-FR" altLang="fr-FR" dirty="0" smtClean="0">
+                <a:effectLst>
+                  <a:outerShdw blurRad="38100" dist="38100" dir="2700000" algn="tl">
+                    <a:srgbClr val="C0C0C0"/>
+                  </a:outerShdw>
+                </a:effectLst>
+              </a:rPr>
+            </a:br>
+            <a:r>
+              <a:rPr lang="fr-FR" dirty="0" err="1" smtClean="0">
                 <a:solidFill>
                   <a:srgbClr val="2B91AF"/>
                 </a:solidFill>
@@ -33929,7 +33807,7 @@
                 </a:highlight>
                 <a:latin typeface="Consolas" panose="020B0609020204030204" pitchFamily="49" charset="0"/>
               </a:rPr>
-              <a:t>SpellLevelDescriptionView</a:t>
+              <a:t>MapView</a:t>
             </a:r>
             <a:endParaRPr lang="fr-FR" altLang="fr-FR" dirty="0" smtClean="0">
               <a:effectLst>
@@ -34176,15 +34054,27 @@
                   <a:schemeClr val="tx1"/>
                 </a:solidFill>
               </a:rPr>
-              <a:t>Un </a:t>
+              <a:t>Un matrice 2D indiquant la passibilité des cases</a:t>
             </a:r>
+          </a:p>
+          <a:p>
+            <a:pPr lvl="1" defTabSz="914400" eaLnBrk="1" hangingPunct="1">
+              <a:spcBef>
+                <a:spcPct val="20000"/>
+              </a:spcBef>
+              <a:buClr>
+                <a:srgbClr val="FF0000"/>
+              </a:buClr>
+              <a:buFont typeface="Wingdings" panose="05000000000000000000" pitchFamily="2" charset="2"/>
+              <a:buChar char="q"/>
+            </a:pPr>
             <a:r>
               <a:rPr lang="fr-FR" altLang="en-US" dirty="0" err="1" smtClean="0">
                 <a:solidFill>
                   <a:schemeClr val="tx1"/>
                 </a:solidFill>
               </a:rPr>
-              <a:t>cooldown</a:t>
+              <a:t>Passability</a:t>
             </a:r>
             <a:r>
               <a:rPr lang="fr-FR" altLang="en-US" dirty="0" smtClean="0">
@@ -34192,20 +34082,30 @@
                   <a:schemeClr val="tx1"/>
                 </a:solidFill>
               </a:rPr>
-              <a:t> de base</a:t>
+              <a:t>[x][y]</a:t>
             </a:r>
           </a:p>
           <a:p>
-            <a:pPr marL="457200" lvl="1" indent="0" defTabSz="914400" eaLnBrk="1" hangingPunct="1">
+            <a:pPr lvl="4" defTabSz="914400" eaLnBrk="1" hangingPunct="1">
               <a:spcBef>
                 <a:spcPct val="20000"/>
               </a:spcBef>
               <a:buClr>
                 <a:srgbClr val="FF0000"/>
               </a:buClr>
+              <a:buFont typeface="Wingdings" panose="05000000000000000000" pitchFamily="2" charset="2"/>
+              <a:buChar char="q"/>
             </a:pPr>
             <a:r>
-              <a:rPr lang="fr-FR" sz="2000" dirty="0" err="1" smtClean="0">
+              <a:rPr lang="fr-FR" altLang="en-US" dirty="0" smtClean="0">
+                <a:solidFill>
+                  <a:schemeClr val="tx1"/>
+                </a:solidFill>
+              </a:rPr>
+              <a:t>  </a:t>
+            </a:r>
+            <a:r>
+              <a:rPr lang="fr-FR" dirty="0" err="1" smtClean="0">
                 <a:solidFill>
                   <a:srgbClr val="0000FF"/>
                 </a:solidFill>
@@ -34214,7 +34114,115 @@
                 </a:highlight>
                 <a:latin typeface="Consolas" panose="020B0609020204030204" pitchFamily="49" charset="0"/>
               </a:rPr>
-              <a:t>float</a:t>
+              <a:t>true</a:t>
+            </a:r>
+            <a:r>
+              <a:rPr lang="fr-FR" dirty="0" smtClean="0">
+                <a:solidFill>
+                  <a:srgbClr val="0000FF"/>
+                </a:solidFill>
+                <a:highlight>
+                  <a:srgbClr val="FFFFFF"/>
+                </a:highlight>
+                <a:latin typeface="Consolas" panose="020B0609020204030204" pitchFamily="49" charset="0"/>
+              </a:rPr>
+              <a:t> </a:t>
+            </a:r>
+            <a:r>
+              <a:rPr lang="fr-FR" altLang="en-US" dirty="0" smtClean="0">
+                <a:solidFill>
+                  <a:schemeClr val="tx1"/>
+                </a:solidFill>
+              </a:rPr>
+              <a:t>: cette case ne contient pas de mur : on peut passer.</a:t>
+            </a:r>
+          </a:p>
+          <a:p>
+            <a:pPr lvl="4" defTabSz="914400" eaLnBrk="1" hangingPunct="1">
+              <a:spcBef>
+                <a:spcPct val="20000"/>
+              </a:spcBef>
+              <a:buClr>
+                <a:srgbClr val="FF0000"/>
+              </a:buClr>
+              <a:buFont typeface="Wingdings" panose="05000000000000000000" pitchFamily="2" charset="2"/>
+              <a:buChar char="q"/>
+            </a:pPr>
+            <a:r>
+              <a:rPr lang="fr-FR" dirty="0">
+                <a:solidFill>
+                  <a:srgbClr val="0000FF"/>
+                </a:solidFill>
+                <a:highlight>
+                  <a:srgbClr val="FFFFFF"/>
+                </a:highlight>
+                <a:latin typeface="Consolas" panose="020B0609020204030204" pitchFamily="49" charset="0"/>
+              </a:rPr>
+              <a:t> </a:t>
+            </a:r>
+            <a:r>
+              <a:rPr lang="fr-FR" dirty="0" smtClean="0">
+                <a:solidFill>
+                  <a:srgbClr val="0000FF"/>
+                </a:solidFill>
+                <a:highlight>
+                  <a:srgbClr val="FFFFFF"/>
+                </a:highlight>
+                <a:latin typeface="Consolas" panose="020B0609020204030204" pitchFamily="49" charset="0"/>
+              </a:rPr>
+              <a:t>false:</a:t>
+            </a:r>
+            <a:r>
+              <a:rPr lang="fr-FR" altLang="en-US" dirty="0" smtClean="0">
+                <a:solidFill>
+                  <a:schemeClr val="tx1"/>
+                </a:solidFill>
+              </a:rPr>
+              <a:t> cette case contient un mur,</a:t>
+            </a:r>
+            <a:endParaRPr lang="fr-FR" altLang="en-US" dirty="0" smtClean="0">
+              <a:solidFill>
+                <a:schemeClr val="tx1"/>
+              </a:solidFill>
+            </a:endParaRPr>
+          </a:p>
+          <a:p>
+            <a:pPr lvl="1" defTabSz="914400" eaLnBrk="1" hangingPunct="1">
+              <a:spcBef>
+                <a:spcPct val="20000"/>
+              </a:spcBef>
+              <a:buClr>
+                <a:srgbClr val="FF0000"/>
+              </a:buClr>
+              <a:buFont typeface="Wingdings" panose="05000000000000000000" pitchFamily="2" charset="2"/>
+              <a:buChar char="q"/>
+            </a:pPr>
+            <a:endParaRPr lang="fr-FR" altLang="en-US" dirty="0" smtClean="0">
+              <a:solidFill>
+                <a:schemeClr val="tx1"/>
+              </a:solidFill>
+            </a:endParaRPr>
+          </a:p>
+          <a:p>
+            <a:pPr marL="457200" lvl="1" indent="0" defTabSz="914400" eaLnBrk="1" hangingPunct="1">
+              <a:spcBef>
+                <a:spcPct val="20000"/>
+              </a:spcBef>
+              <a:buClr>
+                <a:srgbClr val="FF0000"/>
+              </a:buClr>
+            </a:pPr>
+            <a:r>
+              <a:rPr lang="fr-FR" sz="2000" dirty="0" smtClean="0">
+                <a:solidFill>
+                  <a:srgbClr val="2B91AF"/>
+                </a:solidFill>
+                <a:highlight>
+                  <a:srgbClr val="FFFFFF"/>
+                </a:highlight>
+                <a:latin typeface="Consolas" panose="020B0609020204030204" pitchFamily="49" charset="0"/>
+              </a:rPr>
+              <a:t>List</a:t>
             </a:r>
             <a:r>
               <a:rPr lang="fr-FR" sz="2000" dirty="0">
@@ -34223,52 +34231,8 @@
                 </a:highlight>
                 <a:latin typeface="Consolas" panose="020B0609020204030204" pitchFamily="49" charset="0"/>
               </a:rPr>
-              <a:t> </a:t>
+              <a:t>&lt;</a:t>
             </a:r>
-            <a:r>
-              <a:rPr lang="fr-FR" sz="2000" dirty="0" err="1">
-                <a:highlight>
-                  <a:srgbClr val="FFFFFF"/>
-                </a:highlight>
-                <a:latin typeface="Consolas" panose="020B0609020204030204" pitchFamily="49" charset="0"/>
-              </a:rPr>
-              <a:t>BaseCooldown</a:t>
-            </a:r>
-            <a:endParaRPr lang="fr-FR" altLang="en-US" sz="2000" dirty="0" smtClean="0">
-              <a:solidFill>
-                <a:schemeClr val="tx1"/>
-              </a:solidFill>
-            </a:endParaRPr>
-          </a:p>
-          <a:p>
-            <a:pPr lvl="1" defTabSz="914400" eaLnBrk="1" hangingPunct="1">
-              <a:spcBef>
-                <a:spcPct val="20000"/>
-              </a:spcBef>
-              <a:buClr>
-                <a:srgbClr val="FF0000"/>
-              </a:buClr>
-              <a:buFont typeface="Wingdings" panose="05000000000000000000" pitchFamily="2" charset="2"/>
-              <a:buChar char="q"/>
-            </a:pPr>
-            <a:r>
-              <a:rPr lang="fr-FR" altLang="en-US" dirty="0" smtClean="0">
-                <a:solidFill>
-                  <a:schemeClr val="tx1"/>
-                </a:solidFill>
-              </a:rPr>
-              <a:t>Une liste d’altérations appliquées au lanceur du sort</a:t>
-            </a:r>
-          </a:p>
-          <a:p>
-            <a:pPr marL="457200" lvl="1" indent="0" defTabSz="914400" eaLnBrk="1" hangingPunct="1">
-              <a:spcBef>
-                <a:spcPct val="20000"/>
-              </a:spcBef>
-              <a:buClr>
-                <a:srgbClr val="FF0000"/>
-              </a:buClr>
-            </a:pPr>
             <a:r>
               <a:rPr lang="fr-FR" sz="2000" dirty="0" smtClean="0">
                 <a:solidFill>
@@ -34293,14 +34257,14 @@
             <a:r>
               <a:rPr lang="fr-FR" sz="2000" dirty="0" err="1" smtClean="0">
                 <a:solidFill>
-                  <a:srgbClr val="2B91AF"/>
+                  <a:srgbClr val="0000FF"/>
                 </a:solidFill>
                 <a:highlight>
                   <a:srgbClr val="FFFFFF"/>
                 </a:highlight>
                 <a:latin typeface="Consolas" panose="020B0609020204030204" pitchFamily="49" charset="0"/>
               </a:rPr>
-              <a:t>StateAlterationModelView</a:t>
+              <a:t>bool</a:t>
             </a:r>
             <a:r>
               <a:rPr lang="fr-FR" sz="2000" dirty="0">
@@ -34309,121 +34273,52 @@
                 </a:highlight>
                 <a:latin typeface="Consolas" panose="020B0609020204030204" pitchFamily="49" charset="0"/>
               </a:rPr>
-              <a:t>&gt; </a:t>
+              <a:t>&gt;&gt; </a:t>
             </a:r>
             <a:r>
-              <a:rPr lang="fr-FR" sz="2000" dirty="0" err="1">
+              <a:rPr lang="fr-FR" sz="2000" dirty="0" err="1" smtClean="0">
                 <a:highlight>
                   <a:srgbClr val="FFFFFF"/>
                 </a:highlight>
                 <a:latin typeface="Consolas" panose="020B0609020204030204" pitchFamily="49" charset="0"/>
               </a:rPr>
-              <a:t>CastingTimeAlterations</a:t>
+              <a:t>Passability</a:t>
             </a:r>
-            <a:r>
-              <a:rPr lang="fr-FR" sz="2000" dirty="0">
-                <a:highlight>
-                  <a:srgbClr val="FFFFFF"/>
-                </a:highlight>
-                <a:latin typeface="Consolas" panose="020B0609020204030204" pitchFamily="49" charset="0"/>
-              </a:rPr>
-              <a:t>;</a:t>
-            </a:r>
+            <a:endParaRPr lang="fr-FR" sz="2000" dirty="0">
+              <a:highlight>
+                <a:srgbClr val="FFFFFF"/>
+              </a:highlight>
+              <a:latin typeface="Consolas" panose="020B0609020204030204" pitchFamily="49" charset="0"/>
+            </a:endParaRPr>
+          </a:p>
+          <a:p>
+            <a:pPr marL="457200" lvl="1" indent="0" defTabSz="914400" eaLnBrk="1" hangingPunct="1">
+              <a:spcBef>
+                <a:spcPct val="20000"/>
+              </a:spcBef>
+              <a:buClr>
+                <a:srgbClr val="FF0000"/>
+              </a:buClr>
+            </a:pPr>
             <a:endParaRPr lang="fr-FR" altLang="en-US" sz="2000" dirty="0" smtClean="0">
               <a:solidFill>
                 <a:schemeClr val="tx1"/>
               </a:solidFill>
+              <a:highlight>
+                <a:srgbClr val="FFFFFF"/>
+              </a:highlight>
+              <a:latin typeface="Consolas" panose="020B0609020204030204" pitchFamily="49" charset="0"/>
             </a:endParaRPr>
           </a:p>
           <a:p>
-            <a:pPr lvl="1" defTabSz="914400" eaLnBrk="1" hangingPunct="1">
+            <a:pPr marL="457200" lvl="1" indent="0" defTabSz="914400" eaLnBrk="1" hangingPunct="1">
               <a:spcBef>
                 <a:spcPct val="20000"/>
               </a:spcBef>
               <a:buClr>
                 <a:srgbClr val="FF0000"/>
               </a:buClr>
-              <a:buFont typeface="Wingdings" panose="05000000000000000000" pitchFamily="2" charset="2"/>
-              <a:buChar char="q"/>
             </a:pPr>
-            <a:r>
-              <a:rPr lang="fr-FR" altLang="en-US" dirty="0" smtClean="0">
-                <a:solidFill>
-                  <a:schemeClr val="tx1"/>
-                </a:solidFill>
-              </a:rPr>
-              <a:t>Des effets à l’impact sur la cible.</a:t>
-            </a:r>
-          </a:p>
-          <a:p>
-            <a:pPr marL="457200" lvl="1" indent="0" defTabSz="914400" eaLnBrk="1" hangingPunct="1">
-              <a:spcBef>
-                <a:spcPct val="20000"/>
-              </a:spcBef>
-              <a:buClr>
-                <a:srgbClr val="FF0000"/>
-              </a:buClr>
-            </a:pPr>
-            <a:r>
-              <a:rPr lang="fr-FR" sz="2000" dirty="0" smtClean="0">
-                <a:solidFill>
-                  <a:srgbClr val="2B91AF"/>
-                </a:solidFill>
-                <a:highlight>
-                  <a:srgbClr val="FFFFFF"/>
-                </a:highlight>
-                <a:latin typeface="Consolas" panose="020B0609020204030204" pitchFamily="49" charset="0"/>
-              </a:rPr>
-              <a:t>List</a:t>
-            </a:r>
-            <a:r>
-              <a:rPr lang="fr-FR" sz="2000" dirty="0">
-                <a:highlight>
-                  <a:srgbClr val="FFFFFF"/>
-                </a:highlight>
-                <a:latin typeface="Consolas" panose="020B0609020204030204" pitchFamily="49" charset="0"/>
-              </a:rPr>
-              <a:t>&lt;</a:t>
-            </a:r>
-            <a:r>
-              <a:rPr lang="fr-FR" sz="2000" dirty="0" err="1" smtClean="0">
-                <a:solidFill>
-                  <a:srgbClr val="2B91AF"/>
-                </a:solidFill>
-                <a:highlight>
-                  <a:srgbClr val="FFFFFF"/>
-                </a:highlight>
-                <a:latin typeface="Consolas" panose="020B0609020204030204" pitchFamily="49" charset="0"/>
-              </a:rPr>
-              <a:t>StateAlterationModelView</a:t>
-            </a:r>
-            <a:r>
-              <a:rPr lang="fr-FR" sz="2000" dirty="0">
-                <a:highlight>
-                  <a:srgbClr val="FFFFFF"/>
-                </a:highlight>
-                <a:latin typeface="Consolas" panose="020B0609020204030204" pitchFamily="49" charset="0"/>
-              </a:rPr>
-              <a:t>&gt; </a:t>
-            </a:r>
-            <a:r>
-              <a:rPr lang="fr-FR" sz="2000" dirty="0" err="1">
-                <a:highlight>
-                  <a:srgbClr val="FFFFFF"/>
-                </a:highlight>
-                <a:latin typeface="Consolas" panose="020B0609020204030204" pitchFamily="49" charset="0"/>
-              </a:rPr>
-              <a:t>OnHitEffects</a:t>
-            </a:r>
-            <a:r>
-              <a:rPr lang="fr-FR" sz="2000" dirty="0">
-                <a:highlight>
-                  <a:srgbClr val="FFFFFF"/>
-                </a:highlight>
-                <a:latin typeface="Consolas" panose="020B0609020204030204" pitchFamily="49" charset="0"/>
-              </a:rPr>
-              <a:t>;</a:t>
-            </a:r>
             <a:endParaRPr lang="fr-FR" altLang="en-US" sz="2000" dirty="0">
               <a:solidFill>
                 <a:schemeClr val="tx1"/>
@@ -34435,7 +34330,7 @@
     </p:spTree>
     <p:extLst>
       <p:ext uri="{BB962C8B-B14F-4D97-AF65-F5344CB8AC3E}">
-        <p14:creationId xmlns:p14="http://schemas.microsoft.com/office/powerpoint/2010/main" val="3331209092"/>
+        <p14:creationId xmlns:p14="http://schemas.microsoft.com/office/powerpoint/2010/main" val="3695646552"/>
       </p:ext>
     </p:extLst>
   </p:cSld>
@@ -34504,675 +34399,6 @@
         </p:nvSpPr>
         <p:spPr>
           <a:xfrm>
-            <a:off x="586482" y="548680"/>
-            <a:ext cx="7918648" cy="1143000"/>
-          </a:xfrm>
-        </p:spPr>
-        <p:txBody>
-          <a:bodyPr/>
-          <a:lstStyle/>
-          <a:p>
-            <a:pPr eaLnBrk="1" hangingPunct="1">
-              <a:buClrTx/>
-              <a:buFontTx/>
-              <a:buNone/>
-              <a:tabLst>
-                <a:tab pos="0" algn="l"/>
-                <a:tab pos="914400" algn="l"/>
-                <a:tab pos="1828800" algn="l"/>
-                <a:tab pos="2743200" algn="l"/>
-                <a:tab pos="3657600" algn="l"/>
-                <a:tab pos="4572000" algn="l"/>
-                <a:tab pos="5486400" algn="l"/>
-                <a:tab pos="6400800" algn="l"/>
-                <a:tab pos="7315200" algn="l"/>
-                <a:tab pos="8229600" algn="l"/>
-                <a:tab pos="9144000" algn="l"/>
-                <a:tab pos="10058400" algn="l"/>
-              </a:tabLst>
-              <a:defRPr/>
-            </a:pPr>
-            <a:r>
-              <a:rPr lang="fr-FR" altLang="fr-FR" dirty="0" smtClean="0">
-                <a:effectLst>
-                  <a:outerShdw blurRad="38100" dist="38100" dir="2700000" algn="tl">
-                    <a:srgbClr val="C0C0C0"/>
-                  </a:outerShdw>
-                </a:effectLst>
-              </a:rPr>
-              <a:t>Comprendre la </a:t>
-            </a:r>
-            <a:r>
-              <a:rPr lang="fr-FR" altLang="fr-FR" dirty="0" err="1" smtClean="0">
-                <a:effectLst>
-                  <a:outerShdw blurRad="38100" dist="38100" dir="2700000" algn="tl">
-                    <a:srgbClr val="C0C0C0"/>
-                  </a:outerShdw>
-                </a:effectLst>
-              </a:rPr>
-              <a:t>map</a:t>
-            </a:r>
-            <a:r>
-              <a:rPr lang="fr-FR" altLang="fr-FR" dirty="0" smtClean="0">
-                <a:effectLst>
-                  <a:outerShdw blurRad="38100" dist="38100" dir="2700000" algn="tl">
-                    <a:srgbClr val="C0C0C0"/>
-                  </a:outerShdw>
-                </a:effectLst>
-              </a:rPr>
-              <a:t> </a:t>
-            </a:r>
-            <a:br>
-              <a:rPr lang="fr-FR" altLang="fr-FR" dirty="0" smtClean="0">
-                <a:effectLst>
-                  <a:outerShdw blurRad="38100" dist="38100" dir="2700000" algn="tl">
-                    <a:srgbClr val="C0C0C0"/>
-                  </a:outerShdw>
-                </a:effectLst>
-              </a:rPr>
-            </a:br>
-            <a:r>
-              <a:rPr lang="fr-FR" dirty="0" err="1" smtClean="0">
-                <a:solidFill>
-                  <a:srgbClr val="2B91AF"/>
-                </a:solidFill>
-                <a:highlight>
-                  <a:srgbClr val="FFFFFF"/>
-                </a:highlight>
-                <a:latin typeface="Consolas" panose="020B0609020204030204" pitchFamily="49" charset="0"/>
-              </a:rPr>
-              <a:t>MapView</a:t>
-            </a:r>
-            <a:endParaRPr lang="fr-FR" altLang="fr-FR" dirty="0" smtClean="0">
-              <a:effectLst>
-                <a:outerShdw blurRad="38100" dist="38100" dir="2700000" algn="tl">
-                  <a:srgbClr val="C0C0C0"/>
-                </a:outerShdw>
-              </a:effectLst>
-            </a:endParaRPr>
-          </a:p>
-        </p:txBody>
-      </p:sp>
-      <p:sp>
-        <p:nvSpPr>
-          <p:cNvPr id="40963" name="Espace réservé du contenu 1"/>
-          <p:cNvSpPr txBox="1">
-            <a:spLocks/>
-          </p:cNvSpPr>
-          <p:nvPr/>
-        </p:nvSpPr>
-        <p:spPr bwMode="auto">
-          <a:xfrm>
-            <a:off x="323850" y="2060575"/>
-            <a:ext cx="8443913" cy="4264025"/>
-          </a:xfrm>
-          <a:prstGeom prst="rect">
-            <a:avLst/>
-          </a:prstGeom>
-          <a:noFill/>
-          <a:ln>
-            <a:noFill/>
-          </a:ln>
-          <a:extLst>
-            <a:ext uri="{909E8E84-426E-40DD-AFC4-6F175D3DCCD1}">
-              <a14:hiddenFill xmlns:a14="http://schemas.microsoft.com/office/drawing/2010/main">
-                <a:solidFill>
-                  <a:srgbClr val="FFFFFF"/>
-                </a:solidFill>
-              </a14:hiddenFill>
-            </a:ext>
-            <a:ext uri="{91240B29-F687-4F45-9708-019B960494DF}">
-              <a14:hiddenLine xmlns:a14="http://schemas.microsoft.com/office/drawing/2010/main" w="9525">
-                <a:solidFill>
-                  <a:srgbClr val="000000"/>
-                </a:solidFill>
-                <a:miter lim="800000"/>
-                <a:headEnd/>
-                <a:tailEnd/>
-              </a14:hiddenLine>
-            </a:ext>
-          </a:extLst>
-        </p:spPr>
-        <p:txBody>
-          <a:bodyPr/>
-          <a:lstStyle>
-            <a:lvl1pPr>
-              <a:spcBef>
-                <a:spcPts val="800"/>
-              </a:spcBef>
-              <a:buClr>
-                <a:srgbClr val="000000"/>
-              </a:buClr>
-              <a:buSzPct val="100000"/>
-              <a:buFont typeface="Times New Roman" panose="02020603050405020304" pitchFamily="18" charset="0"/>
-              <a:defRPr sz="3200">
-                <a:solidFill>
-                  <a:srgbClr val="000000"/>
-                </a:solidFill>
-                <a:latin typeface="Arial" panose="020B0604020202020204" pitchFamily="34" charset="0"/>
-                <a:ea typeface="Osaka" charset="0"/>
-                <a:cs typeface="Osaka" charset="0"/>
-              </a:defRPr>
-            </a:lvl1pPr>
-            <a:lvl2pPr marL="914400" indent="-457200">
-              <a:spcBef>
-                <a:spcPts val="700"/>
-              </a:spcBef>
-              <a:buClr>
-                <a:srgbClr val="000000"/>
-              </a:buClr>
-              <a:buSzPct val="100000"/>
-              <a:buFont typeface="Times New Roman" panose="02020603050405020304" pitchFamily="18" charset="0"/>
-              <a:defRPr sz="2800">
-                <a:solidFill>
-                  <a:srgbClr val="000000"/>
-                </a:solidFill>
-                <a:latin typeface="Arial" panose="020B0604020202020204" pitchFamily="34" charset="0"/>
-                <a:ea typeface="Osaka" charset="0"/>
-                <a:cs typeface="Osaka" charset="0"/>
-              </a:defRPr>
-            </a:lvl2pPr>
-            <a:lvl3pPr marL="914400">
-              <a:spcBef>
-                <a:spcPts val="600"/>
-              </a:spcBef>
-              <a:buClr>
-                <a:srgbClr val="000000"/>
-              </a:buClr>
-              <a:buSzPct val="100000"/>
-              <a:buFont typeface="Times New Roman" panose="02020603050405020304" pitchFamily="18" charset="0"/>
-              <a:defRPr sz="2400">
-                <a:solidFill>
-                  <a:srgbClr val="000000"/>
-                </a:solidFill>
-                <a:latin typeface="Arial" panose="020B0604020202020204" pitchFamily="34" charset="0"/>
-                <a:ea typeface="Osaka" charset="0"/>
-                <a:cs typeface="Osaka" charset="0"/>
-              </a:defRPr>
-            </a:lvl3pPr>
-            <a:lvl4pPr marL="1371600">
-              <a:spcBef>
-                <a:spcPts val="500"/>
-              </a:spcBef>
-              <a:buClr>
-                <a:srgbClr val="000000"/>
-              </a:buClr>
-              <a:buSzPct val="100000"/>
-              <a:buFont typeface="Times New Roman" panose="02020603050405020304" pitchFamily="18" charset="0"/>
-              <a:defRPr sz="2000">
-                <a:solidFill>
-                  <a:srgbClr val="000000"/>
-                </a:solidFill>
-                <a:latin typeface="Arial" panose="020B0604020202020204" pitchFamily="34" charset="0"/>
-                <a:ea typeface="Osaka" charset="0"/>
-                <a:cs typeface="Osaka" charset="0"/>
-              </a:defRPr>
-            </a:lvl4pPr>
-            <a:lvl5pPr marL="1828800">
-              <a:spcBef>
-                <a:spcPts val="500"/>
-              </a:spcBef>
-              <a:buClr>
-                <a:srgbClr val="000000"/>
-              </a:buClr>
-              <a:buSzPct val="100000"/>
-              <a:buFont typeface="Times New Roman" panose="02020603050405020304" pitchFamily="18" charset="0"/>
-              <a:defRPr sz="2000">
-                <a:solidFill>
-                  <a:srgbClr val="000000"/>
-                </a:solidFill>
-                <a:latin typeface="Arial" panose="020B0604020202020204" pitchFamily="34" charset="0"/>
-                <a:ea typeface="Osaka" charset="0"/>
-                <a:cs typeface="Osaka" charset="0"/>
-              </a:defRPr>
-            </a:lvl5pPr>
-            <a:lvl6pPr eaLnBrk="0" fontAlgn="base" hangingPunct="0">
-              <a:spcBef>
-                <a:spcPts val="500"/>
-              </a:spcBef>
-              <a:spcAft>
-                <a:spcPct val="0"/>
-              </a:spcAft>
-              <a:buClr>
-                <a:srgbClr val="000000"/>
-              </a:buClr>
-              <a:buSzPct val="100000"/>
-              <a:buFont typeface="Times New Roman" panose="02020603050405020304" pitchFamily="18" charset="0"/>
-              <a:defRPr sz="2000">
-                <a:solidFill>
-                  <a:srgbClr val="000000"/>
-                </a:solidFill>
-                <a:latin typeface="Arial" panose="020B0604020202020204" pitchFamily="34" charset="0"/>
-                <a:ea typeface="Osaka" charset="0"/>
-                <a:cs typeface="Osaka" charset="0"/>
-              </a:defRPr>
-            </a:lvl6pPr>
-            <a:lvl7pPr eaLnBrk="0" fontAlgn="base" hangingPunct="0">
-              <a:spcBef>
-                <a:spcPts val="500"/>
-              </a:spcBef>
-              <a:spcAft>
-                <a:spcPct val="0"/>
-              </a:spcAft>
-              <a:buClr>
-                <a:srgbClr val="000000"/>
-              </a:buClr>
-              <a:buSzPct val="100000"/>
-              <a:buFont typeface="Times New Roman" panose="02020603050405020304" pitchFamily="18" charset="0"/>
-              <a:defRPr sz="2000">
-                <a:solidFill>
-                  <a:srgbClr val="000000"/>
-                </a:solidFill>
-                <a:latin typeface="Arial" panose="020B0604020202020204" pitchFamily="34" charset="0"/>
-                <a:ea typeface="Osaka" charset="0"/>
-                <a:cs typeface="Osaka" charset="0"/>
-              </a:defRPr>
-            </a:lvl7pPr>
-            <a:lvl8pPr eaLnBrk="0" fontAlgn="base" hangingPunct="0">
-              <a:spcBef>
-                <a:spcPts val="500"/>
-              </a:spcBef>
-              <a:spcAft>
-                <a:spcPct val="0"/>
-              </a:spcAft>
-              <a:buClr>
-                <a:srgbClr val="000000"/>
-              </a:buClr>
-              <a:buSzPct val="100000"/>
-              <a:buFont typeface="Times New Roman" panose="02020603050405020304" pitchFamily="18" charset="0"/>
-              <a:defRPr sz="2000">
-                <a:solidFill>
-                  <a:srgbClr val="000000"/>
-                </a:solidFill>
-                <a:latin typeface="Arial" panose="020B0604020202020204" pitchFamily="34" charset="0"/>
-                <a:ea typeface="Osaka" charset="0"/>
-                <a:cs typeface="Osaka" charset="0"/>
-              </a:defRPr>
-            </a:lvl8pPr>
-            <a:lvl9pPr eaLnBrk="0" fontAlgn="base" hangingPunct="0">
-              <a:spcBef>
-                <a:spcPts val="500"/>
-              </a:spcBef>
-              <a:spcAft>
-                <a:spcPct val="0"/>
-              </a:spcAft>
-              <a:buClr>
-                <a:srgbClr val="000000"/>
-              </a:buClr>
-              <a:buSzPct val="100000"/>
-              <a:buFont typeface="Times New Roman" panose="02020603050405020304" pitchFamily="18" charset="0"/>
-              <a:defRPr sz="2000">
-                <a:solidFill>
-                  <a:srgbClr val="000000"/>
-                </a:solidFill>
-                <a:latin typeface="Arial" panose="020B0604020202020204" pitchFamily="34" charset="0"/>
-                <a:ea typeface="Osaka" charset="0"/>
-                <a:cs typeface="Osaka" charset="0"/>
-              </a:defRPr>
-            </a:lvl9pPr>
-          </a:lstStyle>
-          <a:p>
-            <a:pPr lvl="1" defTabSz="914400" eaLnBrk="1" hangingPunct="1">
-              <a:spcBef>
-                <a:spcPct val="20000"/>
-              </a:spcBef>
-              <a:buClr>
-                <a:srgbClr val="FF0000"/>
-              </a:buClr>
-              <a:buFont typeface="Wingdings" panose="05000000000000000000" pitchFamily="2" charset="2"/>
-              <a:buChar char="q"/>
-            </a:pPr>
-            <a:r>
-              <a:rPr lang="fr-FR" altLang="en-US" dirty="0" smtClean="0">
-                <a:solidFill>
-                  <a:schemeClr val="tx1"/>
-                </a:solidFill>
-              </a:rPr>
-              <a:t>Un matrice 2D indiquant la passibilité des cases</a:t>
-            </a:r>
-          </a:p>
-          <a:p>
-            <a:pPr lvl="1" defTabSz="914400" eaLnBrk="1" hangingPunct="1">
-              <a:spcBef>
-                <a:spcPct val="20000"/>
-              </a:spcBef>
-              <a:buClr>
-                <a:srgbClr val="FF0000"/>
-              </a:buClr>
-              <a:buFont typeface="Wingdings" panose="05000000000000000000" pitchFamily="2" charset="2"/>
-              <a:buChar char="q"/>
-            </a:pPr>
-            <a:r>
-              <a:rPr lang="fr-FR" altLang="en-US" dirty="0" err="1" smtClean="0">
-                <a:solidFill>
-                  <a:schemeClr val="tx1"/>
-                </a:solidFill>
-              </a:rPr>
-              <a:t>Passability</a:t>
-            </a:r>
-            <a:r>
-              <a:rPr lang="fr-FR" altLang="en-US" dirty="0" smtClean="0">
-                <a:solidFill>
-                  <a:schemeClr val="tx1"/>
-                </a:solidFill>
-              </a:rPr>
-              <a:t>[x][y]</a:t>
-            </a:r>
-          </a:p>
-          <a:p>
-            <a:pPr lvl="4" defTabSz="914400" eaLnBrk="1" hangingPunct="1">
-              <a:spcBef>
-                <a:spcPct val="20000"/>
-              </a:spcBef>
-              <a:buClr>
-                <a:srgbClr val="FF0000"/>
-              </a:buClr>
-              <a:buFont typeface="Wingdings" panose="05000000000000000000" pitchFamily="2" charset="2"/>
-              <a:buChar char="q"/>
-            </a:pPr>
-            <a:r>
-              <a:rPr lang="fr-FR" altLang="en-US" dirty="0" smtClean="0">
-                <a:solidFill>
-                  <a:schemeClr val="tx1"/>
-                </a:solidFill>
-              </a:rPr>
-              <a:t>  </a:t>
-            </a:r>
-            <a:r>
-              <a:rPr lang="fr-FR" dirty="0" err="1" smtClean="0">
-                <a:solidFill>
-                  <a:srgbClr val="0000FF"/>
-                </a:solidFill>
-                <a:highlight>
-                  <a:srgbClr val="FFFFFF"/>
-                </a:highlight>
-                <a:latin typeface="Consolas" panose="020B0609020204030204" pitchFamily="49" charset="0"/>
-              </a:rPr>
-              <a:t>true</a:t>
-            </a:r>
-            <a:r>
-              <a:rPr lang="fr-FR" dirty="0" smtClean="0">
-                <a:solidFill>
-                  <a:srgbClr val="0000FF"/>
-                </a:solidFill>
-                <a:highlight>
-                  <a:srgbClr val="FFFFFF"/>
-                </a:highlight>
-                <a:latin typeface="Consolas" panose="020B0609020204030204" pitchFamily="49" charset="0"/>
-              </a:rPr>
-              <a:t> </a:t>
-            </a:r>
-            <a:r>
-              <a:rPr lang="fr-FR" altLang="en-US" dirty="0" smtClean="0">
-                <a:solidFill>
-                  <a:schemeClr val="tx1"/>
-                </a:solidFill>
-              </a:rPr>
-              <a:t>: cette case ne contient pas de mur : on peut passer.</a:t>
-            </a:r>
-          </a:p>
-          <a:p>
-            <a:pPr lvl="4" defTabSz="914400" eaLnBrk="1" hangingPunct="1">
-              <a:spcBef>
-                <a:spcPct val="20000"/>
-              </a:spcBef>
-              <a:buClr>
-                <a:srgbClr val="FF0000"/>
-              </a:buClr>
-              <a:buFont typeface="Wingdings" panose="05000000000000000000" pitchFamily="2" charset="2"/>
-              <a:buChar char="q"/>
-            </a:pPr>
-            <a:r>
-              <a:rPr lang="fr-FR" dirty="0">
-                <a:solidFill>
-                  <a:srgbClr val="0000FF"/>
-                </a:solidFill>
-                <a:highlight>
-                  <a:srgbClr val="FFFFFF"/>
-                </a:highlight>
-                <a:latin typeface="Consolas" panose="020B0609020204030204" pitchFamily="49" charset="0"/>
-              </a:rPr>
-              <a:t> </a:t>
-            </a:r>
-            <a:r>
-              <a:rPr lang="fr-FR" dirty="0" smtClean="0">
-                <a:solidFill>
-                  <a:srgbClr val="0000FF"/>
-                </a:solidFill>
-                <a:highlight>
-                  <a:srgbClr val="FFFFFF"/>
-                </a:highlight>
-                <a:latin typeface="Consolas" panose="020B0609020204030204" pitchFamily="49" charset="0"/>
-              </a:rPr>
-              <a:t>false:</a:t>
-            </a:r>
-            <a:r>
-              <a:rPr lang="fr-FR" altLang="en-US" dirty="0" smtClean="0">
-                <a:solidFill>
-                  <a:schemeClr val="tx1"/>
-                </a:solidFill>
-              </a:rPr>
-              <a:t> cette case contient un mur,</a:t>
-            </a:r>
-            <a:endParaRPr lang="fr-FR" altLang="en-US" dirty="0" smtClean="0">
-              <a:solidFill>
-                <a:schemeClr val="tx1"/>
-              </a:solidFill>
-            </a:endParaRPr>
-          </a:p>
-          <a:p>
-            <a:pPr lvl="1" defTabSz="914400" eaLnBrk="1" hangingPunct="1">
-              <a:spcBef>
-                <a:spcPct val="20000"/>
-              </a:spcBef>
-              <a:buClr>
-                <a:srgbClr val="FF0000"/>
-              </a:buClr>
-              <a:buFont typeface="Wingdings" panose="05000000000000000000" pitchFamily="2" charset="2"/>
-              <a:buChar char="q"/>
-            </a:pPr>
-            <a:endParaRPr lang="fr-FR" altLang="en-US" dirty="0" smtClean="0">
-              <a:solidFill>
-                <a:schemeClr val="tx1"/>
-              </a:solidFill>
-            </a:endParaRPr>
-          </a:p>
-          <a:p>
-            <a:pPr marL="457200" lvl="1" indent="0" defTabSz="914400" eaLnBrk="1" hangingPunct="1">
-              <a:spcBef>
-                <a:spcPct val="20000"/>
-              </a:spcBef>
-              <a:buClr>
-                <a:srgbClr val="FF0000"/>
-              </a:buClr>
-            </a:pPr>
-            <a:r>
-              <a:rPr lang="fr-FR" sz="2000" dirty="0" smtClean="0">
-                <a:solidFill>
-                  <a:srgbClr val="2B91AF"/>
-                </a:solidFill>
-                <a:highlight>
-                  <a:srgbClr val="FFFFFF"/>
-                </a:highlight>
-                <a:latin typeface="Consolas" panose="020B0609020204030204" pitchFamily="49" charset="0"/>
-              </a:rPr>
-              <a:t>List</a:t>
-            </a:r>
-            <a:r>
-              <a:rPr lang="fr-FR" sz="2000" dirty="0">
-                <a:highlight>
-                  <a:srgbClr val="FFFFFF"/>
-                </a:highlight>
-                <a:latin typeface="Consolas" panose="020B0609020204030204" pitchFamily="49" charset="0"/>
-              </a:rPr>
-              <a:t>&lt;</a:t>
-            </a:r>
-            <a:r>
-              <a:rPr lang="fr-FR" sz="2000" dirty="0" smtClean="0">
-                <a:solidFill>
-                  <a:srgbClr val="2B91AF"/>
-                </a:solidFill>
-                <a:highlight>
-                  <a:srgbClr val="FFFFFF"/>
-                </a:highlight>
-                <a:latin typeface="Consolas" panose="020B0609020204030204" pitchFamily="49" charset="0"/>
-              </a:rPr>
-              <a:t>List</a:t>
-            </a:r>
-            <a:r>
-              <a:rPr lang="fr-FR" sz="2000" dirty="0">
-                <a:highlight>
-                  <a:srgbClr val="FFFFFF"/>
-                </a:highlight>
-                <a:latin typeface="Consolas" panose="020B0609020204030204" pitchFamily="49" charset="0"/>
-              </a:rPr>
-              <a:t>&lt;</a:t>
-            </a:r>
-            <a:r>
-              <a:rPr lang="fr-FR" sz="2000" dirty="0" err="1" smtClean="0">
-                <a:solidFill>
-                  <a:srgbClr val="0000FF"/>
-                </a:solidFill>
-                <a:highlight>
-                  <a:srgbClr val="FFFFFF"/>
-                </a:highlight>
-                <a:latin typeface="Consolas" panose="020B0609020204030204" pitchFamily="49" charset="0"/>
-              </a:rPr>
-              <a:t>bool</a:t>
-            </a:r>
-            <a:r>
-              <a:rPr lang="fr-FR" sz="2000" dirty="0">
-                <a:highlight>
-                  <a:srgbClr val="FFFFFF"/>
-                </a:highlight>
-                <a:latin typeface="Consolas" panose="020B0609020204030204" pitchFamily="49" charset="0"/>
-              </a:rPr>
-              <a:t>&gt;&gt; </a:t>
-            </a:r>
-            <a:r>
-              <a:rPr lang="fr-FR" sz="2000" dirty="0" err="1" smtClean="0">
-                <a:highlight>
-                  <a:srgbClr val="FFFFFF"/>
-                </a:highlight>
-                <a:latin typeface="Consolas" panose="020B0609020204030204" pitchFamily="49" charset="0"/>
-              </a:rPr>
-              <a:t>Passability</a:t>
-            </a:r>
-            <a:endParaRPr lang="fr-FR" sz="2000" dirty="0">
-              <a:highlight>
-                <a:srgbClr val="FFFFFF"/>
-              </a:highlight>
-              <a:latin typeface="Consolas" panose="020B0609020204030204" pitchFamily="49" charset="0"/>
-            </a:endParaRPr>
-          </a:p>
-          <a:p>
-            <a:pPr marL="457200" lvl="1" indent="0" defTabSz="914400" eaLnBrk="1" hangingPunct="1">
-              <a:spcBef>
-                <a:spcPct val="20000"/>
-              </a:spcBef>
-              <a:buClr>
-                <a:srgbClr val="FF0000"/>
-              </a:buClr>
-            </a:pPr>
-            <a:endParaRPr lang="fr-FR" altLang="en-US" sz="2000" dirty="0" smtClean="0">
-              <a:solidFill>
-                <a:schemeClr val="tx1"/>
-              </a:solidFill>
-              <a:highlight>
-                <a:srgbClr val="FFFFFF"/>
-              </a:highlight>
-              <a:latin typeface="Consolas" panose="020B0609020204030204" pitchFamily="49" charset="0"/>
-            </a:endParaRPr>
-          </a:p>
-          <a:p>
-            <a:pPr marL="457200" lvl="1" indent="0" defTabSz="914400" eaLnBrk="1" hangingPunct="1">
-              <a:spcBef>
-                <a:spcPct val="20000"/>
-              </a:spcBef>
-              <a:buClr>
-                <a:srgbClr val="FF0000"/>
-              </a:buClr>
-            </a:pPr>
-            <a:endParaRPr lang="fr-FR" altLang="en-US" sz="2000" dirty="0">
-              <a:solidFill>
-                <a:schemeClr val="tx1"/>
-              </a:solidFill>
-            </a:endParaRPr>
-          </a:p>
-        </p:txBody>
-      </p:sp>
-    </p:spTree>
-    <p:extLst>
-      <p:ext uri="{BB962C8B-B14F-4D97-AF65-F5344CB8AC3E}">
-        <p14:creationId xmlns:p14="http://schemas.microsoft.com/office/powerpoint/2010/main" val="3695646552"/>
-      </p:ext>
-    </p:extLst>
-  </p:cSld>
-  <p:clrMapOvr>
-    <a:masterClrMapping/>
-  </p:clrMapOvr>
-  <p:transition spd="med">
-    <p:fade/>
-  </p:transition>
-  <p:timing>
-    <p:tnLst>
-      <p:par>
-        <p:cTn id="1" dur="indefinite" nodeType="tmRoot">
-          <p:childTnLst>
-            <p:seq concurrent="1" nextAc="seek">
-              <p:cTn id="2" dur="0" nodeType="mainSeq"/>
-              <p:prevCondLst>
-                <p:cond evt="onPrev" delay="0">
-                  <p:tgtEl>
-                    <p:sldTgt/>
-                  </p:tgtEl>
-                </p:cond>
-              </p:prevCondLst>
-              <p:nextCondLst>
-                <p:cond evt="onNext" delay="0">
-                  <p:tgtEl>
-                    <p:sldTgt/>
-                  </p:tgtEl>
-                </p:cond>
-              </p:nextCondLst>
-            </p:seq>
-          </p:childTnLst>
-        </p:cTn>
-      </p:par>
-    </p:tnLst>
-  </p:timing>
-</p:sld>
-</file>
-
-<file path=ppt/slides/slide36.xml><?xml version="1.0" encoding="utf-8"?>
-<p:sld xmlns:a="http://schemas.openxmlformats.org/drawingml/2006/main" xmlns:r="http://schemas.openxmlformats.org/officeDocument/2006/relationships" xmlns:p="http://schemas.openxmlformats.org/presentationml/2006/main">
-  <p:cSld>
-    <p:spTree>
-      <p:nvGrpSpPr>
-        <p:cNvPr id="1" name=""/>
-        <p:cNvGrpSpPr/>
-        <p:nvPr/>
-      </p:nvGrpSpPr>
-      <p:grpSpPr>
-        <a:xfrm>
-          <a:off x="0" y="0"/>
-          <a:ext cx="0" cy="0"/>
-          <a:chOff x="0" y="0"/>
-          <a:chExt cx="0" cy="0"/>
-        </a:xfrm>
-      </p:grpSpPr>
-      <p:sp>
-        <p:nvSpPr>
-          <p:cNvPr id="11265" name="Rectangle 1"/>
-          <p:cNvSpPr>
-            <a:spLocks noGrp="1" noChangeArrowheads="1"/>
-          </p:cNvSpPr>
-          <p:nvPr>
-            <p:ph type="title" idx="4294967295"/>
-          </p:nvPr>
-        </p:nvSpPr>
-        <p:spPr>
-          <a:xfrm>
             <a:off x="685800" y="609600"/>
             <a:ext cx="7772400" cy="1143000"/>
           </a:xfrm>
@@ -35564,7 +34790,7 @@
 </p:sld>
 </file>
 
-<file path=ppt/slides/slide37.xml><?xml version="1.0" encoding="utf-8"?>
+<file path=ppt/slides/slide36.xml><?xml version="1.0" encoding="utf-8"?>
 <p:sld xmlns:a="http://schemas.openxmlformats.org/drawingml/2006/main" xmlns:r="http://schemas.openxmlformats.org/officeDocument/2006/relationships" xmlns:p="http://schemas.openxmlformats.org/presentationml/2006/main">
   <p:cSld>
     <p:spTree>
@@ -35760,7 +34986,7 @@
 </p:sld>
 </file>
 
-<file path=ppt/slides/slide38.xml><?xml version="1.0" encoding="utf-8"?>
+<file path=ppt/slides/slide37.xml><?xml version="1.0" encoding="utf-8"?>
 <p:sld xmlns:a="http://schemas.openxmlformats.org/drawingml/2006/main" xmlns:r="http://schemas.openxmlformats.org/officeDocument/2006/relationships" xmlns:p="http://schemas.openxmlformats.org/presentationml/2006/main">
   <p:cSld>
     <p:bg>
